--- a/3-1大三上/Linux系统应用与开发（康晓军）/课件/第三章  vi的使用.pptx
+++ b/3-1大三上/Linux系统应用与开发（康晓军）/课件/第三章  vi的使用.pptx
@@ -5,34 +5,33 @@
     <p:sldMasterId id="2147483660" r:id="rId1"/>
   </p:sldMasterIdLst>
   <p:notesMasterIdLst>
-    <p:notesMasterId r:id="rId27"/>
+    <p:notesMasterId r:id="rId26"/>
   </p:notesMasterIdLst>
   <p:sldIdLst>
     <p:sldId id="258" r:id="rId2"/>
     <p:sldId id="259" r:id="rId3"/>
     <p:sldId id="260" r:id="rId4"/>
     <p:sldId id="261" r:id="rId5"/>
-    <p:sldId id="262" r:id="rId6"/>
+    <p:sldId id="283" r:id="rId6"/>
     <p:sldId id="263" r:id="rId7"/>
     <p:sldId id="264" r:id="rId8"/>
     <p:sldId id="265" r:id="rId9"/>
-    <p:sldId id="266" r:id="rId10"/>
-    <p:sldId id="267" r:id="rId11"/>
-    <p:sldId id="268" r:id="rId12"/>
-    <p:sldId id="269" r:id="rId13"/>
-    <p:sldId id="270" r:id="rId14"/>
-    <p:sldId id="271" r:id="rId15"/>
-    <p:sldId id="272" r:id="rId16"/>
-    <p:sldId id="273" r:id="rId17"/>
-    <p:sldId id="274" r:id="rId18"/>
-    <p:sldId id="275" r:id="rId19"/>
-    <p:sldId id="276" r:id="rId20"/>
-    <p:sldId id="277" r:id="rId21"/>
-    <p:sldId id="278" r:id="rId22"/>
-    <p:sldId id="279" r:id="rId23"/>
-    <p:sldId id="280" r:id="rId24"/>
-    <p:sldId id="281" r:id="rId25"/>
-    <p:sldId id="282" r:id="rId26"/>
+    <p:sldId id="267" r:id="rId10"/>
+    <p:sldId id="268" r:id="rId11"/>
+    <p:sldId id="269" r:id="rId12"/>
+    <p:sldId id="270" r:id="rId13"/>
+    <p:sldId id="271" r:id="rId14"/>
+    <p:sldId id="272" r:id="rId15"/>
+    <p:sldId id="273" r:id="rId16"/>
+    <p:sldId id="284" r:id="rId17"/>
+    <p:sldId id="285" r:id="rId18"/>
+    <p:sldId id="286" r:id="rId19"/>
+    <p:sldId id="287" r:id="rId20"/>
+    <p:sldId id="275" r:id="rId21"/>
+    <p:sldId id="276" r:id="rId22"/>
+    <p:sldId id="277" r:id="rId23"/>
+    <p:sldId id="282" r:id="rId24"/>
+    <p:sldId id="288" r:id="rId25"/>
   </p:sldIdLst>
   <p:sldSz cx="9144000" cy="6858000" type="screen4x3"/>
   <p:notesSz cx="6858000" cy="9144000"/>
@@ -216,7 +215,7 @@
           <a:p>
             <a:fld id="{E192F2FE-B025-4FDD-82BC-411D92AF2801}" type="datetimeFigureOut">
               <a:rPr lang="zh-CN" altLang="en-US" smtClean="0"/>
-              <a:t>2018/9/6</a:t>
+              <a:t>2019/9/10</a:t>
             </a:fld>
             <a:endParaRPr lang="zh-CN" altLang="en-US"/>
           </a:p>
@@ -484,147 +483,6 @@
 </p:notesMaster>
 </file>
 
-<file path=ppt/notesSlides/notesSlide1.xml><?xml version="1.0" encoding="utf-8"?>
-<p:notes xmlns:a="http://schemas.openxmlformats.org/drawingml/2006/main" xmlns:r="http://schemas.openxmlformats.org/officeDocument/2006/relationships" xmlns:p="http://schemas.openxmlformats.org/presentationml/2006/main">
-  <p:cSld>
-    <p:spTree>
-      <p:nvGrpSpPr>
-        <p:cNvPr id="1" name=""/>
-        <p:cNvGrpSpPr/>
-        <p:nvPr/>
-      </p:nvGrpSpPr>
-      <p:grpSpPr>
-        <a:xfrm>
-          <a:off x="0" y="0"/>
-          <a:ext cx="0" cy="0"/>
-          <a:chOff x="0" y="0"/>
-          <a:chExt cx="0" cy="0"/>
-        </a:xfrm>
-      </p:grpSpPr>
-      <p:sp>
-        <p:nvSpPr>
-          <p:cNvPr id="15361" name="幻灯片图像占位符 1"/>
-          <p:cNvSpPr>
-            <a:spLocks noGrp="1" noRot="1" noChangeAspect="1" noChangeArrowheads="1" noTextEdit="1"/>
-          </p:cNvSpPr>
-          <p:nvPr>
-            <p:ph type="sldImg" idx="4294967295"/>
-          </p:nvPr>
-        </p:nvSpPr>
-        <p:spPr bwMode="auto">
-          <a:ln>
-            <a:solidFill>
-              <a:srgbClr val="000000"/>
-            </a:solidFill>
-            <a:miter lim="800000"/>
-            <a:headEnd/>
-            <a:tailEnd/>
-          </a:ln>
-        </p:spPr>
-      </p:sp>
-      <p:sp>
-        <p:nvSpPr>
-          <p:cNvPr id="15362" name="备注占位符 2"/>
-          <p:cNvSpPr>
-            <a:spLocks noGrp="1" noChangeArrowheads="1"/>
-          </p:cNvSpPr>
-          <p:nvPr>
-            <p:ph type="body" idx="4294967295"/>
-          </p:nvPr>
-        </p:nvSpPr>
-        <p:spPr bwMode="auto">
-          <a:noFill/>
-          <a:ln/>
-          <a:extLst>
-            <a:ext uri="{909E8E84-426E-40DD-AFC4-6F175D3DCCD1}">
-              <a14:hiddenFill xmlns:a14="http://schemas.microsoft.com/office/drawing/2010/main">
-                <a:solidFill>
-                  <a:srgbClr val="FFFFFF"/>
-                </a:solidFill>
-              </a14:hiddenFill>
-            </a:ext>
-            <a:ext uri="{91240B29-F687-4F45-9708-019B960494DF}">
-              <a14:hiddenLine xmlns:a14="http://schemas.microsoft.com/office/drawing/2010/main" w="9525">
-                <a:solidFill>
-                  <a:srgbClr val="000000"/>
-                </a:solidFill>
-                <a:miter lim="800000"/>
-                <a:headEnd/>
-                <a:tailEnd/>
-              </a14:hiddenLine>
-            </a:ext>
-          </a:extLst>
-        </p:spPr>
-        <p:txBody>
-          <a:bodyPr wrap="square" numCol="1" anchor="t" anchorCtr="0" compatLnSpc="1">
-            <a:prstTxWarp prst="textNoShape">
-              <a:avLst/>
-            </a:prstTxWarp>
-          </a:bodyPr>
-          <a:lstStyle/>
-          <a:p>
-            <a:pPr>
-              <a:spcBef>
-                <a:spcPct val="0"/>
-              </a:spcBef>
-            </a:pPr>
-            <a:endParaRPr lang="zh-CN" altLang="en-US" smtClean="0"/>
-          </a:p>
-        </p:txBody>
-      </p:sp>
-      <p:sp>
-        <p:nvSpPr>
-          <p:cNvPr id="15363" name="灯片编号占位符 3"/>
-          <p:cNvSpPr>
-            <a:spLocks noGrp="1" noChangeArrowheads="1"/>
-          </p:cNvSpPr>
-          <p:nvPr>
-            <p:ph type="sldNum" sz="quarter" idx="5"/>
-          </p:nvPr>
-        </p:nvSpPr>
-        <p:spPr bwMode="auto">
-          <a:noFill/>
-          <a:extLst>
-            <a:ext uri="{909E8E84-426E-40DD-AFC4-6F175D3DCCD1}">
-              <a14:hiddenFill xmlns:a14="http://schemas.microsoft.com/office/drawing/2010/main">
-                <a:solidFill>
-                  <a:srgbClr val="FFFFFF"/>
-                </a:solidFill>
-              </a14:hiddenFill>
-            </a:ext>
-            <a:ext uri="{91240B29-F687-4F45-9708-019B960494DF}">
-              <a14:hiddenLine xmlns:a14="http://schemas.microsoft.com/office/drawing/2010/main" w="9525">
-                <a:solidFill>
-                  <a:srgbClr val="000000"/>
-                </a:solidFill>
-                <a:miter lim="800000"/>
-                <a:headEnd/>
-                <a:tailEnd/>
-              </a14:hiddenLine>
-            </a:ext>
-          </a:extLst>
-        </p:spPr>
-        <p:txBody>
-          <a:bodyPr/>
-          <a:lstStyle/>
-          <a:p>
-            <a:fld id="{24D2C44E-71DE-4467-89C3-B46A0BA0E2F0}" type="slidenum">
-              <a:rPr lang="zh-CN" altLang="en-US"/>
-              <a:pPr/>
-              <a:t>9</a:t>
-            </a:fld>
-            <a:endParaRPr lang="zh-CN" altLang="en-US"/>
-          </a:p>
-        </p:txBody>
-      </p:sp>
-    </p:spTree>
-  </p:cSld>
-  <p:clrMapOvr>
-    <a:masterClrMapping/>
-  </p:clrMapOvr>
-</p:notes>
-</file>
-
 <file path=ppt/slideLayouts/slideLayout1.xml><?xml version="1.0" encoding="utf-8"?>
 <p:sldLayout xmlns:a="http://schemas.openxmlformats.org/drawingml/2006/main" xmlns:r="http://schemas.openxmlformats.org/officeDocument/2006/relationships" xmlns:p="http://schemas.openxmlformats.org/presentationml/2006/main" type="title" preserve="1">
   <p:cSld name="标题幻灯片">
@@ -1002,7 +860,7 @@
           <a:p>
             <a:fld id="{F590ABB3-BAC1-4EB3-9113-DCD048D9A0EB}" type="datetimeFigureOut">
               <a:rPr lang="zh-CN" altLang="en-US" smtClean="0"/>
-              <a:t>2018/9/6</a:t>
+              <a:t>2019/9/10</a:t>
             </a:fld>
             <a:endParaRPr lang="zh-CN" altLang="en-US"/>
           </a:p>
@@ -1615,7 +1473,7 @@
           <a:p>
             <a:fld id="{F590ABB3-BAC1-4EB3-9113-DCD048D9A0EB}" type="datetimeFigureOut">
               <a:rPr lang="zh-CN" altLang="en-US" smtClean="0"/>
-              <a:t>2018/9/6</a:t>
+              <a:t>2019/9/10</a:t>
             </a:fld>
             <a:endParaRPr lang="zh-CN" altLang="en-US"/>
           </a:p>
@@ -1993,11 +1851,6 @@
               </a:rPr>
               <a:t>@cug.edu.cn</a:t>
             </a:r>
-            <a:endParaRPr lang="en-US" sz="1200" dirty="0">
-              <a:solidFill>
-                <a:srgbClr val="FFFFFF"/>
-              </a:solidFill>
-            </a:endParaRPr>
           </a:p>
         </p:txBody>
       </p:sp>
@@ -2690,411 +2543,6 @@
       </p:grpSpPr>
       <p:sp>
         <p:nvSpPr>
-          <p:cNvPr id="16385" name="Rectangle 3"/>
-          <p:cNvSpPr>
-            <a:spLocks noGrp="1" noChangeArrowheads="1"/>
-          </p:cNvSpPr>
-          <p:nvPr>
-            <p:ph idx="1"/>
-          </p:nvPr>
-        </p:nvSpPr>
-        <p:spPr>
-          <a:xfrm>
-            <a:off x="323850" y="479425"/>
-            <a:ext cx="8582025" cy="5832475"/>
-          </a:xfrm>
-        </p:spPr>
-        <p:txBody>
-          <a:bodyPr>
-            <a:normAutofit fontScale="92500" lnSpcReduction="10000"/>
-          </a:bodyPr>
-          <a:lstStyle/>
-          <a:p>
-            <a:pPr algn="just" eaLnBrk="1" hangingPunct="1"/>
-            <a:r>
-              <a:rPr lang="zh-CN" altLang="en-US" b="1" dirty="0" smtClean="0">
-                <a:latin typeface="仿宋_GB2312" pitchFamily="49" charset="-122"/>
-                <a:ea typeface="仿宋_GB2312" pitchFamily="49" charset="-122"/>
-              </a:rPr>
-              <a:t>使用</a:t>
-            </a:r>
-            <a:r>
-              <a:rPr lang="en-US" altLang="zh-CN" b="1" dirty="0" smtClean="0">
-                <a:latin typeface="仿宋_GB2312" pitchFamily="49" charset="-122"/>
-                <a:ea typeface="仿宋_GB2312" pitchFamily="49" charset="-122"/>
-              </a:rPr>
-              <a:t>vi</a:t>
-            </a:r>
-            <a:r>
-              <a:rPr lang="zh-CN" altLang="en-US" b="1" dirty="0" smtClean="0">
-                <a:latin typeface="仿宋_GB2312" pitchFamily="49" charset="-122"/>
-                <a:ea typeface="仿宋_GB2312" pitchFamily="49" charset="-122"/>
-              </a:rPr>
-              <a:t>编辑文档</a:t>
-            </a:r>
-          </a:p>
-          <a:p>
-            <a:pPr algn="just" eaLnBrk="1" hangingPunct="1"/>
-            <a:r>
-              <a:rPr lang="en-US" altLang="zh-CN" b="1" dirty="0" smtClean="0">
-                <a:latin typeface="仿宋_GB2312" pitchFamily="49" charset="-122"/>
-                <a:ea typeface="仿宋_GB2312" pitchFamily="49" charset="-122"/>
-              </a:rPr>
-              <a:t>1.</a:t>
-            </a:r>
-            <a:r>
-              <a:rPr lang="zh-CN" altLang="en-US" b="1" dirty="0" smtClean="0">
-                <a:latin typeface="仿宋_GB2312" pitchFamily="49" charset="-122"/>
-                <a:ea typeface="仿宋_GB2312" pitchFamily="49" charset="-122"/>
-              </a:rPr>
-              <a:t>新建一个文档</a:t>
-            </a:r>
-          </a:p>
-          <a:p>
-            <a:pPr algn="just" eaLnBrk="1" hangingPunct="1">
-              <a:lnSpc>
-                <a:spcPts val="4200"/>
-              </a:lnSpc>
-              <a:spcBef>
-                <a:spcPct val="0"/>
-              </a:spcBef>
-            </a:pPr>
-            <a:r>
-              <a:rPr lang="zh-CN" altLang="en-US" sz="2200" dirty="0" smtClean="0">
-                <a:latin typeface="仿宋_GB2312" pitchFamily="49" charset="-122"/>
-                <a:ea typeface="仿宋_GB2312" pitchFamily="49" charset="-122"/>
-              </a:rPr>
-              <a:t>      在</a:t>
-            </a:r>
-            <a:r>
-              <a:rPr lang="en-US" altLang="zh-CN" sz="2200" dirty="0" smtClean="0">
-                <a:latin typeface="仿宋_GB2312" pitchFamily="49" charset="-122"/>
-                <a:ea typeface="仿宋_GB2312" pitchFamily="49" charset="-122"/>
-              </a:rPr>
-              <a:t>Linux</a:t>
-            </a:r>
-            <a:r>
-              <a:rPr lang="zh-CN" altLang="en-US" sz="2200" dirty="0" smtClean="0">
-                <a:latin typeface="仿宋_GB2312" pitchFamily="49" charset="-122"/>
-                <a:ea typeface="仿宋_GB2312" pitchFamily="49" charset="-122"/>
-              </a:rPr>
-              <a:t>的终端命令主提示符下输入</a:t>
-            </a:r>
-            <a:r>
-              <a:rPr lang="en-US" altLang="zh-CN" sz="2200" dirty="0" smtClean="0">
-                <a:latin typeface="仿宋_GB2312" pitchFamily="49" charset="-122"/>
-                <a:ea typeface="仿宋_GB2312" pitchFamily="49" charset="-122"/>
-              </a:rPr>
-              <a:t>vi</a:t>
-            </a:r>
-            <a:r>
-              <a:rPr lang="zh-CN" altLang="en-US" sz="2200" dirty="0" smtClean="0">
-                <a:latin typeface="仿宋_GB2312" pitchFamily="49" charset="-122"/>
-                <a:ea typeface="仿宋_GB2312" pitchFamily="49" charset="-122"/>
-              </a:rPr>
-              <a:t>后可以打开其主界面，然后按下“</a:t>
-            </a:r>
-            <a:r>
-              <a:rPr lang="en-US" altLang="zh-CN" sz="2200" b="1" dirty="0" smtClean="0">
-                <a:solidFill>
-                  <a:srgbClr val="FF0000"/>
-                </a:solidFill>
-                <a:latin typeface="仿宋_GB2312" pitchFamily="49" charset="-122"/>
-                <a:ea typeface="仿宋_GB2312" pitchFamily="49" charset="-122"/>
-              </a:rPr>
-              <a:t>i</a:t>
-            </a:r>
-            <a:r>
-              <a:rPr lang="en-US" altLang="zh-CN" sz="2200" dirty="0" smtClean="0">
-                <a:latin typeface="仿宋_GB2312" pitchFamily="49" charset="-122"/>
-                <a:ea typeface="仿宋_GB2312" pitchFamily="49" charset="-122"/>
-              </a:rPr>
-              <a:t>”</a:t>
-            </a:r>
-            <a:r>
-              <a:rPr lang="zh-CN" altLang="en-US" sz="2200" dirty="0" smtClean="0">
-                <a:latin typeface="仿宋_GB2312" pitchFamily="49" charset="-122"/>
-                <a:ea typeface="仿宋_GB2312" pitchFamily="49" charset="-122"/>
-              </a:rPr>
-              <a:t>键，进入输入模式，然后输入文本，如图所示。可以使用</a:t>
-            </a:r>
-            <a:r>
-              <a:rPr lang="en-US" altLang="zh-CN" sz="2200" b="1" dirty="0" smtClean="0">
-                <a:solidFill>
-                  <a:srgbClr val="FF0000"/>
-                </a:solidFill>
-                <a:latin typeface="仿宋_GB2312" pitchFamily="49" charset="-122"/>
-                <a:ea typeface="仿宋_GB2312" pitchFamily="49" charset="-122"/>
-              </a:rPr>
-              <a:t>Enter</a:t>
-            </a:r>
-            <a:r>
-              <a:rPr lang="zh-CN" altLang="en-US" sz="2200" dirty="0" smtClean="0">
-                <a:latin typeface="仿宋_GB2312" pitchFamily="49" charset="-122"/>
-                <a:ea typeface="仿宋_GB2312" pitchFamily="49" charset="-122"/>
-              </a:rPr>
-              <a:t>键来换行，使用</a:t>
-            </a:r>
-            <a:r>
-              <a:rPr lang="en-US" altLang="zh-CN" sz="2200" b="1" dirty="0" smtClean="0">
-                <a:solidFill>
-                  <a:srgbClr val="FF0000"/>
-                </a:solidFill>
-                <a:latin typeface="仿宋_GB2312" pitchFamily="49" charset="-122"/>
-                <a:ea typeface="仿宋_GB2312" pitchFamily="49" charset="-122"/>
-              </a:rPr>
-              <a:t>Backspace</a:t>
-            </a:r>
-            <a:r>
-              <a:rPr lang="zh-CN" altLang="en-US" sz="2200" dirty="0" smtClean="0">
-                <a:latin typeface="仿宋_GB2312" pitchFamily="49" charset="-122"/>
-                <a:ea typeface="仿宋_GB2312" pitchFamily="49" charset="-122"/>
-              </a:rPr>
-              <a:t>键删除前面的文字。文本输入完成以后，按下“</a:t>
-            </a:r>
-            <a:r>
-              <a:rPr lang="en-US" altLang="zh-CN" sz="2200" b="1" dirty="0" smtClean="0">
-                <a:solidFill>
-                  <a:srgbClr val="FF0000"/>
-                </a:solidFill>
-                <a:latin typeface="仿宋_GB2312" pitchFamily="49" charset="-122"/>
-                <a:ea typeface="仿宋_GB2312" pitchFamily="49" charset="-122"/>
-              </a:rPr>
-              <a:t>Esc</a:t>
-            </a:r>
-            <a:r>
-              <a:rPr lang="en-US" altLang="zh-CN" sz="2200" dirty="0" smtClean="0">
-                <a:latin typeface="仿宋_GB2312" pitchFamily="49" charset="-122"/>
-                <a:ea typeface="仿宋_GB2312" pitchFamily="49" charset="-122"/>
-              </a:rPr>
-              <a:t>”</a:t>
-            </a:r>
-            <a:r>
-              <a:rPr lang="zh-CN" altLang="en-US" sz="2200" dirty="0" smtClean="0">
-                <a:latin typeface="仿宋_GB2312" pitchFamily="49" charset="-122"/>
-                <a:ea typeface="仿宋_GB2312" pitchFamily="49" charset="-122"/>
-              </a:rPr>
-              <a:t>键切换到命令模式。</a:t>
-            </a:r>
-          </a:p>
-          <a:p>
-            <a:pPr algn="just" eaLnBrk="1" hangingPunct="1">
-              <a:lnSpc>
-                <a:spcPts val="4200"/>
-              </a:lnSpc>
-              <a:spcBef>
-                <a:spcPct val="0"/>
-              </a:spcBef>
-            </a:pPr>
-            <a:r>
-              <a:rPr lang="zh-CN" altLang="en-US" sz="2200" dirty="0" smtClean="0">
-                <a:latin typeface="仿宋_GB2312" pitchFamily="49" charset="-122"/>
-                <a:ea typeface="仿宋_GB2312" pitchFamily="49" charset="-122"/>
-              </a:rPr>
-              <a:t>     为了保存输入的内容，在命令模式下输入“</a:t>
-            </a:r>
-            <a:r>
-              <a:rPr lang="en-US" altLang="zh-CN" sz="2200" b="1" dirty="0" smtClean="0">
-                <a:solidFill>
-                  <a:srgbClr val="FF0000"/>
-                </a:solidFill>
-                <a:latin typeface="仿宋_GB2312" pitchFamily="49" charset="-122"/>
-                <a:ea typeface="仿宋_GB2312" pitchFamily="49" charset="-122"/>
-              </a:rPr>
-              <a:t>:w </a:t>
-            </a:r>
-            <a:r>
-              <a:rPr lang="en-US" altLang="zh-CN" sz="2200" b="1" dirty="0" err="1" smtClean="0">
-                <a:solidFill>
-                  <a:srgbClr val="000099"/>
-                </a:solidFill>
-                <a:latin typeface="仿宋_GB2312" pitchFamily="49" charset="-122"/>
-                <a:ea typeface="仿宋_GB2312" pitchFamily="49" charset="-122"/>
-              </a:rPr>
-              <a:t>vi_test</a:t>
-            </a:r>
-            <a:r>
-              <a:rPr lang="en-US" altLang="zh-CN" sz="2200" dirty="0" smtClean="0">
-                <a:latin typeface="仿宋_GB2312" pitchFamily="49" charset="-122"/>
-                <a:ea typeface="仿宋_GB2312" pitchFamily="49" charset="-122"/>
-              </a:rPr>
-              <a:t>”</a:t>
-            </a:r>
-            <a:r>
-              <a:rPr lang="zh-CN" altLang="en-US" sz="2200" dirty="0" smtClean="0">
-                <a:latin typeface="仿宋_GB2312" pitchFamily="49" charset="-122"/>
-                <a:ea typeface="仿宋_GB2312" pitchFamily="49" charset="-122"/>
-              </a:rPr>
-              <a:t>，然后按</a:t>
-            </a:r>
-            <a:r>
-              <a:rPr lang="en-US" altLang="zh-CN" sz="2200" dirty="0" smtClean="0">
-                <a:latin typeface="仿宋_GB2312" pitchFamily="49" charset="-122"/>
-                <a:ea typeface="仿宋_GB2312" pitchFamily="49" charset="-122"/>
-              </a:rPr>
-              <a:t>Enter</a:t>
-            </a:r>
-            <a:r>
-              <a:rPr lang="zh-CN" altLang="en-US" sz="2200" dirty="0" smtClean="0">
-                <a:latin typeface="仿宋_GB2312" pitchFamily="49" charset="-122"/>
-                <a:ea typeface="仿宋_GB2312" pitchFamily="49" charset="-122"/>
-              </a:rPr>
-              <a:t>键，此时</a:t>
-            </a:r>
-            <a:r>
-              <a:rPr lang="en-US" altLang="zh-CN" sz="2200" dirty="0" smtClean="0">
-                <a:latin typeface="仿宋_GB2312" pitchFamily="49" charset="-122"/>
-                <a:ea typeface="仿宋_GB2312" pitchFamily="49" charset="-122"/>
-              </a:rPr>
-              <a:t>vi</a:t>
-            </a:r>
-            <a:r>
-              <a:rPr lang="zh-CN" altLang="en-US" sz="2200" dirty="0" smtClean="0">
-                <a:latin typeface="仿宋_GB2312" pitchFamily="49" charset="-122"/>
-                <a:ea typeface="仿宋_GB2312" pitchFamily="49" charset="-122"/>
-              </a:rPr>
-              <a:t>会新建一个</a:t>
-            </a:r>
-            <a:r>
-              <a:rPr lang="en-US" altLang="zh-CN" sz="2200" dirty="0" err="1" smtClean="0">
-                <a:latin typeface="仿宋_GB2312" pitchFamily="49" charset="-122"/>
-                <a:ea typeface="仿宋_GB2312" pitchFamily="49" charset="-122"/>
-              </a:rPr>
-              <a:t>vi_test</a:t>
-            </a:r>
-            <a:r>
-              <a:rPr lang="zh-CN" altLang="en-US" sz="2200" dirty="0" smtClean="0">
-                <a:latin typeface="仿宋_GB2312" pitchFamily="49" charset="-122"/>
-                <a:ea typeface="仿宋_GB2312" pitchFamily="49" charset="-122"/>
-              </a:rPr>
-              <a:t>文件，将文本区输入的内容写入该文件。</a:t>
-            </a:r>
-          </a:p>
-          <a:p>
-            <a:pPr algn="just" eaLnBrk="1" hangingPunct="1">
-              <a:lnSpc>
-                <a:spcPts val="4200"/>
-              </a:lnSpc>
-              <a:spcBef>
-                <a:spcPct val="0"/>
-              </a:spcBef>
-            </a:pPr>
-            <a:r>
-              <a:rPr lang="zh-CN" altLang="en-US" sz="2200" dirty="0" smtClean="0">
-                <a:latin typeface="仿宋_GB2312" pitchFamily="49" charset="-122"/>
-                <a:ea typeface="仿宋_GB2312" pitchFamily="49" charset="-122"/>
-              </a:rPr>
-              <a:t>      在命令行模式下输入“</a:t>
-            </a:r>
-            <a:r>
-              <a:rPr lang="en-US" altLang="zh-CN" sz="2200" b="1" dirty="0" smtClean="0">
-                <a:solidFill>
-                  <a:srgbClr val="FF0000"/>
-                </a:solidFill>
-                <a:latin typeface="仿宋_GB2312" pitchFamily="49" charset="-122"/>
-                <a:ea typeface="仿宋_GB2312" pitchFamily="49" charset="-122"/>
-              </a:rPr>
-              <a:t>:q</a:t>
-            </a:r>
-            <a:r>
-              <a:rPr lang="en-US" altLang="zh-CN" sz="2200" dirty="0" smtClean="0">
-                <a:latin typeface="仿宋_GB2312" pitchFamily="49" charset="-122"/>
-                <a:ea typeface="仿宋_GB2312" pitchFamily="49" charset="-122"/>
-              </a:rPr>
-              <a:t>”</a:t>
-            </a:r>
-            <a:r>
-              <a:rPr lang="zh-CN" altLang="en-US" sz="2200" dirty="0" smtClean="0">
-                <a:latin typeface="仿宋_GB2312" pitchFamily="49" charset="-122"/>
-                <a:ea typeface="仿宋_GB2312" pitchFamily="49" charset="-122"/>
-              </a:rPr>
-              <a:t>（引号内的部分）并按</a:t>
-            </a:r>
-            <a:r>
-              <a:rPr lang="en-US" altLang="zh-CN" sz="2200" dirty="0" smtClean="0">
-                <a:latin typeface="仿宋_GB2312" pitchFamily="49" charset="-122"/>
-                <a:ea typeface="仿宋_GB2312" pitchFamily="49" charset="-122"/>
-              </a:rPr>
-              <a:t>Enter</a:t>
-            </a:r>
-            <a:r>
-              <a:rPr lang="zh-CN" altLang="en-US" sz="2200" dirty="0" smtClean="0">
-                <a:latin typeface="仿宋_GB2312" pitchFamily="49" charset="-122"/>
-                <a:ea typeface="仿宋_GB2312" pitchFamily="49" charset="-122"/>
-              </a:rPr>
-              <a:t>键，退出</a:t>
-            </a:r>
-            <a:r>
-              <a:rPr lang="en-US" altLang="zh-CN" sz="2200" dirty="0" smtClean="0">
-                <a:latin typeface="仿宋_GB2312" pitchFamily="49" charset="-122"/>
-                <a:ea typeface="仿宋_GB2312" pitchFamily="49" charset="-122"/>
-              </a:rPr>
-              <a:t>vi</a:t>
-            </a:r>
-            <a:r>
-              <a:rPr lang="zh-CN" altLang="en-US" sz="2200" dirty="0" smtClean="0">
-                <a:latin typeface="仿宋_GB2312" pitchFamily="49" charset="-122"/>
-                <a:ea typeface="仿宋_GB2312" pitchFamily="49" charset="-122"/>
-              </a:rPr>
-              <a:t>，并回到</a:t>
-            </a:r>
-            <a:r>
-              <a:rPr lang="en-US" altLang="zh-CN" sz="2200" dirty="0" smtClean="0">
-                <a:latin typeface="仿宋_GB2312" pitchFamily="49" charset="-122"/>
-                <a:ea typeface="仿宋_GB2312" pitchFamily="49" charset="-122"/>
-              </a:rPr>
-              <a:t>shell</a:t>
-            </a:r>
-            <a:r>
-              <a:rPr lang="zh-CN" altLang="en-US" sz="2200" dirty="0" smtClean="0">
-                <a:latin typeface="仿宋_GB2312" pitchFamily="49" charset="-122"/>
-                <a:ea typeface="仿宋_GB2312" pitchFamily="49" charset="-122"/>
-              </a:rPr>
-              <a:t>命令提示符。</a:t>
-            </a:r>
-          </a:p>
-        </p:txBody>
-      </p:sp>
-    </p:spTree>
-    <p:extLst>
-      <p:ext uri="{BB962C8B-B14F-4D97-AF65-F5344CB8AC3E}">
-        <p14:creationId xmlns:p14="http://schemas.microsoft.com/office/powerpoint/2010/main" val="1625415986"/>
-      </p:ext>
-    </p:extLst>
-  </p:cSld>
-  <p:clrMapOvr>
-    <a:masterClrMapping/>
-  </p:clrMapOvr>
-  <mc:AlternateContent xmlns:mc="http://schemas.openxmlformats.org/markup-compatibility/2006" xmlns:p14="http://schemas.microsoft.com/office/powerpoint/2010/main">
-    <mc:Choice Requires="p14">
-      <p:transition spd="slow" p14:dur="2000"/>
-    </mc:Choice>
-    <mc:Fallback xmlns="">
-      <p:transition spd="slow"/>
-    </mc:Fallback>
-  </mc:AlternateContent>
-</p:sld>
-</file>
-
-<file path=ppt/slides/slide11.xml><?xml version="1.0" encoding="utf-8"?>
-<p:sld xmlns:a="http://schemas.openxmlformats.org/drawingml/2006/main" xmlns:r="http://schemas.openxmlformats.org/officeDocument/2006/relationships" xmlns:p="http://schemas.openxmlformats.org/presentationml/2006/main">
-  <p:cSld>
-    <p:spTree>
-      <p:nvGrpSpPr>
-        <p:cNvPr id="1" name=""/>
-        <p:cNvGrpSpPr/>
-        <p:nvPr/>
-      </p:nvGrpSpPr>
-      <p:grpSpPr>
-        <a:xfrm>
-          <a:off x="0" y="0"/>
-          <a:ext cx="0" cy="0"/>
-          <a:chOff x="0" y="0"/>
-          <a:chExt cx="0" cy="0"/>
-        </a:xfrm>
-      </p:grpSpPr>
-      <p:sp>
-        <p:nvSpPr>
           <p:cNvPr id="3" name="内容占位符 2"/>
           <p:cNvSpPr>
             <a:spLocks noGrp="1"/>
@@ -3268,7 +2716,7 @@
 </p:sld>
 </file>
 
-<file path=ppt/slides/slide12.xml><?xml version="1.0" encoding="utf-8"?>
+<file path=ppt/slides/slide11.xml><?xml version="1.0" encoding="utf-8"?>
 <p:sld xmlns:a="http://schemas.openxmlformats.org/drawingml/2006/main" xmlns:r="http://schemas.openxmlformats.org/officeDocument/2006/relationships" xmlns:p="http://schemas.openxmlformats.org/presentationml/2006/main">
   <p:cSld>
     <p:spTree>
@@ -3308,6 +2756,9 @@
             <a:pPr algn="just" eaLnBrk="1" hangingPunct="1"/>
             <a:r>
               <a:rPr lang="en-US" altLang="zh-CN" sz="2200" b="1" dirty="0" smtClean="0">
+                <a:solidFill>
+                  <a:schemeClr val="bg1"/>
+                </a:solidFill>
                 <a:latin typeface="仿宋_GB2312" pitchFamily="49" charset="-122"/>
                 <a:ea typeface="仿宋_GB2312" pitchFamily="49" charset="-122"/>
               </a:rPr>
@@ -3663,7 +3114,7 @@
 </p:sld>
 </file>
 
-<file path=ppt/slides/slide13.xml><?xml version="1.0" encoding="utf-8"?>
+<file path=ppt/slides/slide12.xml><?xml version="1.0" encoding="utf-8"?>
 <p:sld xmlns:a="http://schemas.openxmlformats.org/drawingml/2006/main" xmlns:r="http://schemas.openxmlformats.org/officeDocument/2006/relationships" xmlns:p="http://schemas.openxmlformats.org/presentationml/2006/main">
   <p:cSld>
     <p:spTree>
@@ -3795,7 +3246,7 @@
 </p:sld>
 </file>
 
-<file path=ppt/slides/slide14.xml><?xml version="1.0" encoding="utf-8"?>
+<file path=ppt/slides/slide13.xml><?xml version="1.0" encoding="utf-8"?>
 <p:sld xmlns:a="http://schemas.openxmlformats.org/drawingml/2006/main" xmlns:r="http://schemas.openxmlformats.org/officeDocument/2006/relationships" xmlns:p="http://schemas.openxmlformats.org/presentationml/2006/main">
   <p:cSld>
     <p:spTree>
@@ -4216,7 +3667,7 @@
 </p:sld>
 </file>
 
-<file path=ppt/slides/slide15.xml><?xml version="1.0" encoding="utf-8"?>
+<file path=ppt/slides/slide14.xml><?xml version="1.0" encoding="utf-8"?>
 <p:sld xmlns:a="http://schemas.openxmlformats.org/drawingml/2006/main" xmlns:r="http://schemas.openxmlformats.org/officeDocument/2006/relationships" xmlns:p="http://schemas.openxmlformats.org/presentationml/2006/main">
   <p:cSld>
     <p:spTree>
@@ -4245,7 +3696,7 @@
         </p:nvSpPr>
         <p:spPr>
           <a:xfrm>
-            <a:off x="539750" y="908050"/>
+            <a:off x="539552" y="620688"/>
             <a:ext cx="7848600" cy="4967288"/>
           </a:xfrm>
         </p:spPr>
@@ -4257,14 +3708,20 @@
           <a:p>
             <a:pPr algn="just" eaLnBrk="1" hangingPunct="1"/>
             <a:r>
-              <a:rPr lang="en-US" altLang="zh-CN" b="1" smtClean="0">
+              <a:rPr lang="en-US" altLang="zh-CN" b="1" dirty="0" smtClean="0">
+                <a:solidFill>
+                  <a:schemeClr val="bg1"/>
+                </a:solidFill>
                 <a:latin typeface="仿宋_GB2312" pitchFamily="49" charset="-122"/>
                 <a:ea typeface="仿宋_GB2312" pitchFamily="49" charset="-122"/>
               </a:rPr>
               <a:t>3.</a:t>
             </a:r>
             <a:r>
-              <a:rPr lang="zh-CN" altLang="en-US" b="1" smtClean="0">
+              <a:rPr lang="zh-CN" altLang="en-US" b="1" dirty="0" smtClean="0">
+                <a:solidFill>
+                  <a:schemeClr val="bg1"/>
+                </a:solidFill>
                 <a:latin typeface="仿宋_GB2312" pitchFamily="49" charset="-122"/>
                 <a:ea typeface="仿宋_GB2312" pitchFamily="49" charset="-122"/>
               </a:rPr>
@@ -4274,14 +3731,14 @@
           <a:p>
             <a:pPr algn="just" eaLnBrk="1" hangingPunct="1"/>
             <a:r>
-              <a:rPr lang="en-US" altLang="zh-CN" smtClean="0">
+              <a:rPr lang="en-US" altLang="zh-CN" dirty="0" smtClean="0">
                 <a:latin typeface="仿宋_GB2312" pitchFamily="49" charset="-122"/>
                 <a:ea typeface="仿宋_GB2312" pitchFamily="49" charset="-122"/>
               </a:rPr>
               <a:t>     vi</a:t>
             </a:r>
             <a:r>
-              <a:rPr lang="zh-CN" altLang="en-US" smtClean="0">
+              <a:rPr lang="zh-CN" altLang="en-US" dirty="0" smtClean="0">
                 <a:latin typeface="仿宋_GB2312" pitchFamily="49" charset="-122"/>
                 <a:ea typeface="仿宋_GB2312" pitchFamily="49" charset="-122"/>
               </a:rPr>
@@ -4291,76 +3748,127 @@
           <a:p>
             <a:pPr algn="just" eaLnBrk="1" hangingPunct="1"/>
             <a:r>
-              <a:rPr lang="en-US" altLang="zh-CN" smtClean="0">
-                <a:latin typeface="仿宋_GB2312" pitchFamily="49" charset="-122"/>
-                <a:ea typeface="仿宋_GB2312" pitchFamily="49" charset="-122"/>
-              </a:rPr>
-              <a:t>[root@myhost root]# </a:t>
-            </a:r>
-            <a:r>
-              <a:rPr lang="en-US" altLang="zh-CN" smtClean="0">
+              <a:rPr lang="en-US" altLang="zh-CN" dirty="0" smtClean="0">
+                <a:latin typeface="仿宋_GB2312" pitchFamily="49" charset="-122"/>
+                <a:ea typeface="仿宋_GB2312" pitchFamily="49" charset="-122"/>
+              </a:rPr>
+              <a:t>[</a:t>
+            </a:r>
+            <a:r>
+              <a:rPr lang="en-US" altLang="zh-CN" dirty="0" err="1" smtClean="0">
+                <a:latin typeface="仿宋_GB2312" pitchFamily="49" charset="-122"/>
+                <a:ea typeface="仿宋_GB2312" pitchFamily="49" charset="-122"/>
+              </a:rPr>
+              <a:t>root@myhost</a:t>
+            </a:r>
+            <a:r>
+              <a:rPr lang="en-US" altLang="zh-CN" dirty="0" smtClean="0">
+                <a:latin typeface="仿宋_GB2312" pitchFamily="49" charset="-122"/>
+                <a:ea typeface="仿宋_GB2312" pitchFamily="49" charset="-122"/>
+              </a:rPr>
+              <a:t> root]# </a:t>
+            </a:r>
+            <a:r>
+              <a:rPr lang="en-US" altLang="zh-CN" dirty="0" smtClean="0">
                 <a:solidFill>
                   <a:srgbClr val="800000"/>
                 </a:solidFill>
                 <a:latin typeface="仿宋_GB2312" pitchFamily="49" charset="-122"/>
                 <a:ea typeface="仿宋_GB2312" pitchFamily="49" charset="-122"/>
               </a:rPr>
-              <a:t>vi  vi_file  vi_test</a:t>
-            </a:r>
+              <a:t>vi  </a:t>
+            </a:r>
+            <a:r>
+              <a:rPr lang="en-US" altLang="zh-CN" dirty="0" err="1" smtClean="0">
+                <a:solidFill>
+                  <a:srgbClr val="800000"/>
+                </a:solidFill>
+                <a:latin typeface="仿宋_GB2312" pitchFamily="49" charset="-122"/>
+                <a:ea typeface="仿宋_GB2312" pitchFamily="49" charset="-122"/>
+              </a:rPr>
+              <a:t>vi_file</a:t>
+            </a:r>
+            <a:r>
+              <a:rPr lang="en-US" altLang="zh-CN" dirty="0" smtClean="0">
+                <a:solidFill>
+                  <a:srgbClr val="800000"/>
+                </a:solidFill>
+                <a:latin typeface="仿宋_GB2312" pitchFamily="49" charset="-122"/>
+                <a:ea typeface="仿宋_GB2312" pitchFamily="49" charset="-122"/>
+              </a:rPr>
+              <a:t>  </a:t>
+            </a:r>
+            <a:r>
+              <a:rPr lang="en-US" altLang="zh-CN" dirty="0" err="1" smtClean="0">
+                <a:solidFill>
+                  <a:srgbClr val="800000"/>
+                </a:solidFill>
+                <a:latin typeface="仿宋_GB2312" pitchFamily="49" charset="-122"/>
+                <a:ea typeface="仿宋_GB2312" pitchFamily="49" charset="-122"/>
+              </a:rPr>
+              <a:t>vi_test</a:t>
+            </a:r>
+            <a:endParaRPr lang="en-US" altLang="zh-CN" dirty="0" smtClean="0">
+              <a:solidFill>
+                <a:srgbClr val="800000"/>
+              </a:solidFill>
+              <a:latin typeface="仿宋_GB2312" pitchFamily="49" charset="-122"/>
+              <a:ea typeface="仿宋_GB2312" pitchFamily="49" charset="-122"/>
+            </a:endParaRPr>
           </a:p>
           <a:p>
             <a:pPr algn="just" eaLnBrk="1" hangingPunct="1"/>
             <a:r>
-              <a:rPr lang="zh-CN" altLang="en-US" smtClean="0">
+              <a:rPr lang="zh-CN" altLang="en-US" dirty="0" smtClean="0">
                 <a:latin typeface="仿宋_GB2312" pitchFamily="49" charset="-122"/>
                 <a:ea typeface="仿宋_GB2312" pitchFamily="49" charset="-122"/>
               </a:rPr>
               <a:t>     在输入上述命令后按</a:t>
             </a:r>
             <a:r>
-              <a:rPr lang="en-US" altLang="zh-CN" smtClean="0">
+              <a:rPr lang="en-US" altLang="zh-CN" dirty="0" smtClean="0">
                 <a:latin typeface="仿宋_GB2312" pitchFamily="49" charset="-122"/>
                 <a:ea typeface="仿宋_GB2312" pitchFamily="49" charset="-122"/>
               </a:rPr>
               <a:t>Enter</a:t>
             </a:r>
             <a:r>
-              <a:rPr lang="zh-CN" altLang="en-US" smtClean="0">
+              <a:rPr lang="zh-CN" altLang="en-US" dirty="0" smtClean="0">
                 <a:latin typeface="仿宋_GB2312" pitchFamily="49" charset="-122"/>
                 <a:ea typeface="仿宋_GB2312" pitchFamily="49" charset="-122"/>
               </a:rPr>
               <a:t>键，</a:t>
             </a:r>
             <a:r>
-              <a:rPr lang="en-US" altLang="zh-CN" smtClean="0">
+              <a:rPr lang="en-US" altLang="zh-CN" dirty="0" smtClean="0">
                 <a:latin typeface="仿宋_GB2312" pitchFamily="49" charset="-122"/>
                 <a:ea typeface="仿宋_GB2312" pitchFamily="49" charset="-122"/>
               </a:rPr>
               <a:t>vi</a:t>
             </a:r>
             <a:r>
-              <a:rPr lang="zh-CN" altLang="en-US" smtClean="0">
+              <a:rPr lang="zh-CN" altLang="en-US" dirty="0" smtClean="0">
                 <a:latin typeface="仿宋_GB2312" pitchFamily="49" charset="-122"/>
                 <a:ea typeface="仿宋_GB2312" pitchFamily="49" charset="-122"/>
               </a:rPr>
               <a:t>将第一个文件</a:t>
             </a:r>
             <a:r>
-              <a:rPr lang="en-US" altLang="zh-CN" smtClean="0">
+              <a:rPr lang="en-US" altLang="zh-CN" dirty="0" err="1" smtClean="0">
                 <a:latin typeface="仿宋_GB2312" pitchFamily="49" charset="-122"/>
                 <a:ea typeface="仿宋_GB2312" pitchFamily="49" charset="-122"/>
               </a:rPr>
               <a:t>vi_file</a:t>
             </a:r>
             <a:r>
-              <a:rPr lang="zh-CN" altLang="en-US" smtClean="0">
+              <a:rPr lang="zh-CN" altLang="en-US" dirty="0" smtClean="0">
                 <a:latin typeface="仿宋_GB2312" pitchFamily="49" charset="-122"/>
                 <a:ea typeface="仿宋_GB2312" pitchFamily="49" charset="-122"/>
               </a:rPr>
               <a:t>读入缓冲区，用户可以在终端中输入“</a:t>
             </a:r>
             <a:r>
-              <a:rPr lang="en-US" altLang="zh-CN" smtClean="0">
+              <a:rPr lang="en-US" altLang="zh-CN" dirty="0" smtClean="0">
                 <a:solidFill>
                   <a:srgbClr val="FF0000"/>
                 </a:solidFill>
@@ -4370,49 +3878,49 @@
               <a:t>:next</a:t>
             </a:r>
             <a:r>
-              <a:rPr lang="en-US" altLang="zh-CN" smtClean="0">
+              <a:rPr lang="en-US" altLang="zh-CN" dirty="0" smtClean="0">
                 <a:latin typeface="仿宋_GB2312" pitchFamily="49" charset="-122"/>
                 <a:ea typeface="仿宋_GB2312" pitchFamily="49" charset="-122"/>
               </a:rPr>
               <a:t>”</a:t>
             </a:r>
             <a:r>
-              <a:rPr lang="zh-CN" altLang="en-US" smtClean="0">
+              <a:rPr lang="zh-CN" altLang="en-US" dirty="0" smtClean="0">
                 <a:latin typeface="仿宋_GB2312" pitchFamily="49" charset="-122"/>
                 <a:ea typeface="仿宋_GB2312" pitchFamily="49" charset="-122"/>
               </a:rPr>
               <a:t>以编辑下一个文件，这里是</a:t>
             </a:r>
             <a:r>
-              <a:rPr lang="en-US" altLang="zh-CN" smtClean="0">
+              <a:rPr lang="en-US" altLang="zh-CN" dirty="0" err="1" smtClean="0">
                 <a:latin typeface="仿宋_GB2312" pitchFamily="49" charset="-122"/>
                 <a:ea typeface="仿宋_GB2312" pitchFamily="49" charset="-122"/>
               </a:rPr>
               <a:t>vi_test</a:t>
             </a:r>
             <a:r>
-              <a:rPr lang="zh-CN" altLang="en-US" smtClean="0">
+              <a:rPr lang="zh-CN" altLang="en-US" dirty="0" smtClean="0">
                 <a:latin typeface="仿宋_GB2312" pitchFamily="49" charset="-122"/>
                 <a:ea typeface="仿宋_GB2312" pitchFamily="49" charset="-122"/>
               </a:rPr>
               <a:t>。此时</a:t>
             </a:r>
             <a:r>
-              <a:rPr lang="en-US" altLang="zh-CN" smtClean="0">
+              <a:rPr lang="en-US" altLang="zh-CN" dirty="0" smtClean="0">
                 <a:latin typeface="仿宋_GB2312" pitchFamily="49" charset="-122"/>
                 <a:ea typeface="仿宋_GB2312" pitchFamily="49" charset="-122"/>
               </a:rPr>
               <a:t>vi</a:t>
             </a:r>
             <a:r>
-              <a:rPr lang="zh-CN" altLang="en-US" smtClean="0">
+              <a:rPr lang="zh-CN" altLang="en-US" dirty="0" smtClean="0">
                 <a:latin typeface="仿宋_GB2312" pitchFamily="49" charset="-122"/>
                 <a:ea typeface="仿宋_GB2312" pitchFamily="49" charset="-122"/>
               </a:rPr>
               <a:t>虽然同时打开了多个文件，但是某一时刻却只能编辑一个文件。在命令模式下输入“</a:t>
             </a:r>
             <a:r>
-              <a:rPr lang="en-US" altLang="zh-CN" smtClean="0">
+              <a:rPr lang="en-US" altLang="zh-CN" dirty="0" smtClean="0">
                 <a:solidFill>
                   <a:srgbClr val="FF0000"/>
                 </a:solidFill>
@@ -4422,51 +3930,61 @@
               <a:t>:previous</a:t>
             </a:r>
             <a:r>
-              <a:rPr lang="en-US" altLang="zh-CN" smtClean="0">
+              <a:rPr lang="en-US" altLang="zh-CN" dirty="0" smtClean="0">
                 <a:latin typeface="仿宋_GB2312" pitchFamily="49" charset="-122"/>
                 <a:ea typeface="仿宋_GB2312" pitchFamily="49" charset="-122"/>
               </a:rPr>
               <a:t>”</a:t>
             </a:r>
             <a:r>
-              <a:rPr lang="zh-CN" altLang="en-US" smtClean="0">
+              <a:rPr lang="zh-CN" altLang="en-US" dirty="0" smtClean="0">
                 <a:latin typeface="仿宋_GB2312" pitchFamily="49" charset="-122"/>
                 <a:ea typeface="仿宋_GB2312" pitchFamily="49" charset="-122"/>
               </a:rPr>
               <a:t>或“</a:t>
             </a:r>
             <a:r>
-              <a:rPr lang="en-US" altLang="zh-CN" smtClean="0">
+              <a:rPr lang="en-US" altLang="zh-CN" dirty="0" smtClean="0">
                 <a:solidFill>
                   <a:srgbClr val="FF0000"/>
                 </a:solidFill>
                 <a:latin typeface="仿宋_GB2312" pitchFamily="49" charset="-122"/>
                 <a:ea typeface="仿宋_GB2312" pitchFamily="49" charset="-122"/>
               </a:rPr>
-              <a:t>:prev</a:t>
-            </a:r>
-            <a:r>
-              <a:rPr lang="en-US" altLang="zh-CN" smtClean="0">
+              <a:t>:</a:t>
+            </a:r>
+            <a:r>
+              <a:rPr lang="en-US" altLang="zh-CN" dirty="0" err="1" smtClean="0">
+                <a:solidFill>
+                  <a:srgbClr val="FF0000"/>
+                </a:solidFill>
+                <a:latin typeface="仿宋_GB2312" pitchFamily="49" charset="-122"/>
+                <a:ea typeface="仿宋_GB2312" pitchFamily="49" charset="-122"/>
+              </a:rPr>
+              <a:t>prev</a:t>
+            </a:r>
+            <a:r>
+              <a:rPr lang="en-US" altLang="zh-CN" dirty="0" smtClean="0">
                 <a:latin typeface="仿宋_GB2312" pitchFamily="49" charset="-122"/>
                 <a:ea typeface="仿宋_GB2312" pitchFamily="49" charset="-122"/>
               </a:rPr>
               <a:t>”</a:t>
             </a:r>
             <a:r>
-              <a:rPr lang="zh-CN" altLang="en-US" smtClean="0">
+              <a:rPr lang="zh-CN" altLang="en-US" dirty="0" smtClean="0">
                 <a:latin typeface="仿宋_GB2312" pitchFamily="49" charset="-122"/>
                 <a:ea typeface="仿宋_GB2312" pitchFamily="49" charset="-122"/>
               </a:rPr>
               <a:t>可以切换到前一个文件</a:t>
             </a:r>
             <a:r>
-              <a:rPr lang="zh-CN" altLang="en-US" smtClean="0">
+              <a:rPr lang="zh-CN" altLang="en-US" dirty="0" smtClean="0">
                 <a:latin typeface="-보람B" pitchFamily="18" charset="-127"/>
                 <a:ea typeface="-보람B" pitchFamily="18" charset="-127"/>
               </a:rPr>
               <a:t>。</a:t>
             </a:r>
-            <a:endParaRPr lang="en-US" altLang="zh-CN" smtClean="0">
+            <a:endParaRPr lang="en-US" altLang="zh-CN" dirty="0" smtClean="0">
               <a:latin typeface="-보람B" pitchFamily="18" charset="-127"/>
               <a:ea typeface="-보람B" pitchFamily="18" charset="-127"/>
             </a:endParaRPr>
@@ -4494,7 +4012,7 @@
 </p:sld>
 </file>
 
-<file path=ppt/slides/slide16.xml><?xml version="1.0" encoding="utf-8"?>
+<file path=ppt/slides/slide15.xml><?xml version="1.0" encoding="utf-8"?>
 <p:sld xmlns:a="http://schemas.openxmlformats.org/drawingml/2006/main" xmlns:r="http://schemas.openxmlformats.org/officeDocument/2006/relationships" xmlns:p="http://schemas.openxmlformats.org/presentationml/2006/main">
   <p:cSld>
     <p:spTree>
@@ -4854,6 +4372,355 @@
 </p:sld>
 </file>
 
+<file path=ppt/slides/slide16.xml><?xml version="1.0" encoding="utf-8"?>
+<p:sld xmlns:a="http://schemas.openxmlformats.org/drawingml/2006/main" xmlns:r="http://schemas.openxmlformats.org/officeDocument/2006/relationships" xmlns:p="http://schemas.openxmlformats.org/presentationml/2006/main">
+  <p:cSld>
+    <p:spTree>
+      <p:nvGrpSpPr>
+        <p:cNvPr id="1" name=""/>
+        <p:cNvGrpSpPr/>
+        <p:nvPr/>
+      </p:nvGrpSpPr>
+      <p:grpSpPr>
+        <a:xfrm>
+          <a:off x="0" y="0"/>
+          <a:ext cx="0" cy="0"/>
+          <a:chOff x="0" y="0"/>
+          <a:chExt cx="0" cy="0"/>
+        </a:xfrm>
+      </p:grpSpPr>
+      <p:sp>
+        <p:nvSpPr>
+          <p:cNvPr id="2" name="标题 1"/>
+          <p:cNvSpPr>
+            <a:spLocks noGrp="1"/>
+          </p:cNvSpPr>
+          <p:nvPr>
+            <p:ph type="title"/>
+          </p:nvPr>
+        </p:nvSpPr>
+        <p:spPr/>
+        <p:txBody>
+          <a:bodyPr/>
+          <a:lstStyle/>
+          <a:p>
+            <a:r>
+              <a:rPr lang="zh-CN" altLang="en-US" dirty="0" smtClean="0"/>
+              <a:t>定位命令</a:t>
+            </a:r>
+            <a:endParaRPr lang="zh-CN" altLang="en-US" dirty="0"/>
+          </a:p>
+        </p:txBody>
+      </p:sp>
+      <p:graphicFrame>
+        <p:nvGraphicFramePr>
+          <p:cNvPr id="4" name="内容占位符 3"/>
+          <p:cNvGraphicFramePr>
+            <a:graphicFrameLocks noGrp="1"/>
+          </p:cNvGraphicFramePr>
+          <p:nvPr>
+            <p:ph idx="1"/>
+            <p:extLst>
+              <p:ext uri="{D42A27DB-BD31-4B8C-83A1-F6EECF244321}">
+                <p14:modId xmlns:p14="http://schemas.microsoft.com/office/powerpoint/2010/main" val="3754790029"/>
+              </p:ext>
+            </p:extLst>
+          </p:nvPr>
+        </p:nvGraphicFramePr>
+        <p:xfrm>
+          <a:off x="1835696" y="1628800"/>
+          <a:ext cx="5915000" cy="3134360"/>
+        </p:xfrm>
+        <a:graphic>
+          <a:graphicData uri="http://schemas.openxmlformats.org/drawingml/2006/table">
+            <a:tbl>
+              <a:tblPr firstRow="1" bandRow="1">
+                <a:tableStyleId>{21E4AEA4-8DFA-4A89-87EB-49C32662AFE0}</a:tableStyleId>
+              </a:tblPr>
+              <a:tblGrid>
+                <a:gridCol w="1800200"/>
+                <a:gridCol w="4114800"/>
+              </a:tblGrid>
+              <a:tr h="370840">
+                <a:tc>
+                  <a:txBody>
+                    <a:bodyPr/>
+                    <a:lstStyle/>
+                    <a:p>
+                      <a:pPr algn="ctr"/>
+                      <a:r>
+                        <a:rPr lang="zh-CN" altLang="en-US" dirty="0" smtClean="0"/>
+                        <a:t>命令</a:t>
+                      </a:r>
+                      <a:endParaRPr lang="zh-CN" altLang="en-US" dirty="0"/>
+                    </a:p>
+                  </a:txBody>
+                  <a:tcPr/>
+                </a:tc>
+                <a:tc>
+                  <a:txBody>
+                    <a:bodyPr/>
+                    <a:lstStyle/>
+                    <a:p>
+                      <a:r>
+                        <a:rPr lang="zh-CN" altLang="en-US" dirty="0" smtClean="0"/>
+                        <a:t>作用</a:t>
+                      </a:r>
+                      <a:endParaRPr lang="zh-CN" altLang="en-US" dirty="0"/>
+                    </a:p>
+                  </a:txBody>
+                  <a:tcPr/>
+                </a:tc>
+              </a:tr>
+              <a:tr h="370840">
+                <a:tc>
+                  <a:txBody>
+                    <a:bodyPr/>
+                    <a:lstStyle/>
+                    <a:p>
+                      <a:pPr algn="ctr"/>
+                      <a:r>
+                        <a:rPr lang="en-US" altLang="zh-CN" dirty="0" smtClean="0"/>
+                        <a:t>:set nu</a:t>
+                      </a:r>
+                      <a:endParaRPr lang="zh-CN" altLang="en-US" dirty="0"/>
+                    </a:p>
+                  </a:txBody>
+                  <a:tcPr/>
+                </a:tc>
+                <a:tc>
+                  <a:txBody>
+                    <a:bodyPr/>
+                    <a:lstStyle/>
+                    <a:p>
+                      <a:r>
+                        <a:rPr lang="zh-CN" altLang="en-US" dirty="0" smtClean="0"/>
+                        <a:t>设置行号</a:t>
+                      </a:r>
+                      <a:endParaRPr lang="zh-CN" altLang="en-US" dirty="0"/>
+                    </a:p>
+                  </a:txBody>
+                  <a:tcPr/>
+                </a:tc>
+              </a:tr>
+              <a:tr h="370840">
+                <a:tc>
+                  <a:txBody>
+                    <a:bodyPr/>
+                    <a:lstStyle/>
+                    <a:p>
+                      <a:pPr algn="ctr"/>
+                      <a:r>
+                        <a:rPr lang="en-US" altLang="zh-CN" dirty="0" smtClean="0"/>
+                        <a:t>:set</a:t>
+                      </a:r>
+                      <a:r>
+                        <a:rPr lang="en-US" altLang="zh-CN" baseline="0" dirty="0" smtClean="0"/>
+                        <a:t> </a:t>
+                      </a:r>
+                      <a:r>
+                        <a:rPr lang="en-US" altLang="zh-CN" baseline="0" dirty="0" err="1" smtClean="0"/>
+                        <a:t>nonu</a:t>
+                      </a:r>
+                      <a:endParaRPr lang="zh-CN" altLang="en-US" dirty="0"/>
+                    </a:p>
+                  </a:txBody>
+                  <a:tcPr/>
+                </a:tc>
+                <a:tc>
+                  <a:txBody>
+                    <a:bodyPr/>
+                    <a:lstStyle/>
+                    <a:p>
+                      <a:r>
+                        <a:rPr lang="zh-CN" altLang="en-US" dirty="0" smtClean="0"/>
+                        <a:t>取消行号</a:t>
+                      </a:r>
+                      <a:endParaRPr lang="zh-CN" altLang="en-US" dirty="0"/>
+                    </a:p>
+                  </a:txBody>
+                  <a:tcPr/>
+                </a:tc>
+              </a:tr>
+              <a:tr h="370840">
+                <a:tc>
+                  <a:txBody>
+                    <a:bodyPr/>
+                    <a:lstStyle/>
+                    <a:p>
+                      <a:pPr algn="ctr"/>
+                      <a:r>
+                        <a:rPr lang="en-US" altLang="zh-CN" dirty="0" err="1" smtClean="0"/>
+                        <a:t>gg</a:t>
+                      </a:r>
+                      <a:endParaRPr lang="en-US" altLang="zh-CN" dirty="0" smtClean="0"/>
+                    </a:p>
+                    <a:p>
+                      <a:pPr algn="ctr"/>
+                      <a:r>
+                        <a:rPr lang="en-US" altLang="zh-CN" dirty="0" smtClean="0"/>
+                        <a:t>G</a:t>
+                      </a:r>
+                      <a:endParaRPr lang="zh-CN" altLang="en-US" dirty="0"/>
+                    </a:p>
+                  </a:txBody>
+                  <a:tcPr/>
+                </a:tc>
+                <a:tc>
+                  <a:txBody>
+                    <a:bodyPr/>
+                    <a:lstStyle/>
+                    <a:p>
+                      <a:r>
+                        <a:rPr lang="zh-CN" altLang="en-US" dirty="0" smtClean="0"/>
+                        <a:t>光标移动到第一行</a:t>
+                      </a:r>
+                      <a:endParaRPr lang="en-US" altLang="zh-CN" dirty="0" smtClean="0"/>
+                    </a:p>
+                    <a:p>
+                      <a:r>
+                        <a:rPr lang="zh-CN" altLang="en-US" dirty="0" smtClean="0"/>
+                        <a:t>光标移动到文件最后一行</a:t>
+                      </a:r>
+                      <a:endParaRPr lang="zh-CN" altLang="en-US" dirty="0"/>
+                    </a:p>
+                  </a:txBody>
+                  <a:tcPr/>
+                </a:tc>
+              </a:tr>
+              <a:tr h="370840">
+                <a:tc>
+                  <a:txBody>
+                    <a:bodyPr/>
+                    <a:lstStyle/>
+                    <a:p>
+                      <a:pPr algn="ctr"/>
+                      <a:r>
+                        <a:rPr lang="en-US" altLang="zh-CN" dirty="0" err="1" smtClean="0"/>
+                        <a:t>nG</a:t>
+                      </a:r>
+                      <a:endParaRPr lang="en-US" altLang="zh-CN" dirty="0" smtClean="0"/>
+                    </a:p>
+                    <a:p>
+                      <a:pPr algn="ctr"/>
+                      <a:r>
+                        <a:rPr lang="en-US" altLang="zh-CN" dirty="0" smtClean="0"/>
+                        <a:t>:n</a:t>
+                      </a:r>
+                      <a:endParaRPr lang="zh-CN" altLang="en-US" dirty="0"/>
+                    </a:p>
+                  </a:txBody>
+                  <a:tcPr/>
+                </a:tc>
+                <a:tc>
+                  <a:txBody>
+                    <a:bodyPr/>
+                    <a:lstStyle/>
+                    <a:p>
+                      <a:r>
+                        <a:rPr lang="zh-CN" altLang="en-US" dirty="0" smtClean="0"/>
+                        <a:t>到第</a:t>
+                      </a:r>
+                      <a:r>
+                        <a:rPr lang="en-US" altLang="zh-CN" dirty="0" smtClean="0"/>
+                        <a:t>n</a:t>
+                      </a:r>
+                      <a:r>
+                        <a:rPr lang="zh-CN" altLang="en-US" dirty="0" smtClean="0"/>
+                        <a:t>行</a:t>
+                      </a:r>
+                      <a:endParaRPr lang="en-US" altLang="zh-CN" dirty="0" smtClean="0"/>
+                    </a:p>
+                    <a:p>
+                      <a:r>
+                        <a:rPr lang="zh-CN" altLang="en-US" dirty="0" smtClean="0"/>
+                        <a:t>（编辑模式）</a:t>
+                      </a:r>
+                      <a:endParaRPr lang="zh-CN" altLang="en-US" dirty="0"/>
+                    </a:p>
+                  </a:txBody>
+                  <a:tcPr/>
+                </a:tc>
+              </a:tr>
+              <a:tr h="370840">
+                <a:tc>
+                  <a:txBody>
+                    <a:bodyPr/>
+                    <a:lstStyle/>
+                    <a:p>
+                      <a:pPr algn="ctr"/>
+                      <a:r>
+                        <a:rPr lang="en-US" altLang="zh-CN" dirty="0" smtClean="0"/>
+                        <a:t>$</a:t>
+                      </a:r>
+                      <a:endParaRPr lang="zh-CN" altLang="en-US" dirty="0"/>
+                    </a:p>
+                  </a:txBody>
+                  <a:tcPr/>
+                </a:tc>
+                <a:tc>
+                  <a:txBody>
+                    <a:bodyPr/>
+                    <a:lstStyle/>
+                    <a:p>
+                      <a:r>
+                        <a:rPr lang="zh-CN" altLang="en-US" dirty="0" smtClean="0"/>
+                        <a:t>光标移至行首</a:t>
+                      </a:r>
+                      <a:endParaRPr lang="zh-CN" altLang="en-US" dirty="0"/>
+                    </a:p>
+                  </a:txBody>
+                  <a:tcPr/>
+                </a:tc>
+              </a:tr>
+              <a:tr h="370840">
+                <a:tc>
+                  <a:txBody>
+                    <a:bodyPr/>
+                    <a:lstStyle/>
+                    <a:p>
+                      <a:pPr algn="ctr"/>
+                      <a:r>
+                        <a:rPr lang="en-US" altLang="zh-CN" dirty="0" smtClean="0"/>
+                        <a:t>0</a:t>
+                      </a:r>
+                      <a:endParaRPr lang="zh-CN" altLang="en-US" dirty="0"/>
+                    </a:p>
+                  </a:txBody>
+                  <a:tcPr/>
+                </a:tc>
+                <a:tc>
+                  <a:txBody>
+                    <a:bodyPr/>
+                    <a:lstStyle/>
+                    <a:p>
+                      <a:r>
+                        <a:rPr lang="zh-CN" altLang="en-US" dirty="0" smtClean="0"/>
+                        <a:t>光标移至行尾</a:t>
+                      </a:r>
+                      <a:endParaRPr lang="zh-CN" altLang="en-US" dirty="0"/>
+                    </a:p>
+                  </a:txBody>
+                  <a:tcPr/>
+                </a:tc>
+              </a:tr>
+            </a:tbl>
+          </a:graphicData>
+        </a:graphic>
+      </p:graphicFrame>
+    </p:spTree>
+    <p:extLst>
+      <p:ext uri="{BB962C8B-B14F-4D97-AF65-F5344CB8AC3E}">
+        <p14:creationId xmlns:p14="http://schemas.microsoft.com/office/powerpoint/2010/main" val="2445347307"/>
+      </p:ext>
+    </p:extLst>
+  </p:cSld>
+  <p:clrMapOvr>
+    <a:masterClrMapping/>
+  </p:clrMapOvr>
+</p:sld>
+</file>
+
 <file path=ppt/slides/slide17.xml><?xml version="1.0" encoding="utf-8"?>
 <p:sld xmlns:a="http://schemas.openxmlformats.org/drawingml/2006/main" xmlns:r="http://schemas.openxmlformats.org/officeDocument/2006/relationships" xmlns:p="http://schemas.openxmlformats.org/presentationml/2006/main">
   <p:cSld>
@@ -4873,7 +4740,1065 @@
       </p:grpSpPr>
       <p:sp>
         <p:nvSpPr>
-          <p:cNvPr id="22529" name="Rectangle 3"/>
+          <p:cNvPr id="2" name="标题 1"/>
+          <p:cNvSpPr>
+            <a:spLocks noGrp="1"/>
+          </p:cNvSpPr>
+          <p:nvPr>
+            <p:ph type="title"/>
+          </p:nvPr>
+        </p:nvSpPr>
+        <p:spPr/>
+        <p:txBody>
+          <a:bodyPr/>
+          <a:lstStyle/>
+          <a:p>
+            <a:r>
+              <a:rPr lang="zh-CN" altLang="en-US" dirty="0" smtClean="0"/>
+              <a:t>删除命令</a:t>
+            </a:r>
+            <a:endParaRPr lang="zh-CN" altLang="en-US" dirty="0"/>
+          </a:p>
+        </p:txBody>
+      </p:sp>
+      <p:sp>
+        <p:nvSpPr>
+          <p:cNvPr id="3" name="内容占位符 2"/>
+          <p:cNvSpPr>
+            <a:spLocks noGrp="1"/>
+          </p:cNvSpPr>
+          <p:nvPr>
+            <p:ph idx="1"/>
+          </p:nvPr>
+        </p:nvSpPr>
+        <p:spPr/>
+        <p:txBody>
+          <a:bodyPr/>
+          <a:lstStyle/>
+          <a:p>
+            <a:endParaRPr lang="zh-CN" altLang="en-US" dirty="0"/>
+          </a:p>
+        </p:txBody>
+      </p:sp>
+      <p:graphicFrame>
+        <p:nvGraphicFramePr>
+          <p:cNvPr id="4" name="内容占位符 3"/>
+          <p:cNvGraphicFramePr>
+            <a:graphicFrameLocks/>
+          </p:cNvGraphicFramePr>
+          <p:nvPr>
+            <p:extLst>
+              <p:ext uri="{D42A27DB-BD31-4B8C-83A1-F6EECF244321}">
+                <p14:modId xmlns:p14="http://schemas.microsoft.com/office/powerpoint/2010/main" val="2918809257"/>
+              </p:ext>
+            </p:extLst>
+          </p:nvPr>
+        </p:nvGraphicFramePr>
+        <p:xfrm>
+          <a:off x="1403648" y="1628800"/>
+          <a:ext cx="6491064" cy="2908528"/>
+        </p:xfrm>
+        <a:graphic>
+          <a:graphicData uri="http://schemas.openxmlformats.org/drawingml/2006/table">
+            <a:tbl>
+              <a:tblPr firstRow="1" bandRow="1">
+                <a:tableStyleId>{21E4AEA4-8DFA-4A89-87EB-49C32662AFE0}</a:tableStyleId>
+              </a:tblPr>
+              <a:tblGrid>
+                <a:gridCol w="2304256"/>
+                <a:gridCol w="4186808"/>
+              </a:tblGrid>
+              <a:tr h="414248">
+                <a:tc>
+                  <a:txBody>
+                    <a:bodyPr/>
+                    <a:lstStyle/>
+                    <a:p>
+                      <a:pPr algn="ctr"/>
+                      <a:r>
+                        <a:rPr lang="zh-CN" altLang="en-US" dirty="0" smtClean="0"/>
+                        <a:t>命令</a:t>
+                      </a:r>
+                      <a:endParaRPr lang="zh-CN" altLang="en-US" dirty="0"/>
+                    </a:p>
+                  </a:txBody>
+                  <a:tcPr/>
+                </a:tc>
+                <a:tc>
+                  <a:txBody>
+                    <a:bodyPr/>
+                    <a:lstStyle/>
+                    <a:p>
+                      <a:r>
+                        <a:rPr lang="zh-CN" altLang="en-US" dirty="0" smtClean="0"/>
+                        <a:t>作用</a:t>
+                      </a:r>
+                      <a:endParaRPr lang="zh-CN" altLang="en-US" dirty="0"/>
+                    </a:p>
+                  </a:txBody>
+                  <a:tcPr/>
+                </a:tc>
+              </a:tr>
+              <a:tr h="370840">
+                <a:tc>
+                  <a:txBody>
+                    <a:bodyPr/>
+                    <a:lstStyle/>
+                    <a:p>
+                      <a:pPr algn="ctr"/>
+                      <a:r>
+                        <a:rPr lang="en-US" altLang="zh-CN" dirty="0" smtClean="0"/>
+                        <a:t>x</a:t>
+                      </a:r>
+                      <a:endParaRPr lang="zh-CN" altLang="en-US" dirty="0"/>
+                    </a:p>
+                  </a:txBody>
+                  <a:tcPr/>
+                </a:tc>
+                <a:tc>
+                  <a:txBody>
+                    <a:bodyPr/>
+                    <a:lstStyle/>
+                    <a:p>
+                      <a:r>
+                        <a:rPr lang="zh-CN" altLang="en-US" dirty="0" smtClean="0"/>
+                        <a:t>删除光标所在单个字符</a:t>
+                      </a:r>
+                      <a:endParaRPr lang="zh-CN" altLang="en-US" dirty="0"/>
+                    </a:p>
+                  </a:txBody>
+                  <a:tcPr/>
+                </a:tc>
+              </a:tr>
+              <a:tr h="370840">
+                <a:tc>
+                  <a:txBody>
+                    <a:bodyPr/>
+                    <a:lstStyle/>
+                    <a:p>
+                      <a:pPr algn="ctr"/>
+                      <a:r>
+                        <a:rPr lang="en-US" altLang="zh-CN" dirty="0" err="1" smtClean="0"/>
+                        <a:t>nx</a:t>
+                      </a:r>
+                      <a:endParaRPr lang="zh-CN" altLang="en-US" dirty="0"/>
+                    </a:p>
+                  </a:txBody>
+                  <a:tcPr/>
+                </a:tc>
+                <a:tc>
+                  <a:txBody>
+                    <a:bodyPr/>
+                    <a:lstStyle/>
+                    <a:p>
+                      <a:r>
+                        <a:rPr lang="zh-CN" altLang="en-US" dirty="0" smtClean="0"/>
+                        <a:t>删除光标后面</a:t>
+                      </a:r>
+                      <a:r>
+                        <a:rPr lang="en-US" altLang="zh-CN" dirty="0" smtClean="0"/>
+                        <a:t>n</a:t>
+                      </a:r>
+                      <a:r>
+                        <a:rPr lang="zh-CN" altLang="en-US" dirty="0" smtClean="0"/>
+                        <a:t>个字符</a:t>
+                      </a:r>
+                      <a:endParaRPr lang="zh-CN" altLang="en-US" dirty="0"/>
+                    </a:p>
+                  </a:txBody>
+                  <a:tcPr/>
+                </a:tc>
+              </a:tr>
+              <a:tr h="370840">
+                <a:tc>
+                  <a:txBody>
+                    <a:bodyPr/>
+                    <a:lstStyle/>
+                    <a:p>
+                      <a:pPr algn="ctr"/>
+                      <a:r>
+                        <a:rPr lang="en-US" altLang="zh-CN" dirty="0" err="1" smtClean="0"/>
+                        <a:t>dd</a:t>
+                      </a:r>
+                      <a:endParaRPr lang="en-US" altLang="zh-CN" dirty="0" smtClean="0"/>
+                    </a:p>
+                    <a:p>
+                      <a:pPr algn="ctr"/>
+                      <a:r>
+                        <a:rPr lang="en-US" altLang="zh-CN" dirty="0" err="1" smtClean="0"/>
+                        <a:t>ndd</a:t>
+                      </a:r>
+                      <a:endParaRPr lang="zh-CN" altLang="en-US" dirty="0"/>
+                    </a:p>
+                  </a:txBody>
+                  <a:tcPr/>
+                </a:tc>
+                <a:tc>
+                  <a:txBody>
+                    <a:bodyPr/>
+                    <a:lstStyle/>
+                    <a:p>
+                      <a:r>
+                        <a:rPr lang="zh-CN" altLang="en-US" dirty="0" smtClean="0"/>
+                        <a:t>删除光标所在行</a:t>
+                      </a:r>
+                      <a:endParaRPr lang="en-US" altLang="zh-CN" dirty="0" smtClean="0"/>
+                    </a:p>
+                    <a:p>
+                      <a:r>
+                        <a:rPr lang="zh-CN" altLang="en-US" dirty="0" smtClean="0"/>
+                        <a:t>删除</a:t>
+                      </a:r>
+                      <a:r>
+                        <a:rPr lang="en-US" altLang="zh-CN" dirty="0" smtClean="0"/>
+                        <a:t>n</a:t>
+                      </a:r>
+                      <a:r>
+                        <a:rPr lang="zh-CN" altLang="en-US" dirty="0" smtClean="0"/>
+                        <a:t>行</a:t>
+                      </a:r>
+                      <a:endParaRPr lang="zh-CN" altLang="en-US" dirty="0"/>
+                    </a:p>
+                  </a:txBody>
+                  <a:tcPr/>
+                </a:tc>
+              </a:tr>
+              <a:tr h="370840">
+                <a:tc>
+                  <a:txBody>
+                    <a:bodyPr/>
+                    <a:lstStyle/>
+                    <a:p>
+                      <a:pPr algn="ctr"/>
+                      <a:r>
+                        <a:rPr lang="en-US" altLang="zh-CN" dirty="0" err="1" smtClean="0"/>
+                        <a:t>dG</a:t>
+                      </a:r>
+                      <a:endParaRPr lang="zh-CN" altLang="en-US" dirty="0"/>
+                    </a:p>
+                  </a:txBody>
+                  <a:tcPr/>
+                </a:tc>
+                <a:tc>
+                  <a:txBody>
+                    <a:bodyPr/>
+                    <a:lstStyle/>
+                    <a:p>
+                      <a:r>
+                        <a:rPr lang="zh-CN" altLang="en-US" dirty="0" smtClean="0"/>
+                        <a:t>删除光标所在行至文件尾内容</a:t>
+                      </a:r>
+                      <a:endParaRPr lang="zh-CN" altLang="en-US" dirty="0"/>
+                    </a:p>
+                  </a:txBody>
+                  <a:tcPr/>
+                </a:tc>
+              </a:tr>
+              <a:tr h="370840">
+                <a:tc>
+                  <a:txBody>
+                    <a:bodyPr/>
+                    <a:lstStyle/>
+                    <a:p>
+                      <a:pPr algn="ctr"/>
+                      <a:r>
+                        <a:rPr lang="en-US" altLang="zh-CN" dirty="0" smtClean="0"/>
+                        <a:t>D</a:t>
+                      </a:r>
+                      <a:endParaRPr lang="zh-CN" altLang="en-US" dirty="0"/>
+                    </a:p>
+                  </a:txBody>
+                  <a:tcPr/>
+                </a:tc>
+                <a:tc>
+                  <a:txBody>
+                    <a:bodyPr/>
+                    <a:lstStyle/>
+                    <a:p>
+                      <a:r>
+                        <a:rPr lang="zh-CN" altLang="en-US" dirty="0" smtClean="0"/>
+                        <a:t>删除光标至行尾的内容</a:t>
+                      </a:r>
+                      <a:endParaRPr lang="zh-CN" altLang="en-US" dirty="0"/>
+                    </a:p>
+                  </a:txBody>
+                  <a:tcPr/>
+                </a:tc>
+              </a:tr>
+              <a:tr h="370840">
+                <a:tc>
+                  <a:txBody>
+                    <a:bodyPr/>
+                    <a:lstStyle/>
+                    <a:p>
+                      <a:pPr algn="ctr"/>
+                      <a:r>
+                        <a:rPr lang="en-US" altLang="zh-CN" dirty="0" smtClean="0"/>
+                        <a:t>:n1, n2d</a:t>
+                      </a:r>
+                      <a:endParaRPr lang="zh-CN" altLang="en-US" dirty="0"/>
+                    </a:p>
+                  </a:txBody>
+                  <a:tcPr/>
+                </a:tc>
+                <a:tc>
+                  <a:txBody>
+                    <a:bodyPr/>
+                    <a:lstStyle/>
+                    <a:p>
+                      <a:r>
+                        <a:rPr lang="zh-CN" altLang="en-US" dirty="0" smtClean="0"/>
+                        <a:t>删除指定行号范围的行（编辑模式）</a:t>
+                      </a:r>
+                      <a:endParaRPr lang="zh-CN" altLang="en-US" dirty="0"/>
+                    </a:p>
+                  </a:txBody>
+                  <a:tcPr/>
+                </a:tc>
+              </a:tr>
+            </a:tbl>
+          </a:graphicData>
+        </a:graphic>
+      </p:graphicFrame>
+    </p:spTree>
+    <p:extLst>
+      <p:ext uri="{BB962C8B-B14F-4D97-AF65-F5344CB8AC3E}">
+        <p14:creationId xmlns:p14="http://schemas.microsoft.com/office/powerpoint/2010/main" val="3362416720"/>
+      </p:ext>
+    </p:extLst>
+  </p:cSld>
+  <p:clrMapOvr>
+    <a:masterClrMapping/>
+  </p:clrMapOvr>
+</p:sld>
+</file>
+
+<file path=ppt/slides/slide18.xml><?xml version="1.0" encoding="utf-8"?>
+<p:sld xmlns:a="http://schemas.openxmlformats.org/drawingml/2006/main" xmlns:r="http://schemas.openxmlformats.org/officeDocument/2006/relationships" xmlns:p="http://schemas.openxmlformats.org/presentationml/2006/main">
+  <p:cSld>
+    <p:spTree>
+      <p:nvGrpSpPr>
+        <p:cNvPr id="1" name=""/>
+        <p:cNvGrpSpPr/>
+        <p:nvPr/>
+      </p:nvGrpSpPr>
+      <p:grpSpPr>
+        <a:xfrm>
+          <a:off x="0" y="0"/>
+          <a:ext cx="0" cy="0"/>
+          <a:chOff x="0" y="0"/>
+          <a:chExt cx="0" cy="0"/>
+        </a:xfrm>
+      </p:grpSpPr>
+      <p:sp>
+        <p:nvSpPr>
+          <p:cNvPr id="2" name="标题 1"/>
+          <p:cNvSpPr>
+            <a:spLocks noGrp="1"/>
+          </p:cNvSpPr>
+          <p:nvPr>
+            <p:ph type="title"/>
+          </p:nvPr>
+        </p:nvSpPr>
+        <p:spPr/>
+        <p:txBody>
+          <a:bodyPr/>
+          <a:lstStyle/>
+          <a:p>
+            <a:r>
+              <a:rPr lang="zh-CN" altLang="en-US" dirty="0" smtClean="0"/>
+              <a:t>复制粘贴命令</a:t>
+            </a:r>
+            <a:endParaRPr lang="zh-CN" altLang="en-US" dirty="0"/>
+          </a:p>
+        </p:txBody>
+      </p:sp>
+      <p:graphicFrame>
+        <p:nvGraphicFramePr>
+          <p:cNvPr id="4" name="内容占位符 3"/>
+          <p:cNvGraphicFramePr>
+            <a:graphicFrameLocks/>
+          </p:cNvGraphicFramePr>
+          <p:nvPr>
+            <p:extLst>
+              <p:ext uri="{D42A27DB-BD31-4B8C-83A1-F6EECF244321}">
+                <p14:modId xmlns:p14="http://schemas.microsoft.com/office/powerpoint/2010/main" val="2488766073"/>
+              </p:ext>
+            </p:extLst>
+          </p:nvPr>
+        </p:nvGraphicFramePr>
+        <p:xfrm>
+          <a:off x="1907704" y="1628800"/>
+          <a:ext cx="5112568" cy="2595880"/>
+        </p:xfrm>
+        <a:graphic>
+          <a:graphicData uri="http://schemas.openxmlformats.org/drawingml/2006/table">
+            <a:tbl>
+              <a:tblPr firstRow="1" bandRow="1">
+                <a:tableStyleId>{21E4AEA4-8DFA-4A89-87EB-49C32662AFE0}</a:tableStyleId>
+              </a:tblPr>
+              <a:tblGrid>
+                <a:gridCol w="2016224"/>
+                <a:gridCol w="3096344"/>
+              </a:tblGrid>
+              <a:tr h="370840">
+                <a:tc>
+                  <a:txBody>
+                    <a:bodyPr/>
+                    <a:lstStyle/>
+                    <a:p>
+                      <a:pPr algn="ctr"/>
+                      <a:r>
+                        <a:rPr lang="zh-CN" altLang="en-US" dirty="0" smtClean="0"/>
+                        <a:t>命令</a:t>
+                      </a:r>
+                      <a:endParaRPr lang="zh-CN" altLang="en-US" dirty="0"/>
+                    </a:p>
+                  </a:txBody>
+                  <a:tcPr/>
+                </a:tc>
+                <a:tc>
+                  <a:txBody>
+                    <a:bodyPr/>
+                    <a:lstStyle/>
+                    <a:p>
+                      <a:r>
+                        <a:rPr lang="zh-CN" altLang="en-US" dirty="0" smtClean="0"/>
+                        <a:t>作用</a:t>
+                      </a:r>
+                      <a:endParaRPr lang="zh-CN" altLang="en-US" dirty="0"/>
+                    </a:p>
+                  </a:txBody>
+                  <a:tcPr/>
+                </a:tc>
+              </a:tr>
+              <a:tr h="370840">
+                <a:tc>
+                  <a:txBody>
+                    <a:bodyPr/>
+                    <a:lstStyle/>
+                    <a:p>
+                      <a:pPr algn="ctr"/>
+                      <a:r>
+                        <a:rPr lang="en-US" altLang="zh-CN" dirty="0" err="1" smtClean="0"/>
+                        <a:t>yy</a:t>
+                      </a:r>
+                      <a:endParaRPr lang="zh-CN" altLang="en-US" dirty="0"/>
+                    </a:p>
+                  </a:txBody>
+                  <a:tcPr/>
+                </a:tc>
+                <a:tc>
+                  <a:txBody>
+                    <a:bodyPr/>
+                    <a:lstStyle/>
+                    <a:p>
+                      <a:r>
+                        <a:rPr lang="zh-CN" altLang="en-US" dirty="0" smtClean="0"/>
+                        <a:t>复制当前行</a:t>
+                      </a:r>
+                      <a:endParaRPr lang="zh-CN" altLang="en-US" dirty="0"/>
+                    </a:p>
+                  </a:txBody>
+                  <a:tcPr/>
+                </a:tc>
+              </a:tr>
+              <a:tr h="370840">
+                <a:tc>
+                  <a:txBody>
+                    <a:bodyPr/>
+                    <a:lstStyle/>
+                    <a:p>
+                      <a:pPr algn="ctr"/>
+                      <a:r>
+                        <a:rPr lang="en-US" altLang="zh-CN" dirty="0" err="1" smtClean="0"/>
+                        <a:t>nyy</a:t>
+                      </a:r>
+                      <a:endParaRPr lang="zh-CN" altLang="en-US" dirty="0"/>
+                    </a:p>
+                  </a:txBody>
+                  <a:tcPr/>
+                </a:tc>
+                <a:tc>
+                  <a:txBody>
+                    <a:bodyPr/>
+                    <a:lstStyle/>
+                    <a:p>
+                      <a:r>
+                        <a:rPr lang="zh-CN" altLang="en-US" dirty="0" smtClean="0"/>
+                        <a:t>复制当前行以下</a:t>
+                      </a:r>
+                      <a:r>
+                        <a:rPr lang="en-US" altLang="zh-CN" dirty="0" smtClean="0"/>
+                        <a:t>n</a:t>
+                      </a:r>
+                      <a:r>
+                        <a:rPr lang="zh-CN" altLang="en-US" dirty="0" smtClean="0"/>
+                        <a:t>行</a:t>
+                      </a:r>
+                      <a:endParaRPr lang="zh-CN" altLang="en-US" dirty="0"/>
+                    </a:p>
+                  </a:txBody>
+                  <a:tcPr/>
+                </a:tc>
+              </a:tr>
+              <a:tr h="370840">
+                <a:tc>
+                  <a:txBody>
+                    <a:bodyPr/>
+                    <a:lstStyle/>
+                    <a:p>
+                      <a:pPr algn="ctr"/>
+                      <a:r>
+                        <a:rPr lang="en-US" altLang="zh-CN" dirty="0" err="1" smtClean="0"/>
+                        <a:t>dd</a:t>
+                      </a:r>
+                      <a:endParaRPr lang="zh-CN" altLang="en-US" dirty="0"/>
+                    </a:p>
+                  </a:txBody>
+                  <a:tcPr/>
+                </a:tc>
+                <a:tc>
+                  <a:txBody>
+                    <a:bodyPr/>
+                    <a:lstStyle/>
+                    <a:p>
+                      <a:r>
+                        <a:rPr lang="zh-CN" altLang="en-US" dirty="0" smtClean="0"/>
+                        <a:t>剪切当前行</a:t>
+                      </a:r>
+                      <a:endParaRPr lang="zh-CN" altLang="en-US" dirty="0"/>
+                    </a:p>
+                  </a:txBody>
+                  <a:tcPr/>
+                </a:tc>
+              </a:tr>
+              <a:tr h="370840">
+                <a:tc>
+                  <a:txBody>
+                    <a:bodyPr/>
+                    <a:lstStyle/>
+                    <a:p>
+                      <a:pPr algn="ctr"/>
+                      <a:r>
+                        <a:rPr lang="en-US" altLang="zh-CN" dirty="0" err="1" smtClean="0"/>
+                        <a:t>ndd</a:t>
+                      </a:r>
+                      <a:endParaRPr lang="zh-CN" altLang="en-US" dirty="0"/>
+                    </a:p>
+                  </a:txBody>
+                  <a:tcPr/>
+                </a:tc>
+                <a:tc>
+                  <a:txBody>
+                    <a:bodyPr/>
+                    <a:lstStyle/>
+                    <a:p>
+                      <a:r>
+                        <a:rPr lang="zh-CN" altLang="en-US" dirty="0" smtClean="0"/>
+                        <a:t>剪切当前行以下</a:t>
+                      </a:r>
+                      <a:r>
+                        <a:rPr lang="en-US" altLang="zh-CN" dirty="0" smtClean="0"/>
+                        <a:t>n</a:t>
+                      </a:r>
+                      <a:r>
+                        <a:rPr lang="zh-CN" altLang="en-US" dirty="0" smtClean="0"/>
+                        <a:t>行</a:t>
+                      </a:r>
+                      <a:endParaRPr lang="zh-CN" altLang="en-US" dirty="0"/>
+                    </a:p>
+                  </a:txBody>
+                  <a:tcPr/>
+                </a:tc>
+              </a:tr>
+              <a:tr h="370840">
+                <a:tc>
+                  <a:txBody>
+                    <a:bodyPr/>
+                    <a:lstStyle/>
+                    <a:p>
+                      <a:pPr algn="ctr"/>
+                      <a:r>
+                        <a:rPr lang="en-US" altLang="zh-CN" dirty="0" smtClean="0"/>
+                        <a:t>p</a:t>
+                      </a:r>
+                      <a:endParaRPr lang="zh-CN" altLang="en-US" dirty="0"/>
+                    </a:p>
+                  </a:txBody>
+                  <a:tcPr/>
+                </a:tc>
+                <a:tc>
+                  <a:txBody>
+                    <a:bodyPr/>
+                    <a:lstStyle/>
+                    <a:p>
+                      <a:r>
+                        <a:rPr lang="zh-CN" altLang="en-US" dirty="0" smtClean="0"/>
+                        <a:t>粘贴在当前行下一行</a:t>
+                      </a:r>
+                      <a:endParaRPr lang="en-US" altLang="zh-CN" dirty="0" smtClean="0"/>
+                    </a:p>
+                  </a:txBody>
+                  <a:tcPr/>
+                </a:tc>
+              </a:tr>
+              <a:tr h="370840">
+                <a:tc>
+                  <a:txBody>
+                    <a:bodyPr/>
+                    <a:lstStyle/>
+                    <a:p>
+                      <a:pPr algn="ctr"/>
+                      <a:r>
+                        <a:rPr lang="en-US" altLang="zh-CN" dirty="0" smtClean="0"/>
+                        <a:t>P</a:t>
+                      </a:r>
+                      <a:endParaRPr lang="zh-CN" altLang="en-US" dirty="0"/>
+                    </a:p>
+                  </a:txBody>
+                  <a:tcPr/>
+                </a:tc>
+                <a:tc>
+                  <a:txBody>
+                    <a:bodyPr/>
+                    <a:lstStyle/>
+                    <a:p>
+                      <a:r>
+                        <a:rPr lang="zh-CN" altLang="en-US" dirty="0" smtClean="0"/>
+                        <a:t>粘贴在当前行上一行</a:t>
+                      </a:r>
+                      <a:endParaRPr lang="zh-CN" altLang="en-US" dirty="0"/>
+                    </a:p>
+                  </a:txBody>
+                  <a:tcPr/>
+                </a:tc>
+              </a:tr>
+            </a:tbl>
+          </a:graphicData>
+        </a:graphic>
+      </p:graphicFrame>
+      <p:sp>
+        <p:nvSpPr>
+          <p:cNvPr id="5" name="TextBox 4"/>
+          <p:cNvSpPr txBox="1"/>
+          <p:nvPr/>
+        </p:nvSpPr>
+        <p:spPr>
+          <a:xfrm>
+            <a:off x="1331640" y="4725144"/>
+            <a:ext cx="4824536" cy="369332"/>
+          </a:xfrm>
+          <a:prstGeom prst="rect">
+            <a:avLst/>
+          </a:prstGeom>
+          <a:noFill/>
+        </p:spPr>
+        <p:txBody>
+          <a:bodyPr wrap="square" rtlCol="0">
+            <a:spAutoFit/>
+          </a:bodyPr>
+          <a:lstStyle/>
+          <a:p>
+            <a:r>
+              <a:rPr lang="zh-CN" altLang="en-US" b="1" dirty="0" smtClean="0"/>
+              <a:t>撤销命令：</a:t>
+            </a:r>
+            <a:r>
+              <a:rPr lang="en-US" altLang="zh-CN" dirty="0" smtClean="0"/>
+              <a:t>u </a:t>
+            </a:r>
+            <a:r>
+              <a:rPr lang="zh-CN" altLang="en-US" dirty="0" smtClean="0"/>
+              <a:t>取消上一步的操作</a:t>
+            </a:r>
+            <a:endParaRPr lang="zh-CN" altLang="en-US" dirty="0"/>
+          </a:p>
+        </p:txBody>
+      </p:sp>
+    </p:spTree>
+    <p:extLst>
+      <p:ext uri="{BB962C8B-B14F-4D97-AF65-F5344CB8AC3E}">
+        <p14:creationId xmlns:p14="http://schemas.microsoft.com/office/powerpoint/2010/main" val="4170573792"/>
+      </p:ext>
+    </p:extLst>
+  </p:cSld>
+  <p:clrMapOvr>
+    <a:masterClrMapping/>
+  </p:clrMapOvr>
+</p:sld>
+</file>
+
+<file path=ppt/slides/slide19.xml><?xml version="1.0" encoding="utf-8"?>
+<p:sld xmlns:a="http://schemas.openxmlformats.org/drawingml/2006/main" xmlns:r="http://schemas.openxmlformats.org/officeDocument/2006/relationships" xmlns:p="http://schemas.openxmlformats.org/presentationml/2006/main">
+  <p:cSld>
+    <p:spTree>
+      <p:nvGrpSpPr>
+        <p:cNvPr id="1" name=""/>
+        <p:cNvGrpSpPr/>
+        <p:nvPr/>
+      </p:nvGrpSpPr>
+      <p:grpSpPr>
+        <a:xfrm>
+          <a:off x="0" y="0"/>
+          <a:ext cx="0" cy="0"/>
+          <a:chOff x="0" y="0"/>
+          <a:chExt cx="0" cy="0"/>
+        </a:xfrm>
+      </p:grpSpPr>
+      <p:sp>
+        <p:nvSpPr>
+          <p:cNvPr id="2" name="标题 1"/>
+          <p:cNvSpPr>
+            <a:spLocks noGrp="1"/>
+          </p:cNvSpPr>
+          <p:nvPr>
+            <p:ph type="title"/>
+          </p:nvPr>
+        </p:nvSpPr>
+        <p:spPr/>
+        <p:txBody>
+          <a:bodyPr/>
+          <a:lstStyle/>
+          <a:p>
+            <a:r>
+              <a:rPr lang="zh-CN" altLang="en-US" dirty="0" smtClean="0"/>
+              <a:t>查找和替换</a:t>
+            </a:r>
+            <a:endParaRPr lang="zh-CN" altLang="en-US" dirty="0"/>
+          </a:p>
+        </p:txBody>
+      </p:sp>
+      <p:sp>
+        <p:nvSpPr>
+          <p:cNvPr id="3" name="内容占位符 2"/>
+          <p:cNvSpPr>
+            <a:spLocks noGrp="1"/>
+          </p:cNvSpPr>
+          <p:nvPr>
+            <p:ph idx="1"/>
+          </p:nvPr>
+        </p:nvSpPr>
+        <p:spPr/>
+        <p:txBody>
+          <a:bodyPr/>
+          <a:lstStyle/>
+          <a:p>
+            <a:endParaRPr lang="zh-CN" altLang="en-US" dirty="0"/>
+          </a:p>
+        </p:txBody>
+      </p:sp>
+      <p:graphicFrame>
+        <p:nvGraphicFramePr>
+          <p:cNvPr id="4" name="内容占位符 3"/>
+          <p:cNvGraphicFramePr>
+            <a:graphicFrameLocks/>
+          </p:cNvGraphicFramePr>
+          <p:nvPr>
+            <p:extLst>
+              <p:ext uri="{D42A27DB-BD31-4B8C-83A1-F6EECF244321}">
+                <p14:modId xmlns:p14="http://schemas.microsoft.com/office/powerpoint/2010/main" val="1134639648"/>
+              </p:ext>
+            </p:extLst>
+          </p:nvPr>
+        </p:nvGraphicFramePr>
+        <p:xfrm>
+          <a:off x="611560" y="1844824"/>
+          <a:ext cx="7776864" cy="2392680"/>
+        </p:xfrm>
+        <a:graphic>
+          <a:graphicData uri="http://schemas.openxmlformats.org/drawingml/2006/table">
+            <a:tbl>
+              <a:tblPr firstRow="1" bandRow="1">
+                <a:tableStyleId>{21E4AEA4-8DFA-4A89-87EB-49C32662AFE0}</a:tableStyleId>
+              </a:tblPr>
+              <a:tblGrid>
+                <a:gridCol w="4102082"/>
+                <a:gridCol w="3674782"/>
+              </a:tblGrid>
+              <a:tr h="370840">
+                <a:tc>
+                  <a:txBody>
+                    <a:bodyPr/>
+                    <a:lstStyle/>
+                    <a:p>
+                      <a:pPr algn="ctr"/>
+                      <a:r>
+                        <a:rPr lang="zh-CN" altLang="en-US" dirty="0" smtClean="0"/>
+                        <a:t>命令</a:t>
+                      </a:r>
+                      <a:endParaRPr lang="zh-CN" altLang="en-US" dirty="0"/>
+                    </a:p>
+                  </a:txBody>
+                  <a:tcPr/>
+                </a:tc>
+                <a:tc>
+                  <a:txBody>
+                    <a:bodyPr/>
+                    <a:lstStyle/>
+                    <a:p>
+                      <a:r>
+                        <a:rPr lang="zh-CN" altLang="en-US" dirty="0" smtClean="0"/>
+                        <a:t>作用</a:t>
+                      </a:r>
+                      <a:endParaRPr lang="zh-CN" altLang="en-US" dirty="0"/>
+                    </a:p>
+                  </a:txBody>
+                  <a:tcPr/>
+                </a:tc>
+              </a:tr>
+              <a:tr h="370840">
+                <a:tc>
+                  <a:txBody>
+                    <a:bodyPr/>
+                    <a:lstStyle/>
+                    <a:p>
+                      <a:pPr algn="ctr"/>
+                      <a:r>
+                        <a:rPr lang="en-US" altLang="zh-CN" dirty="0" smtClean="0"/>
+                        <a:t>/string</a:t>
+                      </a:r>
+                      <a:endParaRPr lang="zh-CN" altLang="en-US" dirty="0"/>
+                    </a:p>
+                  </a:txBody>
+                  <a:tcPr/>
+                </a:tc>
+                <a:tc>
+                  <a:txBody>
+                    <a:bodyPr/>
+                    <a:lstStyle/>
+                    <a:p>
+                      <a:r>
+                        <a:rPr lang="zh-CN" altLang="en-US" dirty="0" smtClean="0"/>
+                        <a:t>搜索指定字符串</a:t>
+                      </a:r>
+                      <a:endParaRPr lang="en-US" altLang="zh-CN" dirty="0" smtClean="0"/>
+                    </a:p>
+                    <a:p>
+                      <a:r>
+                        <a:rPr lang="zh-CN" altLang="en-US" dirty="0" smtClean="0"/>
+                        <a:t>搜索时忽略大小写</a:t>
+                      </a:r>
+                      <a:r>
+                        <a:rPr lang="en-US" altLang="zh-CN" dirty="0" smtClean="0"/>
+                        <a:t>:set </a:t>
+                      </a:r>
+                      <a:r>
+                        <a:rPr lang="en-US" altLang="zh-CN" dirty="0" err="1" smtClean="0"/>
+                        <a:t>ic</a:t>
+                      </a:r>
+                      <a:endParaRPr lang="zh-CN" altLang="en-US" dirty="0"/>
+                    </a:p>
+                  </a:txBody>
+                  <a:tcPr/>
+                </a:tc>
+              </a:tr>
+              <a:tr h="370840">
+                <a:tc>
+                  <a:txBody>
+                    <a:bodyPr/>
+                    <a:lstStyle/>
+                    <a:p>
+                      <a:pPr algn="ctr"/>
+                      <a:r>
+                        <a:rPr lang="en-US" altLang="zh-CN" dirty="0" smtClean="0"/>
+                        <a:t>n</a:t>
+                      </a:r>
+                      <a:endParaRPr lang="zh-CN" altLang="en-US" dirty="0"/>
+                    </a:p>
+                  </a:txBody>
+                  <a:tcPr/>
+                </a:tc>
+                <a:tc>
+                  <a:txBody>
+                    <a:bodyPr/>
+                    <a:lstStyle/>
+                    <a:p>
+                      <a:r>
+                        <a:rPr lang="zh-CN" altLang="en-US" dirty="0" smtClean="0"/>
+                        <a:t>搜索指定字符串的下一个</a:t>
+                      </a:r>
+                      <a:endParaRPr lang="zh-CN" altLang="en-US" dirty="0"/>
+                    </a:p>
+                  </a:txBody>
+                  <a:tcPr/>
+                </a:tc>
+              </a:tr>
+              <a:tr h="370840">
+                <a:tc>
+                  <a:txBody>
+                    <a:bodyPr/>
+                    <a:lstStyle/>
+                    <a:p>
+                      <a:pPr algn="ctr"/>
+                      <a:r>
+                        <a:rPr lang="en-US" altLang="zh-CN" dirty="0" smtClean="0"/>
+                        <a:t>:%</a:t>
+                      </a:r>
+                      <a:r>
+                        <a:rPr lang="en-US" altLang="zh-CN" dirty="0" smtClean="0"/>
+                        <a:t>s/</a:t>
+                      </a:r>
+                      <a:r>
+                        <a:rPr lang="zh-CN" altLang="en-US" dirty="0" smtClean="0"/>
+                        <a:t>原字符串</a:t>
+                      </a:r>
+                      <a:r>
+                        <a:rPr lang="en-US" altLang="zh-CN" dirty="0" smtClean="0"/>
+                        <a:t>/</a:t>
+                      </a:r>
+                      <a:r>
+                        <a:rPr lang="zh-CN" altLang="en-US" dirty="0" smtClean="0"/>
+                        <a:t>新字符串</a:t>
+                      </a:r>
+                      <a:r>
+                        <a:rPr lang="en-US" altLang="zh-CN" dirty="0" smtClean="0"/>
+                        <a:t>/g</a:t>
+                      </a:r>
+                      <a:endParaRPr lang="zh-CN" altLang="en-US" dirty="0"/>
+                    </a:p>
+                  </a:txBody>
+                  <a:tcPr/>
+                </a:tc>
+                <a:tc>
+                  <a:txBody>
+                    <a:bodyPr/>
+                    <a:lstStyle/>
+                    <a:p>
+                      <a:r>
+                        <a:rPr lang="zh-CN" altLang="en-US" dirty="0" smtClean="0"/>
+                        <a:t>全文用新字符串替换（编辑模式）</a:t>
+                      </a:r>
+                      <a:endParaRPr lang="zh-CN" altLang="en-US" dirty="0"/>
+                    </a:p>
+                  </a:txBody>
+                  <a:tcPr/>
+                </a:tc>
+              </a:tr>
+              <a:tr h="370840">
+                <a:tc>
+                  <a:txBody>
+                    <a:bodyPr/>
+                    <a:lstStyle/>
+                    <a:p>
+                      <a:pPr marL="0" marR="0" indent="0" algn="ctr" defTabSz="914400" rtl="0" eaLnBrk="1" fontAlgn="auto" latinLnBrk="0" hangingPunct="1">
+                        <a:lnSpc>
+                          <a:spcPct val="100000"/>
+                        </a:lnSpc>
+                        <a:spcBef>
+                          <a:spcPts val="0"/>
+                        </a:spcBef>
+                        <a:spcAft>
+                          <a:spcPts val="0"/>
+                        </a:spcAft>
+                        <a:buClrTx/>
+                        <a:buSzTx/>
+                        <a:buFontTx/>
+                        <a:buNone/>
+                        <a:tabLst/>
+                        <a:defRPr/>
+                      </a:pPr>
+                      <a:r>
+                        <a:rPr lang="en-US" altLang="zh-CN" dirty="0" smtClean="0"/>
+                        <a:t>:</a:t>
+                      </a:r>
+                      <a:r>
+                        <a:rPr lang="zh-CN" altLang="en-US" dirty="0" smtClean="0"/>
+                        <a:t>开始行</a:t>
+                      </a:r>
+                      <a:r>
+                        <a:rPr lang="en-US" altLang="zh-CN" dirty="0" smtClean="0"/>
+                        <a:t>,</a:t>
+                      </a:r>
+                      <a:r>
+                        <a:rPr lang="zh-CN" altLang="en-US" dirty="0" smtClean="0"/>
+                        <a:t>结束</a:t>
+                      </a:r>
+                      <a:r>
+                        <a:rPr lang="zh-CN" altLang="en-US" dirty="0" smtClean="0"/>
+                        <a:t>行</a:t>
+                      </a:r>
+                      <a:r>
+                        <a:rPr lang="en-US" altLang="zh-CN" dirty="0" smtClean="0"/>
+                        <a:t>s/</a:t>
+                      </a:r>
+                      <a:r>
+                        <a:rPr lang="zh-CN" altLang="en-US" dirty="0" smtClean="0"/>
+                        <a:t>原字符串</a:t>
+                      </a:r>
+                      <a:r>
+                        <a:rPr lang="en-US" altLang="zh-CN" dirty="0" smtClean="0"/>
+                        <a:t>/</a:t>
+                      </a:r>
+                      <a:r>
+                        <a:rPr lang="zh-CN" altLang="en-US" dirty="0" smtClean="0"/>
+                        <a:t>新字符串</a:t>
+                      </a:r>
+                      <a:r>
+                        <a:rPr lang="en-US" altLang="zh-CN" dirty="0" smtClean="0"/>
+                        <a:t>/g</a:t>
+                      </a:r>
+                      <a:endParaRPr lang="zh-CN" altLang="en-US" dirty="0" smtClean="0"/>
+                    </a:p>
+                    <a:p>
+                      <a:pPr algn="ctr"/>
+                      <a:endParaRPr lang="zh-CN" altLang="en-US" dirty="0"/>
+                    </a:p>
+                  </a:txBody>
+                  <a:tcPr/>
+                </a:tc>
+                <a:tc>
+                  <a:txBody>
+                    <a:bodyPr/>
+                    <a:lstStyle/>
+                    <a:p>
+                      <a:r>
+                        <a:rPr lang="zh-CN" altLang="en-US" dirty="0" smtClean="0"/>
+                        <a:t>在指定行范围内替换（编辑模式）</a:t>
+                      </a:r>
+                      <a:endParaRPr lang="zh-CN" altLang="en-US" dirty="0"/>
+                    </a:p>
+                  </a:txBody>
+                  <a:tcPr/>
+                </a:tc>
+              </a:tr>
+            </a:tbl>
+          </a:graphicData>
+        </a:graphic>
+      </p:graphicFrame>
+    </p:spTree>
+    <p:extLst>
+      <p:ext uri="{BB962C8B-B14F-4D97-AF65-F5344CB8AC3E}">
+        <p14:creationId xmlns:p14="http://schemas.microsoft.com/office/powerpoint/2010/main" val="1795962973"/>
+      </p:ext>
+    </p:extLst>
+  </p:cSld>
+  <p:clrMapOvr>
+    <a:masterClrMapping/>
+  </p:clrMapOvr>
+</p:sld>
+</file>
+
+<file path=ppt/slides/slide2.xml><?xml version="1.0" encoding="utf-8"?>
+<p:sld xmlns:a="http://schemas.openxmlformats.org/drawingml/2006/main" xmlns:r="http://schemas.openxmlformats.org/officeDocument/2006/relationships" xmlns:p="http://schemas.openxmlformats.org/presentationml/2006/main">
+  <p:cSld>
+    <p:spTree>
+      <p:nvGrpSpPr>
+        <p:cNvPr id="1" name=""/>
+        <p:cNvGrpSpPr/>
+        <p:nvPr/>
+      </p:nvGrpSpPr>
+      <p:grpSpPr>
+        <a:xfrm>
+          <a:off x="0" y="0"/>
+          <a:ext cx="0" cy="0"/>
+          <a:chOff x="0" y="0"/>
+          <a:chExt cx="0" cy="0"/>
+        </a:xfrm>
+      </p:grpSpPr>
+      <p:sp>
+        <p:nvSpPr>
+          <p:cNvPr id="7169" name="Rectangle 3"/>
           <p:cNvSpPr>
             <a:spLocks noGrp="1" noChangeArrowheads="1"/>
           </p:cNvSpPr>
@@ -4883,58 +5808,359 @@
         </p:nvSpPr>
         <p:spPr>
           <a:xfrm>
-            <a:off x="323528" y="1196752"/>
-            <a:ext cx="8064500" cy="4967287"/>
+            <a:off x="250825" y="1268413"/>
+            <a:ext cx="8569325" cy="4967287"/>
           </a:xfrm>
         </p:spPr>
         <p:txBody>
-          <a:bodyPr>
-            <a:normAutofit fontScale="92500" lnSpcReduction="10000"/>
-          </a:bodyPr>
+          <a:bodyPr/>
           <a:lstStyle/>
           <a:p>
             <a:pPr algn="just" eaLnBrk="1" hangingPunct="1"/>
             <a:r>
-              <a:rPr lang="en-US" altLang="zh-CN" b="1" dirty="0" smtClean="0">
-                <a:latin typeface="仿宋_GB2312" pitchFamily="49" charset="-122"/>
-                <a:ea typeface="仿宋_GB2312" pitchFamily="49" charset="-122"/>
-              </a:rPr>
-              <a:t>4.vi的撤销功能</a:t>
+              <a:rPr lang="en-US" altLang="zh-CN" sz="2200" dirty="0" smtClean="0">
+                <a:latin typeface="仿宋_GB2312" pitchFamily="49" charset="-122"/>
+                <a:ea typeface="仿宋_GB2312" pitchFamily="49" charset="-122"/>
+              </a:rPr>
+              <a:t>      </a:t>
+            </a:r>
+            <a:r>
+              <a:rPr lang="zh-CN" altLang="en-US" sz="2200" dirty="0" smtClean="0">
+                <a:latin typeface="仿宋_GB2312" pitchFamily="49" charset="-122"/>
+                <a:ea typeface="仿宋_GB2312" pitchFamily="49" charset="-122"/>
+              </a:rPr>
+              <a:t>编辑器是使用计算机的重要工具之一，</a:t>
+            </a:r>
+            <a:r>
+              <a:rPr lang="en-US" altLang="zh-CN" sz="2200" dirty="0" smtClean="0">
+                <a:latin typeface="仿宋_GB2312" pitchFamily="49" charset="-122"/>
+                <a:ea typeface="仿宋_GB2312" pitchFamily="49" charset="-122"/>
+              </a:rPr>
+              <a:t>Linux</a:t>
+            </a:r>
+            <a:r>
+              <a:rPr lang="zh-CN" altLang="en-US" sz="2200" dirty="0" smtClean="0">
+                <a:latin typeface="仿宋_GB2312" pitchFamily="49" charset="-122"/>
+                <a:ea typeface="仿宋_GB2312" pitchFamily="49" charset="-122"/>
+              </a:rPr>
+              <a:t>为了方便各种用户在不同的环境下使用，提供了一系列的编辑器，包括</a:t>
+            </a:r>
+            <a:r>
+              <a:rPr lang="en-US" altLang="zh-CN" sz="2200" dirty="0" err="1" smtClean="0">
+                <a:solidFill>
+                  <a:srgbClr val="FF0000"/>
+                </a:solidFill>
+                <a:latin typeface="仿宋_GB2312" pitchFamily="49" charset="-122"/>
+                <a:ea typeface="仿宋_GB2312" pitchFamily="49" charset="-122"/>
+              </a:rPr>
+              <a:t>gedit</a:t>
+            </a:r>
+            <a:r>
+              <a:rPr lang="zh-CN" altLang="en-US" sz="2200" dirty="0" smtClean="0">
+                <a:latin typeface="仿宋_GB2312" pitchFamily="49" charset="-122"/>
+                <a:ea typeface="仿宋_GB2312" pitchFamily="49" charset="-122"/>
+              </a:rPr>
+              <a:t>、</a:t>
+            </a:r>
+            <a:r>
+              <a:rPr lang="en-US" altLang="zh-CN" sz="2200" dirty="0" err="1" smtClean="0">
+                <a:solidFill>
+                  <a:srgbClr val="FF0000"/>
+                </a:solidFill>
+                <a:latin typeface="仿宋_GB2312" pitchFamily="49" charset="-122"/>
+                <a:ea typeface="仿宋_GB2312" pitchFamily="49" charset="-122"/>
+              </a:rPr>
+              <a:t>emacs</a:t>
+            </a:r>
+            <a:r>
+              <a:rPr lang="zh-CN" altLang="en-US" sz="2200" dirty="0" smtClean="0">
+                <a:latin typeface="仿宋_GB2312" pitchFamily="49" charset="-122"/>
+                <a:ea typeface="仿宋_GB2312" pitchFamily="49" charset="-122"/>
+              </a:rPr>
+              <a:t>和</a:t>
+            </a:r>
+            <a:r>
+              <a:rPr lang="en-US" altLang="zh-CN" sz="2200" dirty="0" smtClean="0">
+                <a:solidFill>
+                  <a:srgbClr val="FF0000"/>
+                </a:solidFill>
+                <a:latin typeface="仿宋_GB2312" pitchFamily="49" charset="-122"/>
+                <a:ea typeface="仿宋_GB2312" pitchFamily="49" charset="-122"/>
+              </a:rPr>
+              <a:t>vi</a:t>
+            </a:r>
+            <a:r>
+              <a:rPr lang="zh-CN" altLang="en-US" sz="2200" dirty="0" smtClean="0">
+                <a:latin typeface="仿宋_GB2312" pitchFamily="49" charset="-122"/>
+                <a:ea typeface="仿宋_GB2312" pitchFamily="49" charset="-122"/>
+              </a:rPr>
+              <a:t>等，其中</a:t>
+            </a:r>
+            <a:r>
+              <a:rPr lang="en-US" altLang="zh-CN" sz="2200" dirty="0" err="1" smtClean="0">
+                <a:latin typeface="仿宋_GB2312" pitchFamily="49" charset="-122"/>
+                <a:ea typeface="仿宋_GB2312" pitchFamily="49" charset="-122"/>
+              </a:rPr>
+              <a:t>gedit</a:t>
+            </a:r>
+            <a:r>
+              <a:rPr lang="zh-CN" altLang="en-US" sz="2200" dirty="0" smtClean="0">
+                <a:latin typeface="仿宋_GB2312" pitchFamily="49" charset="-122"/>
+                <a:ea typeface="仿宋_GB2312" pitchFamily="49" charset="-122"/>
+              </a:rPr>
+              <a:t>和</a:t>
+            </a:r>
+            <a:r>
+              <a:rPr lang="en-US" altLang="zh-CN" sz="2200" dirty="0" err="1" smtClean="0">
+                <a:latin typeface="仿宋_GB2312" pitchFamily="49" charset="-122"/>
+                <a:ea typeface="仿宋_GB2312" pitchFamily="49" charset="-122"/>
+              </a:rPr>
+              <a:t>emacs</a:t>
+            </a:r>
+            <a:r>
+              <a:rPr lang="zh-CN" altLang="en-US" sz="2200" dirty="0" smtClean="0">
+                <a:latin typeface="仿宋_GB2312" pitchFamily="49" charset="-122"/>
+                <a:ea typeface="仿宋_GB2312" pitchFamily="49" charset="-122"/>
+              </a:rPr>
+              <a:t>是</a:t>
+            </a:r>
+            <a:r>
+              <a:rPr lang="en-US" altLang="zh-CN" sz="2200" dirty="0" smtClean="0">
+                <a:latin typeface="仿宋_GB2312" pitchFamily="49" charset="-122"/>
+                <a:ea typeface="仿宋_GB2312" pitchFamily="49" charset="-122"/>
+              </a:rPr>
+              <a:t>X Window</a:t>
+            </a:r>
+            <a:r>
+              <a:rPr lang="zh-CN" altLang="en-US" sz="2200" dirty="0" smtClean="0">
+                <a:latin typeface="仿宋_GB2312" pitchFamily="49" charset="-122"/>
+                <a:ea typeface="仿宋_GB2312" pitchFamily="49" charset="-122"/>
+              </a:rPr>
+              <a:t>下的编辑器，</a:t>
+            </a:r>
+            <a:r>
+              <a:rPr lang="en-US" altLang="zh-CN" sz="2200" dirty="0" smtClean="0">
+                <a:latin typeface="仿宋_GB2312" pitchFamily="49" charset="-122"/>
+                <a:ea typeface="仿宋_GB2312" pitchFamily="49" charset="-122"/>
+              </a:rPr>
+              <a:t>vi </a:t>
+            </a:r>
+            <a:r>
+              <a:rPr lang="zh-CN" altLang="en-US" sz="2200" dirty="0" smtClean="0">
+                <a:latin typeface="仿宋_GB2312" pitchFamily="49" charset="-122"/>
+                <a:ea typeface="仿宋_GB2312" pitchFamily="49" charset="-122"/>
+              </a:rPr>
+              <a:t>可以运行于命令行模式。目前使用人数最多的就是</a:t>
+            </a:r>
+            <a:r>
+              <a:rPr lang="en-US" altLang="zh-CN" sz="2200" dirty="0" smtClean="0">
+                <a:latin typeface="仿宋_GB2312" pitchFamily="49" charset="-122"/>
+                <a:ea typeface="仿宋_GB2312" pitchFamily="49" charset="-122"/>
+              </a:rPr>
+              <a:t>vi</a:t>
+            </a:r>
+            <a:r>
+              <a:rPr lang="zh-CN" altLang="en-US" sz="2200" dirty="0" smtClean="0">
+                <a:latin typeface="仿宋_GB2312" pitchFamily="49" charset="-122"/>
+                <a:ea typeface="仿宋_GB2312" pitchFamily="49" charset="-122"/>
+              </a:rPr>
+              <a:t>编辑器</a:t>
+            </a:r>
+            <a:r>
+              <a:rPr lang="zh-CN" altLang="en-US" sz="2200" b="1" dirty="0" smtClean="0">
+                <a:latin typeface="仿宋_GB2312" pitchFamily="49" charset="-122"/>
+                <a:ea typeface="仿宋_GB2312" pitchFamily="49" charset="-122"/>
+              </a:rPr>
+              <a:t>。</a:t>
             </a:r>
           </a:p>
           <a:p>
             <a:pPr algn="just" eaLnBrk="1" hangingPunct="1"/>
-            <a:r>
-              <a:rPr lang="en-US" altLang="zh-CN" dirty="0" smtClean="0">
-                <a:latin typeface="仿宋_GB2312" pitchFamily="49" charset="-122"/>
-                <a:ea typeface="仿宋_GB2312" pitchFamily="49" charset="-122"/>
-              </a:rPr>
-              <a:t>     和很多基于图形的编辑器一样vi也提供撤销功能，对于一个编辑器来说，提供撤销功能是必要的。用户可以在命令模式下输入“:u”后按Enter键，就可以撤销上一次操作。</a:t>
-            </a:r>
+            <a:endParaRPr lang="zh-CN" altLang="en-US" sz="2200" b="1" dirty="0" smtClean="0">
+              <a:latin typeface="仿宋_GB2312" pitchFamily="49" charset="-122"/>
+              <a:ea typeface="仿宋_GB2312" pitchFamily="49" charset="-122"/>
+            </a:endParaRPr>
           </a:p>
           <a:p>
             <a:pPr algn="just" eaLnBrk="1" hangingPunct="1"/>
             <a:r>
-              <a:rPr lang="en-US" altLang="zh-CN" dirty="0" smtClean="0">
-                <a:latin typeface="仿宋_GB2312" pitchFamily="49" charset="-122"/>
-                <a:ea typeface="仿宋_GB2312" pitchFamily="49" charset="-122"/>
-              </a:rPr>
-              <a:t>     在vi中，撤销功能每一次撤销的是自上次存盘到现在输入的内容，因此撤销能够恢复到最原始的状态，但是此时用户不能使用“:q”命令来退出vi，因为此时用户已经修改了缓冲区的内容。如果确实需要退出vi程序，可以使用在命令模式下“:q!”。</a:t>
-            </a:r>
-          </a:p>
-          <a:p>
-            <a:pPr algn="just" eaLnBrk="1" hangingPunct="1"/>
-            <a:endParaRPr lang="en-US" altLang="zh-CN" dirty="0" smtClean="0">
-              <a:latin typeface="-보람B" pitchFamily="18" charset="-127"/>
-              <a:ea typeface="-보람B" pitchFamily="18" charset="-127"/>
-            </a:endParaRPr>
+              <a:rPr lang="zh-CN" altLang="en-US" sz="2200" dirty="0" smtClean="0">
+                <a:latin typeface="仿宋_GB2312" pitchFamily="49" charset="-122"/>
+                <a:ea typeface="仿宋_GB2312" pitchFamily="49" charset="-122"/>
+              </a:rPr>
+              <a:t>     </a:t>
+            </a:r>
+            <a:r>
+              <a:rPr lang="en-US" altLang="zh-CN" sz="2200" dirty="0" smtClean="0">
+                <a:latin typeface="仿宋_GB2312" pitchFamily="49" charset="-122"/>
+                <a:ea typeface="仿宋_GB2312" pitchFamily="49" charset="-122"/>
+              </a:rPr>
+              <a:t>Linux</a:t>
+            </a:r>
+            <a:r>
+              <a:rPr lang="zh-CN" altLang="en-US" sz="2200" dirty="0" smtClean="0">
+                <a:latin typeface="仿宋_GB2312" pitchFamily="49" charset="-122"/>
+                <a:ea typeface="仿宋_GB2312" pitchFamily="49" charset="-122"/>
+              </a:rPr>
+              <a:t>提供的全屏编辑器</a:t>
+            </a:r>
+            <a:r>
+              <a:rPr lang="en-US" altLang="zh-CN" sz="2200" dirty="0" smtClean="0">
+                <a:latin typeface="仿宋_GB2312" pitchFamily="49" charset="-122"/>
+                <a:ea typeface="仿宋_GB2312" pitchFamily="49" charset="-122"/>
+              </a:rPr>
+              <a:t>vi</a:t>
+            </a:r>
+            <a:r>
+              <a:rPr lang="zh-CN" altLang="en-US" sz="2200" dirty="0" smtClean="0">
+                <a:latin typeface="仿宋_GB2312" pitchFamily="49" charset="-122"/>
+                <a:ea typeface="仿宋_GB2312" pitchFamily="49" charset="-122"/>
+              </a:rPr>
+              <a:t>启动快，能够胜任所有的文本操作，使得用户的文本编辑更加轻松。在</a:t>
+            </a:r>
+            <a:r>
+              <a:rPr lang="en-US" altLang="zh-CN" sz="2200" dirty="0" smtClean="0">
+                <a:latin typeface="仿宋_GB2312" pitchFamily="49" charset="-122"/>
+                <a:ea typeface="仿宋_GB2312" pitchFamily="49" charset="-122"/>
+              </a:rPr>
+              <a:t>Linux</a:t>
+            </a:r>
+            <a:r>
+              <a:rPr lang="zh-CN" altLang="en-US" sz="2200" dirty="0" smtClean="0">
+                <a:latin typeface="仿宋_GB2312" pitchFamily="49" charset="-122"/>
+                <a:ea typeface="仿宋_GB2312" pitchFamily="49" charset="-122"/>
+              </a:rPr>
+              <a:t>操作系统中使用</a:t>
+            </a:r>
+            <a:r>
+              <a:rPr lang="en-US" altLang="zh-CN" sz="2200" dirty="0" smtClean="0">
+                <a:latin typeface="仿宋_GB2312" pitchFamily="49" charset="-122"/>
+                <a:ea typeface="仿宋_GB2312" pitchFamily="49" charset="-122"/>
+              </a:rPr>
+              <a:t>vi</a:t>
+            </a:r>
+            <a:r>
+              <a:rPr lang="zh-CN" altLang="en-US" sz="2200" dirty="0" smtClean="0">
+                <a:latin typeface="仿宋_GB2312" pitchFamily="49" charset="-122"/>
+                <a:ea typeface="仿宋_GB2312" pitchFamily="49" charset="-122"/>
+              </a:rPr>
+              <a:t>编辑器来处理文件的时候，会先将文件复制一份到内存缓冲区（</a:t>
+            </a:r>
+            <a:r>
+              <a:rPr lang="en-US" altLang="zh-CN" sz="2200" dirty="0" smtClean="0">
+                <a:latin typeface="仿宋_GB2312" pitchFamily="49" charset="-122"/>
+                <a:ea typeface="仿宋_GB2312" pitchFamily="49" charset="-122"/>
+              </a:rPr>
+              <a:t>buffer</a:t>
+            </a:r>
+            <a:r>
+              <a:rPr lang="zh-CN" altLang="en-US" sz="2200" dirty="0" smtClean="0">
+                <a:latin typeface="仿宋_GB2312" pitchFamily="49" charset="-122"/>
+                <a:ea typeface="仿宋_GB2312" pitchFamily="49" charset="-122"/>
+              </a:rPr>
+              <a:t>）。</a:t>
+            </a:r>
+            <a:r>
+              <a:rPr lang="en-US" altLang="zh-CN" sz="2200" dirty="0" smtClean="0">
+                <a:latin typeface="仿宋_GB2312" pitchFamily="49" charset="-122"/>
+                <a:ea typeface="仿宋_GB2312" pitchFamily="49" charset="-122"/>
+              </a:rPr>
+              <a:t>Vi</a:t>
+            </a:r>
+            <a:r>
+              <a:rPr lang="zh-CN" altLang="en-US" sz="2200" dirty="0" smtClean="0">
+                <a:latin typeface="仿宋_GB2312" pitchFamily="49" charset="-122"/>
+                <a:ea typeface="仿宋_GB2312" pitchFamily="49" charset="-122"/>
+              </a:rPr>
+              <a:t>对文本文件的编辑都会首先直接修改缓冲区的内容，再使用</a:t>
+            </a:r>
+            <a:r>
+              <a:rPr lang="en-US" altLang="zh-CN" sz="2200" dirty="0" smtClean="0">
+                <a:latin typeface="仿宋_GB2312" pitchFamily="49" charset="-122"/>
+                <a:ea typeface="仿宋_GB2312" pitchFamily="49" charset="-122"/>
+              </a:rPr>
+              <a:t>w</a:t>
+            </a:r>
+            <a:r>
+              <a:rPr lang="zh-CN" altLang="en-US" sz="2200" dirty="0" smtClean="0">
+                <a:latin typeface="仿宋_GB2312" pitchFamily="49" charset="-122"/>
+                <a:ea typeface="仿宋_GB2312" pitchFamily="49" charset="-122"/>
+              </a:rPr>
+              <a:t>命令后，才将</a:t>
+            </a:r>
+            <a:r>
+              <a:rPr lang="en-US" altLang="zh-CN" sz="2200" dirty="0" smtClean="0">
+                <a:latin typeface="仿宋_GB2312" pitchFamily="49" charset="-122"/>
+                <a:ea typeface="仿宋_GB2312" pitchFamily="49" charset="-122"/>
+              </a:rPr>
+              <a:t>buffer</a:t>
+            </a:r>
+            <a:r>
+              <a:rPr lang="zh-CN" altLang="en-US" sz="2200" dirty="0" smtClean="0">
+                <a:latin typeface="仿宋_GB2312" pitchFamily="49" charset="-122"/>
+                <a:ea typeface="仿宋_GB2312" pitchFamily="49" charset="-122"/>
+              </a:rPr>
+              <a:t>中的内容回写到磁盘文件。</a:t>
+            </a:r>
+          </a:p>
+        </p:txBody>
+      </p:sp>
+      <p:sp>
+        <p:nvSpPr>
+          <p:cNvPr id="7170" name="Rectangle 5"/>
+          <p:cNvSpPr>
+            <a:spLocks noGrp="1" noChangeArrowheads="1"/>
+          </p:cNvSpPr>
+          <p:nvPr>
+            <p:ph type="title"/>
+          </p:nvPr>
+        </p:nvSpPr>
+        <p:spPr>
+          <a:xfrm>
+            <a:off x="685800" y="333375"/>
+            <a:ext cx="7772400" cy="874713"/>
+          </a:xfrm>
+        </p:spPr>
+        <p:txBody>
+          <a:bodyPr/>
+          <a:lstStyle/>
+          <a:p>
+            <a:pPr eaLnBrk="1" hangingPunct="1"/>
+            <a:r>
+              <a:rPr lang="en-US" altLang="zh-CN" sz="2800" b="1" dirty="0" smtClean="0">
+                <a:latin typeface="仿宋_GB2312" pitchFamily="49" charset="-122"/>
+                <a:ea typeface="仿宋_GB2312" pitchFamily="49" charset="-122"/>
+              </a:rPr>
+              <a:t>Vi(visual interface</a:t>
+            </a:r>
+            <a:r>
+              <a:rPr lang="zh-CN" altLang="en-US" sz="2800" b="1" dirty="0" smtClean="0">
+                <a:latin typeface="仿宋_GB2312" pitchFamily="49" charset="-122"/>
+                <a:ea typeface="仿宋_GB2312" pitchFamily="49" charset="-122"/>
+              </a:rPr>
+              <a:t>，可视化编辑器</a:t>
+            </a:r>
+            <a:r>
+              <a:rPr lang="en-US" altLang="zh-CN" sz="2800" b="1" dirty="0" smtClean="0">
+                <a:latin typeface="仿宋_GB2312" pitchFamily="49" charset="-122"/>
+                <a:ea typeface="仿宋_GB2312" pitchFamily="49" charset="-122"/>
+              </a:rPr>
+              <a:t>)</a:t>
+            </a:r>
+            <a:r>
+              <a:rPr lang="zh-CN" altLang="en-US" sz="2800" b="1" dirty="0" smtClean="0">
+                <a:latin typeface="仿宋_GB2312" pitchFamily="49" charset="-122"/>
+                <a:ea typeface="仿宋_GB2312" pitchFamily="49" charset="-122"/>
+              </a:rPr>
+              <a:t> </a:t>
+            </a:r>
           </a:p>
         </p:txBody>
       </p:sp>
     </p:spTree>
     <p:extLst>
       <p:ext uri="{BB962C8B-B14F-4D97-AF65-F5344CB8AC3E}">
-        <p14:creationId xmlns:p14="http://schemas.microsoft.com/office/powerpoint/2010/main" val="3144327224"/>
+        <p14:creationId xmlns:p14="http://schemas.microsoft.com/office/powerpoint/2010/main" val="96818690"/>
       </p:ext>
     </p:extLst>
   </p:cSld>
@@ -4949,10 +6175,17 @@
       <p:transition spd="slow"/>
     </mc:Fallback>
   </mc:AlternateContent>
+  <p:timing>
+    <p:tnLst>
+      <p:par>
+        <p:cTn id="1" dur="indefinite" restart="never" nodeType="tmRoot"/>
+      </p:par>
+    </p:tnLst>
+  </p:timing>
 </p:sld>
 </file>
 
-<file path=ppt/slides/slide18.xml><?xml version="1.0" encoding="utf-8"?>
+<file path=ppt/slides/slide20.xml><?xml version="1.0" encoding="utf-8"?>
 <p:sld xmlns:a="http://schemas.openxmlformats.org/drawingml/2006/main" xmlns:r="http://schemas.openxmlformats.org/officeDocument/2006/relationships" xmlns:p="http://schemas.openxmlformats.org/presentationml/2006/main">
   <p:cSld>
     <p:spTree>
@@ -4991,12 +6224,16 @@
           <a:p>
             <a:pPr algn="just" eaLnBrk="1" hangingPunct="1"/>
             <a:r>
-              <a:rPr lang="en-US" altLang="zh-CN" b="1" dirty="0" smtClean="0">
-                <a:latin typeface="仿宋_GB2312" pitchFamily="49" charset="-122"/>
-                <a:ea typeface="仿宋_GB2312" pitchFamily="49" charset="-122"/>
-              </a:rPr>
-              <a:t>5.移动光标</a:t>
-            </a:r>
+              <a:rPr lang="en-US" altLang="zh-CN" b="1" dirty="0" err="1" smtClean="0">
+                <a:latin typeface="仿宋_GB2312" pitchFamily="49" charset="-122"/>
+                <a:ea typeface="仿宋_GB2312" pitchFamily="49" charset="-122"/>
+              </a:rPr>
+              <a:t>移动光标</a:t>
+            </a:r>
+            <a:endParaRPr lang="en-US" altLang="zh-CN" b="1" dirty="0" smtClean="0">
+              <a:latin typeface="仿宋_GB2312" pitchFamily="49" charset="-122"/>
+              <a:ea typeface="仿宋_GB2312" pitchFamily="49" charset="-122"/>
+            </a:endParaRPr>
           </a:p>
           <a:p>
             <a:pPr algn="just" eaLnBrk="1" hangingPunct="1"/>
@@ -5107,7 +6344,7 @@
 </p:sld>
 </file>
 
-<file path=ppt/slides/slide19.xml><?xml version="1.0" encoding="utf-8"?>
+<file path=ppt/slides/slide21.xml><?xml version="1.0" encoding="utf-8"?>
 <p:sld xmlns:a="http://schemas.openxmlformats.org/drawingml/2006/main" xmlns:r="http://schemas.openxmlformats.org/officeDocument/2006/relationships" xmlns:p="http://schemas.openxmlformats.org/presentationml/2006/main">
   <p:cSld>
     <p:spTree>
@@ -7164,425 +8401,7 @@
 </p:sld>
 </file>
 
-<file path=ppt/slides/slide2.xml><?xml version="1.0" encoding="utf-8"?>
-<p:sld xmlns:a="http://schemas.openxmlformats.org/drawingml/2006/main" xmlns:r="http://schemas.openxmlformats.org/officeDocument/2006/relationships" xmlns:p="http://schemas.openxmlformats.org/presentationml/2006/main">
-  <p:cSld>
-    <p:spTree>
-      <p:nvGrpSpPr>
-        <p:cNvPr id="1" name=""/>
-        <p:cNvGrpSpPr/>
-        <p:nvPr/>
-      </p:nvGrpSpPr>
-      <p:grpSpPr>
-        <a:xfrm>
-          <a:off x="0" y="0"/>
-          <a:ext cx="0" cy="0"/>
-          <a:chOff x="0" y="0"/>
-          <a:chExt cx="0" cy="0"/>
-        </a:xfrm>
-      </p:grpSpPr>
-      <p:sp>
-        <p:nvSpPr>
-          <p:cNvPr id="7169" name="Rectangle 3"/>
-          <p:cNvSpPr>
-            <a:spLocks noGrp="1" noChangeArrowheads="1"/>
-          </p:cNvSpPr>
-          <p:nvPr>
-            <p:ph idx="1"/>
-          </p:nvPr>
-        </p:nvSpPr>
-        <p:spPr>
-          <a:xfrm>
-            <a:off x="250825" y="1268413"/>
-            <a:ext cx="8569325" cy="4967287"/>
-          </a:xfrm>
-        </p:spPr>
-        <p:txBody>
-          <a:bodyPr/>
-          <a:lstStyle/>
-          <a:p>
-            <a:pPr algn="just" eaLnBrk="1" hangingPunct="1"/>
-            <a:r>
-              <a:rPr lang="en-US" altLang="zh-CN" sz="2200" dirty="0" smtClean="0">
-                <a:latin typeface="仿宋_GB2312" pitchFamily="49" charset="-122"/>
-                <a:ea typeface="仿宋_GB2312" pitchFamily="49" charset="-122"/>
-              </a:rPr>
-              <a:t>      </a:t>
-            </a:r>
-            <a:r>
-              <a:rPr lang="zh-CN" altLang="en-US" sz="2200" dirty="0" smtClean="0">
-                <a:latin typeface="仿宋_GB2312" pitchFamily="49" charset="-122"/>
-                <a:ea typeface="仿宋_GB2312" pitchFamily="49" charset="-122"/>
-              </a:rPr>
-              <a:t>编辑器是使用计算机的重要工具之一，</a:t>
-            </a:r>
-            <a:r>
-              <a:rPr lang="en-US" altLang="zh-CN" sz="2200" dirty="0" smtClean="0">
-                <a:latin typeface="仿宋_GB2312" pitchFamily="49" charset="-122"/>
-                <a:ea typeface="仿宋_GB2312" pitchFamily="49" charset="-122"/>
-              </a:rPr>
-              <a:t>Linux</a:t>
-            </a:r>
-            <a:r>
-              <a:rPr lang="zh-CN" altLang="en-US" sz="2200" dirty="0" smtClean="0">
-                <a:latin typeface="仿宋_GB2312" pitchFamily="49" charset="-122"/>
-                <a:ea typeface="仿宋_GB2312" pitchFamily="49" charset="-122"/>
-              </a:rPr>
-              <a:t>为了方便各种用户在不同的环境下使用，提供了一系列的编辑器，包括</a:t>
-            </a:r>
-            <a:r>
-              <a:rPr lang="en-US" altLang="zh-CN" sz="2200" dirty="0" err="1" smtClean="0">
-                <a:solidFill>
-                  <a:srgbClr val="FF0000"/>
-                </a:solidFill>
-                <a:latin typeface="仿宋_GB2312" pitchFamily="49" charset="-122"/>
-                <a:ea typeface="仿宋_GB2312" pitchFamily="49" charset="-122"/>
-              </a:rPr>
-              <a:t>gedit</a:t>
-            </a:r>
-            <a:r>
-              <a:rPr lang="zh-CN" altLang="en-US" sz="2200" dirty="0" smtClean="0">
-                <a:latin typeface="仿宋_GB2312" pitchFamily="49" charset="-122"/>
-                <a:ea typeface="仿宋_GB2312" pitchFamily="49" charset="-122"/>
-              </a:rPr>
-              <a:t>、</a:t>
-            </a:r>
-            <a:r>
-              <a:rPr lang="en-US" altLang="zh-CN" sz="2200" dirty="0" err="1" smtClean="0">
-                <a:solidFill>
-                  <a:srgbClr val="FF0000"/>
-                </a:solidFill>
-                <a:latin typeface="仿宋_GB2312" pitchFamily="49" charset="-122"/>
-                <a:ea typeface="仿宋_GB2312" pitchFamily="49" charset="-122"/>
-              </a:rPr>
-              <a:t>emacs</a:t>
-            </a:r>
-            <a:r>
-              <a:rPr lang="zh-CN" altLang="en-US" sz="2200" dirty="0" smtClean="0">
-                <a:latin typeface="仿宋_GB2312" pitchFamily="49" charset="-122"/>
-                <a:ea typeface="仿宋_GB2312" pitchFamily="49" charset="-122"/>
-              </a:rPr>
-              <a:t>和</a:t>
-            </a:r>
-            <a:r>
-              <a:rPr lang="en-US" altLang="zh-CN" sz="2200" dirty="0" smtClean="0">
-                <a:solidFill>
-                  <a:srgbClr val="FF0000"/>
-                </a:solidFill>
-                <a:latin typeface="仿宋_GB2312" pitchFamily="49" charset="-122"/>
-                <a:ea typeface="仿宋_GB2312" pitchFamily="49" charset="-122"/>
-              </a:rPr>
-              <a:t>vi</a:t>
-            </a:r>
-            <a:r>
-              <a:rPr lang="zh-CN" altLang="en-US" sz="2200" dirty="0" smtClean="0">
-                <a:latin typeface="仿宋_GB2312" pitchFamily="49" charset="-122"/>
-                <a:ea typeface="仿宋_GB2312" pitchFamily="49" charset="-122"/>
-              </a:rPr>
-              <a:t>等，其中</a:t>
-            </a:r>
-            <a:r>
-              <a:rPr lang="en-US" altLang="zh-CN" sz="2200" dirty="0" err="1" smtClean="0">
-                <a:latin typeface="仿宋_GB2312" pitchFamily="49" charset="-122"/>
-                <a:ea typeface="仿宋_GB2312" pitchFamily="49" charset="-122"/>
-              </a:rPr>
-              <a:t>gedit</a:t>
-            </a:r>
-            <a:r>
-              <a:rPr lang="zh-CN" altLang="en-US" sz="2200" dirty="0" smtClean="0">
-                <a:latin typeface="仿宋_GB2312" pitchFamily="49" charset="-122"/>
-                <a:ea typeface="仿宋_GB2312" pitchFamily="49" charset="-122"/>
-              </a:rPr>
-              <a:t>和</a:t>
-            </a:r>
-            <a:r>
-              <a:rPr lang="en-US" altLang="zh-CN" sz="2200" dirty="0" err="1" smtClean="0">
-                <a:latin typeface="仿宋_GB2312" pitchFamily="49" charset="-122"/>
-                <a:ea typeface="仿宋_GB2312" pitchFamily="49" charset="-122"/>
-              </a:rPr>
-              <a:t>emacs</a:t>
-            </a:r>
-            <a:r>
-              <a:rPr lang="zh-CN" altLang="en-US" sz="2200" dirty="0" smtClean="0">
-                <a:latin typeface="仿宋_GB2312" pitchFamily="49" charset="-122"/>
-                <a:ea typeface="仿宋_GB2312" pitchFamily="49" charset="-122"/>
-              </a:rPr>
-              <a:t>是</a:t>
-            </a:r>
-            <a:r>
-              <a:rPr lang="en-US" altLang="zh-CN" sz="2200" dirty="0" smtClean="0">
-                <a:latin typeface="仿宋_GB2312" pitchFamily="49" charset="-122"/>
-                <a:ea typeface="仿宋_GB2312" pitchFamily="49" charset="-122"/>
-              </a:rPr>
-              <a:t>X Window</a:t>
-            </a:r>
-            <a:r>
-              <a:rPr lang="zh-CN" altLang="en-US" sz="2200" dirty="0" smtClean="0">
-                <a:latin typeface="仿宋_GB2312" pitchFamily="49" charset="-122"/>
-                <a:ea typeface="仿宋_GB2312" pitchFamily="49" charset="-122"/>
-              </a:rPr>
-              <a:t>下的编辑器，</a:t>
-            </a:r>
-            <a:r>
-              <a:rPr lang="en-US" altLang="zh-CN" sz="2200" dirty="0" smtClean="0">
-                <a:latin typeface="仿宋_GB2312" pitchFamily="49" charset="-122"/>
-                <a:ea typeface="仿宋_GB2312" pitchFamily="49" charset="-122"/>
-              </a:rPr>
-              <a:t>vi </a:t>
-            </a:r>
-            <a:r>
-              <a:rPr lang="zh-CN" altLang="en-US" sz="2200" dirty="0" smtClean="0">
-                <a:latin typeface="仿宋_GB2312" pitchFamily="49" charset="-122"/>
-                <a:ea typeface="仿宋_GB2312" pitchFamily="49" charset="-122"/>
-              </a:rPr>
-              <a:t>可以运行于命令行模式。目前使用人数最多的就是</a:t>
-            </a:r>
-            <a:r>
-              <a:rPr lang="en-US" altLang="zh-CN" sz="2200" dirty="0" smtClean="0">
-                <a:latin typeface="仿宋_GB2312" pitchFamily="49" charset="-122"/>
-                <a:ea typeface="仿宋_GB2312" pitchFamily="49" charset="-122"/>
-              </a:rPr>
-              <a:t>vi</a:t>
-            </a:r>
-            <a:r>
-              <a:rPr lang="zh-CN" altLang="en-US" sz="2200" dirty="0" smtClean="0">
-                <a:latin typeface="仿宋_GB2312" pitchFamily="49" charset="-122"/>
-                <a:ea typeface="仿宋_GB2312" pitchFamily="49" charset="-122"/>
-              </a:rPr>
-              <a:t>编辑器</a:t>
-            </a:r>
-            <a:r>
-              <a:rPr lang="zh-CN" altLang="en-US" sz="2200" b="1" dirty="0" smtClean="0">
-                <a:latin typeface="仿宋_GB2312" pitchFamily="49" charset="-122"/>
-                <a:ea typeface="仿宋_GB2312" pitchFamily="49" charset="-122"/>
-              </a:rPr>
-              <a:t>。</a:t>
-            </a:r>
-          </a:p>
-          <a:p>
-            <a:pPr algn="just" eaLnBrk="1" hangingPunct="1"/>
-            <a:endParaRPr lang="zh-CN" altLang="en-US" sz="2200" b="1" dirty="0" smtClean="0">
-              <a:latin typeface="仿宋_GB2312" pitchFamily="49" charset="-122"/>
-              <a:ea typeface="仿宋_GB2312" pitchFamily="49" charset="-122"/>
-            </a:endParaRPr>
-          </a:p>
-          <a:p>
-            <a:pPr algn="just" eaLnBrk="1" hangingPunct="1"/>
-            <a:r>
-              <a:rPr lang="zh-CN" altLang="en-US" sz="2200" dirty="0" smtClean="0">
-                <a:latin typeface="仿宋_GB2312" pitchFamily="49" charset="-122"/>
-                <a:ea typeface="仿宋_GB2312" pitchFamily="49" charset="-122"/>
-              </a:rPr>
-              <a:t>     </a:t>
-            </a:r>
-            <a:r>
-              <a:rPr lang="en-US" altLang="zh-CN" sz="2200" dirty="0" smtClean="0">
-                <a:latin typeface="仿宋_GB2312" pitchFamily="49" charset="-122"/>
-                <a:ea typeface="仿宋_GB2312" pitchFamily="49" charset="-122"/>
-              </a:rPr>
-              <a:t>Linux</a:t>
-            </a:r>
-            <a:r>
-              <a:rPr lang="zh-CN" altLang="en-US" sz="2200" dirty="0" smtClean="0">
-                <a:latin typeface="仿宋_GB2312" pitchFamily="49" charset="-122"/>
-                <a:ea typeface="仿宋_GB2312" pitchFamily="49" charset="-122"/>
-              </a:rPr>
-              <a:t>提供的全屏编辑器</a:t>
-            </a:r>
-            <a:r>
-              <a:rPr lang="en-US" altLang="zh-CN" sz="2200" dirty="0" smtClean="0">
-                <a:latin typeface="仿宋_GB2312" pitchFamily="49" charset="-122"/>
-                <a:ea typeface="仿宋_GB2312" pitchFamily="49" charset="-122"/>
-              </a:rPr>
-              <a:t>vi</a:t>
-            </a:r>
-            <a:r>
-              <a:rPr lang="zh-CN" altLang="en-US" sz="2200" dirty="0" smtClean="0">
-                <a:latin typeface="仿宋_GB2312" pitchFamily="49" charset="-122"/>
-                <a:ea typeface="仿宋_GB2312" pitchFamily="49" charset="-122"/>
-              </a:rPr>
-              <a:t>启动快，能够胜任所有的文本操作，使得用户的文本编辑更加轻松。在</a:t>
-            </a:r>
-            <a:r>
-              <a:rPr lang="en-US" altLang="zh-CN" sz="2200" dirty="0" smtClean="0">
-                <a:latin typeface="仿宋_GB2312" pitchFamily="49" charset="-122"/>
-                <a:ea typeface="仿宋_GB2312" pitchFamily="49" charset="-122"/>
-              </a:rPr>
-              <a:t>Linux</a:t>
-            </a:r>
-            <a:r>
-              <a:rPr lang="zh-CN" altLang="en-US" sz="2200" dirty="0" smtClean="0">
-                <a:latin typeface="仿宋_GB2312" pitchFamily="49" charset="-122"/>
-                <a:ea typeface="仿宋_GB2312" pitchFamily="49" charset="-122"/>
-              </a:rPr>
-              <a:t>操作系统中使用</a:t>
-            </a:r>
-            <a:r>
-              <a:rPr lang="en-US" altLang="zh-CN" sz="2200" dirty="0" smtClean="0">
-                <a:latin typeface="仿宋_GB2312" pitchFamily="49" charset="-122"/>
-                <a:ea typeface="仿宋_GB2312" pitchFamily="49" charset="-122"/>
-              </a:rPr>
-              <a:t>vi</a:t>
-            </a:r>
-            <a:r>
-              <a:rPr lang="zh-CN" altLang="en-US" sz="2200" dirty="0" smtClean="0">
-                <a:latin typeface="仿宋_GB2312" pitchFamily="49" charset="-122"/>
-                <a:ea typeface="仿宋_GB2312" pitchFamily="49" charset="-122"/>
-              </a:rPr>
-              <a:t>编辑器来处理文件的时候，会先将文件复制一份到内存缓冲区（</a:t>
-            </a:r>
-            <a:r>
-              <a:rPr lang="en-US" altLang="zh-CN" sz="2200" dirty="0" smtClean="0">
-                <a:latin typeface="仿宋_GB2312" pitchFamily="49" charset="-122"/>
-                <a:ea typeface="仿宋_GB2312" pitchFamily="49" charset="-122"/>
-              </a:rPr>
-              <a:t>buffer</a:t>
-            </a:r>
-            <a:r>
-              <a:rPr lang="zh-CN" altLang="en-US" sz="2200" dirty="0" smtClean="0">
-                <a:latin typeface="仿宋_GB2312" pitchFamily="49" charset="-122"/>
-                <a:ea typeface="仿宋_GB2312" pitchFamily="49" charset="-122"/>
-              </a:rPr>
-              <a:t>）。</a:t>
-            </a:r>
-            <a:r>
-              <a:rPr lang="en-US" altLang="zh-CN" sz="2200" dirty="0" smtClean="0">
-                <a:latin typeface="仿宋_GB2312" pitchFamily="49" charset="-122"/>
-                <a:ea typeface="仿宋_GB2312" pitchFamily="49" charset="-122"/>
-              </a:rPr>
-              <a:t>Vi</a:t>
-            </a:r>
-            <a:r>
-              <a:rPr lang="zh-CN" altLang="en-US" sz="2200" dirty="0" smtClean="0">
-                <a:latin typeface="仿宋_GB2312" pitchFamily="49" charset="-122"/>
-                <a:ea typeface="仿宋_GB2312" pitchFamily="49" charset="-122"/>
-              </a:rPr>
-              <a:t>对文本文件的编辑都会首先直接修改缓冲区的内容，再使用</a:t>
-            </a:r>
-            <a:r>
-              <a:rPr lang="en-US" altLang="zh-CN" sz="2200" dirty="0" smtClean="0">
-                <a:latin typeface="仿宋_GB2312" pitchFamily="49" charset="-122"/>
-                <a:ea typeface="仿宋_GB2312" pitchFamily="49" charset="-122"/>
-              </a:rPr>
-              <a:t>w</a:t>
-            </a:r>
-            <a:r>
-              <a:rPr lang="zh-CN" altLang="en-US" sz="2200" dirty="0" smtClean="0">
-                <a:latin typeface="仿宋_GB2312" pitchFamily="49" charset="-122"/>
-                <a:ea typeface="仿宋_GB2312" pitchFamily="49" charset="-122"/>
-              </a:rPr>
-              <a:t>命令后，才将</a:t>
-            </a:r>
-            <a:r>
-              <a:rPr lang="en-US" altLang="zh-CN" sz="2200" dirty="0" smtClean="0">
-                <a:latin typeface="仿宋_GB2312" pitchFamily="49" charset="-122"/>
-                <a:ea typeface="仿宋_GB2312" pitchFamily="49" charset="-122"/>
-              </a:rPr>
-              <a:t>buffer</a:t>
-            </a:r>
-            <a:r>
-              <a:rPr lang="zh-CN" altLang="en-US" sz="2200" dirty="0" smtClean="0">
-                <a:latin typeface="仿宋_GB2312" pitchFamily="49" charset="-122"/>
-                <a:ea typeface="仿宋_GB2312" pitchFamily="49" charset="-122"/>
-              </a:rPr>
-              <a:t>中的内容回写到磁盘文件。</a:t>
-            </a:r>
-          </a:p>
-        </p:txBody>
-      </p:sp>
-      <p:sp>
-        <p:nvSpPr>
-          <p:cNvPr id="7170" name="Rectangle 5"/>
-          <p:cNvSpPr>
-            <a:spLocks noGrp="1" noChangeArrowheads="1"/>
-          </p:cNvSpPr>
-          <p:nvPr>
-            <p:ph type="title"/>
-          </p:nvPr>
-        </p:nvSpPr>
-        <p:spPr>
-          <a:xfrm>
-            <a:off x="685800" y="333375"/>
-            <a:ext cx="7772400" cy="874713"/>
-          </a:xfrm>
-        </p:spPr>
-        <p:txBody>
-          <a:bodyPr/>
-          <a:lstStyle/>
-          <a:p>
-            <a:pPr eaLnBrk="1" hangingPunct="1"/>
-            <a:r>
-              <a:rPr lang="en-US" altLang="zh-CN" sz="2800" b="1" dirty="0" smtClean="0">
-                <a:solidFill>
-                  <a:schemeClr val="tx1"/>
-                </a:solidFill>
-                <a:latin typeface="仿宋_GB2312" pitchFamily="49" charset="-122"/>
-                <a:ea typeface="仿宋_GB2312" pitchFamily="49" charset="-122"/>
-              </a:rPr>
-              <a:t>Vi(visual interface</a:t>
-            </a:r>
-            <a:r>
-              <a:rPr lang="zh-CN" altLang="en-US" sz="2800" b="1" dirty="0" smtClean="0">
-                <a:solidFill>
-                  <a:schemeClr val="tx1"/>
-                </a:solidFill>
-                <a:latin typeface="仿宋_GB2312" pitchFamily="49" charset="-122"/>
-                <a:ea typeface="仿宋_GB2312" pitchFamily="49" charset="-122"/>
-              </a:rPr>
-              <a:t>，可视化编辑器</a:t>
-            </a:r>
-            <a:r>
-              <a:rPr lang="en-US" altLang="zh-CN" sz="2800" b="1" dirty="0" smtClean="0">
-                <a:solidFill>
-                  <a:schemeClr val="tx1"/>
-                </a:solidFill>
-                <a:latin typeface="仿宋_GB2312" pitchFamily="49" charset="-122"/>
-                <a:ea typeface="仿宋_GB2312" pitchFamily="49" charset="-122"/>
-              </a:rPr>
-              <a:t>)</a:t>
-            </a:r>
-            <a:r>
-              <a:rPr lang="zh-CN" altLang="en-US" sz="2800" b="1" dirty="0" smtClean="0">
-                <a:solidFill>
-                  <a:schemeClr val="tx1"/>
-                </a:solidFill>
-                <a:latin typeface="仿宋_GB2312" pitchFamily="49" charset="-122"/>
-                <a:ea typeface="仿宋_GB2312" pitchFamily="49" charset="-122"/>
-              </a:rPr>
-              <a:t> </a:t>
-            </a:r>
-          </a:p>
-        </p:txBody>
-      </p:sp>
-    </p:spTree>
-    <p:extLst>
-      <p:ext uri="{BB962C8B-B14F-4D97-AF65-F5344CB8AC3E}">
-        <p14:creationId xmlns:p14="http://schemas.microsoft.com/office/powerpoint/2010/main" val="96818690"/>
-      </p:ext>
-    </p:extLst>
-  </p:cSld>
-  <p:clrMapOvr>
-    <a:masterClrMapping/>
-  </p:clrMapOvr>
-  <mc:AlternateContent xmlns:mc="http://schemas.openxmlformats.org/markup-compatibility/2006" xmlns:p14="http://schemas.microsoft.com/office/powerpoint/2010/main">
-    <mc:Choice Requires="p14">
-      <p:transition spd="slow" p14:dur="2000"/>
-    </mc:Choice>
-    <mc:Fallback xmlns="">
-      <p:transition spd="slow"/>
-    </mc:Fallback>
-  </mc:AlternateContent>
-  <p:timing>
-    <p:tnLst>
-      <p:par>
-        <p:cTn id="1" dur="indefinite" restart="never" nodeType="tmRoot"/>
-      </p:par>
-    </p:tnLst>
-  </p:timing>
-</p:sld>
-</file>
-
-<file path=ppt/slides/slide20.xml><?xml version="1.0" encoding="utf-8"?>
+<file path=ppt/slides/slide22.xml><?xml version="1.0" encoding="utf-8"?>
 <p:sld xmlns:a="http://schemas.openxmlformats.org/drawingml/2006/main" xmlns:r="http://schemas.openxmlformats.org/officeDocument/2006/relationships" xmlns:p="http://schemas.openxmlformats.org/presentationml/2006/main">
   <p:cSld>
     <p:spTree>
@@ -8872,2698 +9691,7 @@
 </p:sld>
 </file>
 
-<file path=ppt/slides/slide21.xml><?xml version="1.0" encoding="utf-8"?>
-<p:sld xmlns:a="http://schemas.openxmlformats.org/drawingml/2006/main" xmlns:r="http://schemas.openxmlformats.org/officeDocument/2006/relationships" xmlns:p="http://schemas.openxmlformats.org/presentationml/2006/main">
-  <p:cSld>
-    <p:spTree>
-      <p:nvGrpSpPr>
-        <p:cNvPr id="1" name=""/>
-        <p:cNvGrpSpPr/>
-        <p:nvPr/>
-      </p:nvGrpSpPr>
-      <p:grpSpPr>
-        <a:xfrm>
-          <a:off x="0" y="0"/>
-          <a:ext cx="0" cy="0"/>
-          <a:chOff x="0" y="0"/>
-          <a:chExt cx="0" cy="0"/>
-        </a:xfrm>
-      </p:grpSpPr>
-      <p:sp>
-        <p:nvSpPr>
-          <p:cNvPr id="26625" name="Rectangle 3"/>
-          <p:cNvSpPr>
-            <a:spLocks noGrp="1" noChangeArrowheads="1"/>
-          </p:cNvSpPr>
-          <p:nvPr>
-            <p:ph type="body" sz="half" idx="1"/>
-          </p:nvPr>
-        </p:nvSpPr>
-        <p:spPr>
-          <a:xfrm>
-            <a:off x="539552" y="548680"/>
-            <a:ext cx="7897813" cy="2201862"/>
-          </a:xfrm>
-        </p:spPr>
-        <p:txBody>
-          <a:bodyPr>
-            <a:normAutofit fontScale="92500" lnSpcReduction="10000"/>
-          </a:bodyPr>
-          <a:lstStyle/>
-          <a:p>
-            <a:pPr marL="0" indent="0" algn="just" eaLnBrk="1" hangingPunct="1"/>
-            <a:r>
-              <a:rPr lang="en-US" altLang="zh-CN" b="1" dirty="0" smtClean="0">
-                <a:latin typeface="仿宋_GB2312" pitchFamily="49" charset="-122"/>
-                <a:ea typeface="仿宋_GB2312" pitchFamily="49" charset="-122"/>
-              </a:rPr>
-              <a:t>6.</a:t>
-            </a:r>
-            <a:r>
-              <a:rPr lang="zh-CN" altLang="en-US" b="1" dirty="0" smtClean="0">
-                <a:latin typeface="仿宋_GB2312" pitchFamily="49" charset="-122"/>
-                <a:ea typeface="仿宋_GB2312" pitchFamily="49" charset="-122"/>
-              </a:rPr>
-              <a:t>删除和查找</a:t>
-            </a:r>
-          </a:p>
-          <a:p>
-            <a:pPr marL="0" indent="0" algn="just" eaLnBrk="1" hangingPunct="1"/>
-            <a:r>
-              <a:rPr lang="en-US" altLang="zh-CN" b="1" dirty="0" smtClean="0">
-                <a:latin typeface="仿宋_GB2312" pitchFamily="49" charset="-122"/>
-                <a:ea typeface="仿宋_GB2312" pitchFamily="49" charset="-122"/>
-              </a:rPr>
-              <a:t>(1)</a:t>
-            </a:r>
-            <a:r>
-              <a:rPr lang="zh-CN" altLang="en-US" b="1" dirty="0" smtClean="0">
-                <a:latin typeface="仿宋_GB2312" pitchFamily="49" charset="-122"/>
-                <a:ea typeface="仿宋_GB2312" pitchFamily="49" charset="-122"/>
-              </a:rPr>
-              <a:t>删除</a:t>
-            </a:r>
-          </a:p>
-          <a:p>
-            <a:pPr marL="0" indent="0" algn="just" eaLnBrk="1" hangingPunct="1"/>
-            <a:r>
-              <a:rPr lang="zh-CN" altLang="en-US" sz="2200" dirty="0" smtClean="0">
-                <a:latin typeface="仿宋_GB2312" pitchFamily="49" charset="-122"/>
-                <a:ea typeface="仿宋_GB2312" pitchFamily="49" charset="-122"/>
-              </a:rPr>
-              <a:t>      在</a:t>
-            </a:r>
-            <a:r>
-              <a:rPr lang="en-US" altLang="zh-CN" sz="2200" dirty="0" smtClean="0">
-                <a:latin typeface="仿宋_GB2312" pitchFamily="49" charset="-122"/>
-                <a:ea typeface="仿宋_GB2312" pitchFamily="49" charset="-122"/>
-              </a:rPr>
-              <a:t>vi</a:t>
-            </a:r>
-            <a:r>
-              <a:rPr lang="zh-CN" altLang="en-US" sz="2200" dirty="0" smtClean="0">
-                <a:latin typeface="仿宋_GB2312" pitchFamily="49" charset="-122"/>
-                <a:ea typeface="仿宋_GB2312" pitchFamily="49" charset="-122"/>
-              </a:rPr>
-              <a:t>的输入模式下，用户可以使用</a:t>
-            </a:r>
-            <a:r>
-              <a:rPr lang="en-US" altLang="zh-CN" sz="2200" dirty="0" smtClean="0">
-                <a:latin typeface="仿宋_GB2312" pitchFamily="49" charset="-122"/>
-                <a:ea typeface="仿宋_GB2312" pitchFamily="49" charset="-122"/>
-              </a:rPr>
-              <a:t>Backspace</a:t>
-            </a:r>
-            <a:r>
-              <a:rPr lang="zh-CN" altLang="en-US" sz="2200" dirty="0" smtClean="0">
-                <a:latin typeface="仿宋_GB2312" pitchFamily="49" charset="-122"/>
-                <a:ea typeface="仿宋_GB2312" pitchFamily="49" charset="-122"/>
-              </a:rPr>
-              <a:t>（退格键）来删除光标前面的内容，还可以使用</a:t>
-            </a:r>
-            <a:r>
-              <a:rPr lang="en-US" altLang="zh-CN" sz="2200" dirty="0" smtClean="0">
-                <a:latin typeface="仿宋_GB2312" pitchFamily="49" charset="-122"/>
-                <a:ea typeface="仿宋_GB2312" pitchFamily="49" charset="-122"/>
-              </a:rPr>
-              <a:t>delete</a:t>
-            </a:r>
-            <a:r>
-              <a:rPr lang="zh-CN" altLang="en-US" sz="2200" dirty="0" smtClean="0">
-                <a:latin typeface="仿宋_GB2312" pitchFamily="49" charset="-122"/>
-                <a:ea typeface="仿宋_GB2312" pitchFamily="49" charset="-122"/>
-              </a:rPr>
-              <a:t>键来删除当前的字符。此外，在</a:t>
-            </a:r>
-            <a:r>
-              <a:rPr lang="en-US" altLang="zh-CN" sz="2200" dirty="0" smtClean="0">
-                <a:latin typeface="仿宋_GB2312" pitchFamily="49" charset="-122"/>
-                <a:ea typeface="仿宋_GB2312" pitchFamily="49" charset="-122"/>
-              </a:rPr>
-              <a:t>vi</a:t>
-            </a:r>
-            <a:r>
-              <a:rPr lang="zh-CN" altLang="en-US" sz="2200" dirty="0" smtClean="0">
-                <a:latin typeface="仿宋_GB2312" pitchFamily="49" charset="-122"/>
-                <a:ea typeface="仿宋_GB2312" pitchFamily="49" charset="-122"/>
-              </a:rPr>
-              <a:t>的命令模式下还提供了几个按键用来删除一个字符或进行整行删除，其热键及其功能如表所示。</a:t>
-            </a:r>
-          </a:p>
-        </p:txBody>
-      </p:sp>
-      <p:graphicFrame>
-        <p:nvGraphicFramePr>
-          <p:cNvPr id="225284" name="Group 4"/>
-          <p:cNvGraphicFramePr>
-            <a:graphicFrameLocks noGrp="1"/>
-          </p:cNvGraphicFramePr>
-          <p:nvPr>
-            <p:ph sz="half" idx="1"/>
-          </p:nvPr>
-        </p:nvGraphicFramePr>
-        <p:xfrm>
-          <a:off x="755650" y="4005263"/>
-          <a:ext cx="7775575" cy="2286000"/>
-        </p:xfrm>
-        <a:graphic>
-          <a:graphicData uri="http://schemas.openxmlformats.org/drawingml/2006/table">
-            <a:tbl>
-              <a:tblPr/>
-              <a:tblGrid>
-                <a:gridCol w="1657350"/>
-                <a:gridCol w="6118225"/>
-              </a:tblGrid>
-              <a:tr h="325438">
-                <a:tc>
-                  <a:txBody>
-                    <a:bodyPr/>
-                    <a:lstStyle/>
-                    <a:p>
-                      <a:pPr marL="342900" marR="0" lvl="0" indent="-342900" algn="ctr" defTabSz="914400" rtl="0" eaLnBrk="1" fontAlgn="base" latinLnBrk="1" hangingPunct="1">
-                        <a:spcBef>
-                          <a:spcPct val="0"/>
-                        </a:spcBef>
-                        <a:spcAft>
-                          <a:spcPct val="0"/>
-                        </a:spcAft>
-                        <a:buClrTx/>
-                        <a:buSzTx/>
-                        <a:buFontTx/>
-                        <a:buNone/>
-                      </a:pPr>
-                      <a:r>
-                        <a:rPr kumimoji="1" lang="zh-CN" altLang="en-US" sz="2000" b="0" i="0" u="none" strike="noStrike" cap="none" normalizeH="0" baseline="0" dirty="0" smtClean="0">
-                          <a:ln>
-                            <a:noFill/>
-                          </a:ln>
-                          <a:solidFill>
-                            <a:schemeClr val="tx1"/>
-                          </a:solidFill>
-                          <a:effectLst/>
-                          <a:latin typeface="Times New Roman" pitchFamily="18" charset="0"/>
-                          <a:ea typeface="宋体" pitchFamily="2" charset="-122"/>
-                        </a:rPr>
-                        <a:t>按 键</a:t>
-                      </a:r>
-                      <a:endParaRPr kumimoji="1" lang="zh-CN" altLang="en-US" sz="2000" b="0" i="0" u="none" strike="noStrike" cap="none" normalizeH="0" baseline="0" dirty="0" smtClean="0">
-                        <a:ln>
-                          <a:noFill/>
-                        </a:ln>
-                        <a:solidFill>
-                          <a:schemeClr val="tx1"/>
-                        </a:solidFill>
-                        <a:effectLst/>
-                        <a:latin typeface="굴림" pitchFamily="34" charset="-127"/>
-                        <a:ea typeface="宋体" pitchFamily="2" charset="-122"/>
-                      </a:endParaRPr>
-                    </a:p>
-                  </a:txBody>
-                  <a:tcPr horzOverflow="overflow">
-                    <a:lnL w="12700" cap="flat" cmpd="sng" algn="ctr">
-                      <a:solidFill>
-                        <a:srgbClr val="000000"/>
-                      </a:solidFill>
-                      <a:prstDash val="solid"/>
-                      <a:round/>
-                      <a:headEnd type="none" w="med" len="med"/>
-                      <a:tailEnd type="none" w="med" len="med"/>
-                    </a:lnL>
-                    <a:lnR w="12700" cap="flat" cmpd="sng" algn="ctr">
-                      <a:solidFill>
-                        <a:srgbClr val="000000"/>
-                      </a:solidFill>
-                      <a:prstDash val="solid"/>
-                      <a:round/>
-                      <a:headEnd type="none" w="med" len="med"/>
-                      <a:tailEnd type="none" w="med" len="med"/>
-                    </a:lnR>
-                    <a:lnT w="12700" cap="flat" cmpd="sng" algn="ctr">
-                      <a:solidFill>
-                        <a:srgbClr val="000000"/>
-                      </a:solidFill>
-                      <a:prstDash val="solid"/>
-                      <a:round/>
-                      <a:headEnd type="none" w="med" len="med"/>
-                      <a:tailEnd type="none" w="med" len="med"/>
-                    </a:lnT>
-                    <a:lnB w="12700" cap="flat" cmpd="sng" algn="ctr">
-                      <a:solidFill>
-                        <a:srgbClr val="000000"/>
-                      </a:solidFill>
-                      <a:prstDash val="solid"/>
-                      <a:round/>
-                      <a:headEnd type="none" w="med" len="med"/>
-                      <a:tailEnd type="none" w="med" len="med"/>
-                    </a:lnB>
-                    <a:lnTlToBr>
-                      <a:noFill/>
-                    </a:lnTlToBr>
-                    <a:lnBlToTr>
-                      <a:noFill/>
-                    </a:lnBlToTr>
-                    <a:noFill/>
-                  </a:tcPr>
-                </a:tc>
-                <a:tc>
-                  <a:txBody>
-                    <a:bodyPr/>
-                    <a:lstStyle/>
-                    <a:p>
-                      <a:pPr marL="342900" marR="0" lvl="0" indent="-342900" algn="ctr" defTabSz="914400" rtl="0" eaLnBrk="1" fontAlgn="base" latinLnBrk="1" hangingPunct="1">
-                        <a:spcBef>
-                          <a:spcPct val="0"/>
-                        </a:spcBef>
-                        <a:spcAft>
-                          <a:spcPct val="0"/>
-                        </a:spcAft>
-                        <a:buClrTx/>
-                        <a:buSzTx/>
-                        <a:buFontTx/>
-                        <a:buNone/>
-                      </a:pPr>
-                      <a:r>
-                        <a:rPr kumimoji="1" lang="zh-CN" altLang="en-US" sz="2000" b="0" i="0" u="none" strike="noStrike" cap="none" normalizeH="0" baseline="0" smtClean="0">
-                          <a:ln>
-                            <a:noFill/>
-                          </a:ln>
-                          <a:solidFill>
-                            <a:schemeClr val="tx1"/>
-                          </a:solidFill>
-                          <a:effectLst/>
-                          <a:latin typeface="Times New Roman" pitchFamily="18" charset="0"/>
-                          <a:ea typeface="宋体" pitchFamily="2" charset="-122"/>
-                        </a:rPr>
-                        <a:t>功  能</a:t>
-                      </a:r>
-                      <a:endParaRPr kumimoji="1" lang="zh-CN" altLang="en-US" sz="2000" b="0" i="0" u="none" strike="noStrike" cap="none" normalizeH="0" baseline="0" smtClean="0">
-                        <a:ln>
-                          <a:noFill/>
-                        </a:ln>
-                        <a:solidFill>
-                          <a:schemeClr val="tx1"/>
-                        </a:solidFill>
-                        <a:effectLst/>
-                        <a:latin typeface="굴림" pitchFamily="34" charset="-127"/>
-                        <a:ea typeface="宋体" pitchFamily="2" charset="-122"/>
-                      </a:endParaRPr>
-                    </a:p>
-                  </a:txBody>
-                  <a:tcPr horzOverflow="overflow">
-                    <a:lnL w="12700" cap="flat" cmpd="sng" algn="ctr">
-                      <a:solidFill>
-                        <a:srgbClr val="000000"/>
-                      </a:solidFill>
-                      <a:prstDash val="solid"/>
-                      <a:round/>
-                      <a:headEnd type="none" w="med" len="med"/>
-                      <a:tailEnd type="none" w="med" len="med"/>
-                    </a:lnL>
-                    <a:lnR w="12700" cap="flat" cmpd="sng" algn="ctr">
-                      <a:solidFill>
-                        <a:srgbClr val="000000"/>
-                      </a:solidFill>
-                      <a:prstDash val="solid"/>
-                      <a:round/>
-                      <a:headEnd type="none" w="med" len="med"/>
-                      <a:tailEnd type="none" w="med" len="med"/>
-                    </a:lnR>
-                    <a:lnT w="12700" cap="flat" cmpd="sng" algn="ctr">
-                      <a:solidFill>
-                        <a:srgbClr val="000000"/>
-                      </a:solidFill>
-                      <a:prstDash val="solid"/>
-                      <a:round/>
-                      <a:headEnd type="none" w="med" len="med"/>
-                      <a:tailEnd type="none" w="med" len="med"/>
-                    </a:lnT>
-                    <a:lnB w="12700" cap="flat" cmpd="sng" algn="ctr">
-                      <a:solidFill>
-                        <a:srgbClr val="000000"/>
-                      </a:solidFill>
-                      <a:prstDash val="solid"/>
-                      <a:round/>
-                      <a:headEnd type="none" w="med" len="med"/>
-                      <a:tailEnd type="none" w="med" len="med"/>
-                    </a:lnB>
-                    <a:lnTlToBr>
-                      <a:noFill/>
-                    </a:lnTlToBr>
-                    <a:lnBlToTr>
-                      <a:noFill/>
-                    </a:lnBlToTr>
-                    <a:noFill/>
-                  </a:tcPr>
-                </a:tc>
-              </a:tr>
-              <a:tr h="315913">
-                <a:tc>
-                  <a:txBody>
-                    <a:bodyPr/>
-                    <a:lstStyle/>
-                    <a:p>
-                      <a:pPr marL="342900" marR="0" lvl="0" indent="-342900" algn="ctr" defTabSz="914400" rtl="0" eaLnBrk="1" fontAlgn="base" latinLnBrk="1" hangingPunct="1">
-                        <a:spcBef>
-                          <a:spcPct val="0"/>
-                        </a:spcBef>
-                        <a:spcAft>
-                          <a:spcPct val="0"/>
-                        </a:spcAft>
-                        <a:buClrTx/>
-                        <a:buSzTx/>
-                        <a:buFontTx/>
-                        <a:buNone/>
-                      </a:pPr>
-                      <a:r>
-                        <a:rPr kumimoji="1" lang="en-US" altLang="zh-CN" sz="2000" b="0" i="0" u="none" strike="noStrike" cap="none" normalizeH="0" baseline="0" dirty="0" smtClean="0">
-                          <a:ln>
-                            <a:noFill/>
-                          </a:ln>
-                          <a:solidFill>
-                            <a:schemeClr val="tx1"/>
-                          </a:solidFill>
-                          <a:effectLst/>
-                          <a:latin typeface="仿宋_GB2312" pitchFamily="49" charset="-122"/>
-                          <a:ea typeface="仿宋_GB2312" pitchFamily="49" charset="-122"/>
-                        </a:rPr>
-                        <a:t>x</a:t>
-                      </a:r>
-                    </a:p>
-                  </a:txBody>
-                  <a:tcPr horzOverflow="overflow">
-                    <a:lnL w="12700" cap="flat" cmpd="sng" algn="ctr">
-                      <a:solidFill>
-                        <a:srgbClr val="000000"/>
-                      </a:solidFill>
-                      <a:prstDash val="solid"/>
-                      <a:round/>
-                      <a:headEnd type="none" w="med" len="med"/>
-                      <a:tailEnd type="none" w="med" len="med"/>
-                    </a:lnL>
-                    <a:lnR w="12700" cap="flat" cmpd="sng" algn="ctr">
-                      <a:solidFill>
-                        <a:srgbClr val="000000"/>
-                      </a:solidFill>
-                      <a:prstDash val="solid"/>
-                      <a:round/>
-                      <a:headEnd type="none" w="med" len="med"/>
-                      <a:tailEnd type="none" w="med" len="med"/>
-                    </a:lnR>
-                    <a:lnT w="12700" cap="flat" cmpd="sng" algn="ctr">
-                      <a:solidFill>
-                        <a:srgbClr val="000000"/>
-                      </a:solidFill>
-                      <a:prstDash val="solid"/>
-                      <a:round/>
-                      <a:headEnd type="none" w="med" len="med"/>
-                      <a:tailEnd type="none" w="med" len="med"/>
-                    </a:lnT>
-                    <a:lnB w="12700" cap="flat" cmpd="sng" algn="ctr">
-                      <a:solidFill>
-                        <a:srgbClr val="000000"/>
-                      </a:solidFill>
-                      <a:prstDash val="solid"/>
-                      <a:round/>
-                      <a:headEnd type="none" w="med" len="med"/>
-                      <a:tailEnd type="none" w="med" len="med"/>
-                    </a:lnB>
-                    <a:lnTlToBr>
-                      <a:noFill/>
-                    </a:lnTlToBr>
-                    <a:lnBlToTr>
-                      <a:noFill/>
-                    </a:lnBlToTr>
-                    <a:noFill/>
-                  </a:tcPr>
-                </a:tc>
-                <a:tc>
-                  <a:txBody>
-                    <a:bodyPr/>
-                    <a:lstStyle/>
-                    <a:p>
-                      <a:pPr marL="342900" marR="0" lvl="0" indent="-342900" algn="l" defTabSz="914400" rtl="0" eaLnBrk="1" fontAlgn="base" latinLnBrk="1" hangingPunct="1">
-                        <a:spcBef>
-                          <a:spcPct val="0"/>
-                        </a:spcBef>
-                        <a:spcAft>
-                          <a:spcPct val="0"/>
-                        </a:spcAft>
-                        <a:buClrTx/>
-                        <a:buSzTx/>
-                        <a:buFontTx/>
-                        <a:buNone/>
-                      </a:pPr>
-                      <a:r>
-                        <a:rPr kumimoji="1" lang="zh-CN" altLang="en-US" sz="2000" b="0" i="0" u="none" strike="noStrike" cap="none" normalizeH="0" baseline="0" dirty="0" smtClean="0">
-                          <a:ln>
-                            <a:noFill/>
-                          </a:ln>
-                          <a:solidFill>
-                            <a:schemeClr val="tx1"/>
-                          </a:solidFill>
-                          <a:effectLst/>
-                          <a:latin typeface="仿宋_GB2312" pitchFamily="49" charset="-122"/>
-                          <a:ea typeface="仿宋_GB2312" pitchFamily="49" charset="-122"/>
-                        </a:rPr>
-                        <a:t>删除当前光标所在的字符</a:t>
-                      </a:r>
-                    </a:p>
-                  </a:txBody>
-                  <a:tcPr horzOverflow="overflow">
-                    <a:lnL w="12700" cap="flat" cmpd="sng" algn="ctr">
-                      <a:solidFill>
-                        <a:srgbClr val="000000"/>
-                      </a:solidFill>
-                      <a:prstDash val="solid"/>
-                      <a:round/>
-                      <a:headEnd type="none" w="med" len="med"/>
-                      <a:tailEnd type="none" w="med" len="med"/>
-                    </a:lnL>
-                    <a:lnR w="12700" cap="flat" cmpd="sng" algn="ctr">
-                      <a:solidFill>
-                        <a:srgbClr val="000000"/>
-                      </a:solidFill>
-                      <a:prstDash val="solid"/>
-                      <a:round/>
-                      <a:headEnd type="none" w="med" len="med"/>
-                      <a:tailEnd type="none" w="med" len="med"/>
-                    </a:lnR>
-                    <a:lnT w="12700" cap="flat" cmpd="sng" algn="ctr">
-                      <a:solidFill>
-                        <a:srgbClr val="000000"/>
-                      </a:solidFill>
-                      <a:prstDash val="solid"/>
-                      <a:round/>
-                      <a:headEnd type="none" w="med" len="med"/>
-                      <a:tailEnd type="none" w="med" len="med"/>
-                    </a:lnT>
-                    <a:lnB w="12700" cap="flat" cmpd="sng" algn="ctr">
-                      <a:solidFill>
-                        <a:srgbClr val="000000"/>
-                      </a:solidFill>
-                      <a:prstDash val="solid"/>
-                      <a:round/>
-                      <a:headEnd type="none" w="med" len="med"/>
-                      <a:tailEnd type="none" w="med" len="med"/>
-                    </a:lnB>
-                    <a:lnTlToBr>
-                      <a:noFill/>
-                    </a:lnTlToBr>
-                    <a:lnBlToTr>
-                      <a:noFill/>
-                    </a:lnBlToTr>
-                    <a:noFill/>
-                  </a:tcPr>
-                </a:tc>
-              </a:tr>
-              <a:tr h="315913">
-                <a:tc>
-                  <a:txBody>
-                    <a:bodyPr/>
-                    <a:lstStyle/>
-                    <a:p>
-                      <a:pPr marL="342900" marR="0" lvl="0" indent="-342900" algn="ctr" defTabSz="914400" rtl="0" eaLnBrk="1" fontAlgn="base" latinLnBrk="1" hangingPunct="1">
-                        <a:spcBef>
-                          <a:spcPct val="0"/>
-                        </a:spcBef>
-                        <a:spcAft>
-                          <a:spcPct val="0"/>
-                        </a:spcAft>
-                        <a:buClrTx/>
-                        <a:buSzTx/>
-                        <a:buFontTx/>
-                        <a:buNone/>
-                      </a:pPr>
-                      <a:r>
-                        <a:rPr kumimoji="1" lang="en-US" altLang="zh-CN" sz="2000" b="0" i="0" u="none" strike="noStrike" cap="none" normalizeH="0" baseline="0" dirty="0" smtClean="0">
-                          <a:ln>
-                            <a:noFill/>
-                          </a:ln>
-                          <a:solidFill>
-                            <a:schemeClr val="tx1"/>
-                          </a:solidFill>
-                          <a:effectLst/>
-                          <a:latin typeface="仿宋_GB2312" pitchFamily="49" charset="-122"/>
-                          <a:ea typeface="仿宋_GB2312" pitchFamily="49" charset="-122"/>
-                        </a:rPr>
-                        <a:t>d w</a:t>
-                      </a:r>
-                    </a:p>
-                  </a:txBody>
-                  <a:tcPr horzOverflow="overflow">
-                    <a:lnL w="12700" cap="flat" cmpd="sng" algn="ctr">
-                      <a:solidFill>
-                        <a:srgbClr val="000000"/>
-                      </a:solidFill>
-                      <a:prstDash val="solid"/>
-                      <a:round/>
-                      <a:headEnd type="none" w="med" len="med"/>
-                      <a:tailEnd type="none" w="med" len="med"/>
-                    </a:lnL>
-                    <a:lnR w="12700" cap="flat" cmpd="sng" algn="ctr">
-                      <a:solidFill>
-                        <a:srgbClr val="000000"/>
-                      </a:solidFill>
-                      <a:prstDash val="solid"/>
-                      <a:round/>
-                      <a:headEnd type="none" w="med" len="med"/>
-                      <a:tailEnd type="none" w="med" len="med"/>
-                    </a:lnR>
-                    <a:lnT w="12700" cap="flat" cmpd="sng" algn="ctr">
-                      <a:solidFill>
-                        <a:srgbClr val="000000"/>
-                      </a:solidFill>
-                      <a:prstDash val="solid"/>
-                      <a:round/>
-                      <a:headEnd type="none" w="med" len="med"/>
-                      <a:tailEnd type="none" w="med" len="med"/>
-                    </a:lnT>
-                    <a:lnB w="12700" cap="flat" cmpd="sng" algn="ctr">
-                      <a:solidFill>
-                        <a:srgbClr val="000000"/>
-                      </a:solidFill>
-                      <a:prstDash val="solid"/>
-                      <a:round/>
-                      <a:headEnd type="none" w="med" len="med"/>
-                      <a:tailEnd type="none" w="med" len="med"/>
-                    </a:lnB>
-                    <a:lnTlToBr>
-                      <a:noFill/>
-                    </a:lnTlToBr>
-                    <a:lnBlToTr>
-                      <a:noFill/>
-                    </a:lnBlToTr>
-                    <a:noFill/>
-                  </a:tcPr>
-                </a:tc>
-                <a:tc>
-                  <a:txBody>
-                    <a:bodyPr/>
-                    <a:lstStyle/>
-                    <a:p>
-                      <a:pPr marL="342900" marR="0" lvl="0" indent="-342900" algn="l" defTabSz="914400" rtl="0" eaLnBrk="1" fontAlgn="base" latinLnBrk="1" hangingPunct="1">
-                        <a:spcBef>
-                          <a:spcPct val="0"/>
-                        </a:spcBef>
-                        <a:spcAft>
-                          <a:spcPct val="0"/>
-                        </a:spcAft>
-                        <a:buClrTx/>
-                        <a:buSzTx/>
-                        <a:buFontTx/>
-                        <a:buNone/>
-                      </a:pPr>
-                      <a:r>
-                        <a:rPr kumimoji="1" lang="zh-CN" altLang="en-US" sz="2000" b="0" i="0" u="none" strike="noStrike" cap="none" normalizeH="0" baseline="0" dirty="0" smtClean="0">
-                          <a:ln>
-                            <a:noFill/>
-                          </a:ln>
-                          <a:solidFill>
-                            <a:schemeClr val="tx1"/>
-                          </a:solidFill>
-                          <a:effectLst/>
-                          <a:latin typeface="仿宋_GB2312" pitchFamily="49" charset="-122"/>
-                          <a:ea typeface="仿宋_GB2312" pitchFamily="49" charset="-122"/>
-                        </a:rPr>
-                        <a:t>删除光标所在单词字符至下一个单词开始的几个字符</a:t>
-                      </a:r>
-                    </a:p>
-                  </a:txBody>
-                  <a:tcPr horzOverflow="overflow">
-                    <a:lnL w="12700" cap="flat" cmpd="sng" algn="ctr">
-                      <a:solidFill>
-                        <a:srgbClr val="000000"/>
-                      </a:solidFill>
-                      <a:prstDash val="solid"/>
-                      <a:round/>
-                      <a:headEnd type="none" w="med" len="med"/>
-                      <a:tailEnd type="none" w="med" len="med"/>
-                    </a:lnL>
-                    <a:lnR w="12700" cap="flat" cmpd="sng" algn="ctr">
-                      <a:solidFill>
-                        <a:srgbClr val="000000"/>
-                      </a:solidFill>
-                      <a:prstDash val="solid"/>
-                      <a:round/>
-                      <a:headEnd type="none" w="med" len="med"/>
-                      <a:tailEnd type="none" w="med" len="med"/>
-                    </a:lnR>
-                    <a:lnT w="12700" cap="flat" cmpd="sng" algn="ctr">
-                      <a:solidFill>
-                        <a:srgbClr val="000000"/>
-                      </a:solidFill>
-                      <a:prstDash val="solid"/>
-                      <a:round/>
-                      <a:headEnd type="none" w="med" len="med"/>
-                      <a:tailEnd type="none" w="med" len="med"/>
-                    </a:lnT>
-                    <a:lnB w="12700" cap="flat" cmpd="sng" algn="ctr">
-                      <a:solidFill>
-                        <a:srgbClr val="000000"/>
-                      </a:solidFill>
-                      <a:prstDash val="solid"/>
-                      <a:round/>
-                      <a:headEnd type="none" w="med" len="med"/>
-                      <a:tailEnd type="none" w="med" len="med"/>
-                    </a:lnB>
-                    <a:lnTlToBr>
-                      <a:noFill/>
-                    </a:lnTlToBr>
-                    <a:lnBlToTr>
-                      <a:noFill/>
-                    </a:lnBlToTr>
-                    <a:noFill/>
-                  </a:tcPr>
-                </a:tc>
-              </a:tr>
-              <a:tr h="314325">
-                <a:tc>
-                  <a:txBody>
-                    <a:bodyPr/>
-                    <a:lstStyle/>
-                    <a:p>
-                      <a:pPr marL="342900" marR="0" lvl="0" indent="-342900" algn="ctr" defTabSz="914400" rtl="0" eaLnBrk="1" fontAlgn="base" latinLnBrk="1" hangingPunct="1">
-                        <a:spcBef>
-                          <a:spcPct val="0"/>
-                        </a:spcBef>
-                        <a:spcAft>
-                          <a:spcPct val="0"/>
-                        </a:spcAft>
-                        <a:buClrTx/>
-                        <a:buSzTx/>
-                        <a:buFontTx/>
-                        <a:buNone/>
-                      </a:pPr>
-                      <a:r>
-                        <a:rPr kumimoji="1" lang="en-US" altLang="zh-CN" sz="2000" b="0" i="0" u="none" strike="noStrike" cap="none" normalizeH="0" baseline="0" smtClean="0">
-                          <a:ln>
-                            <a:noFill/>
-                          </a:ln>
-                          <a:solidFill>
-                            <a:schemeClr val="tx1"/>
-                          </a:solidFill>
-                          <a:effectLst/>
-                          <a:latin typeface="仿宋_GB2312" pitchFamily="49" charset="-122"/>
-                          <a:ea typeface="仿宋_GB2312" pitchFamily="49" charset="-122"/>
-                        </a:rPr>
-                        <a:t>d $</a:t>
-                      </a:r>
-                      <a:r>
-                        <a:rPr kumimoji="1" lang="zh-CN" altLang="en-US" sz="2000" b="0" i="0" u="none" strike="noStrike" cap="none" normalizeH="0" baseline="0" smtClean="0">
-                          <a:ln>
-                            <a:noFill/>
-                          </a:ln>
-                          <a:solidFill>
-                            <a:schemeClr val="tx1"/>
-                          </a:solidFill>
-                          <a:effectLst/>
-                          <a:latin typeface="仿宋_GB2312" pitchFamily="49" charset="-122"/>
-                          <a:ea typeface="仿宋_GB2312" pitchFamily="49" charset="-122"/>
-                        </a:rPr>
-                        <a:t>或</a:t>
-                      </a:r>
-                      <a:r>
-                        <a:rPr kumimoji="1" lang="en-US" altLang="zh-CN" sz="2000" b="0" i="0" u="none" strike="noStrike" cap="none" normalizeH="0" baseline="0" smtClean="0">
-                          <a:ln>
-                            <a:noFill/>
-                          </a:ln>
-                          <a:solidFill>
-                            <a:schemeClr val="tx1"/>
-                          </a:solidFill>
-                          <a:effectLst/>
-                          <a:latin typeface="仿宋_GB2312" pitchFamily="49" charset="-122"/>
-                          <a:ea typeface="仿宋_GB2312" pitchFamily="49" charset="-122"/>
-                        </a:rPr>
-                        <a:t>Shift+d</a:t>
-                      </a:r>
-                    </a:p>
-                  </a:txBody>
-                  <a:tcPr horzOverflow="overflow">
-                    <a:lnL w="12700" cap="flat" cmpd="sng" algn="ctr">
-                      <a:solidFill>
-                        <a:srgbClr val="000000"/>
-                      </a:solidFill>
-                      <a:prstDash val="solid"/>
-                      <a:round/>
-                      <a:headEnd type="none" w="med" len="med"/>
-                      <a:tailEnd type="none" w="med" len="med"/>
-                    </a:lnL>
-                    <a:lnR w="12700" cap="flat" cmpd="sng" algn="ctr">
-                      <a:solidFill>
-                        <a:srgbClr val="000000"/>
-                      </a:solidFill>
-                      <a:prstDash val="solid"/>
-                      <a:round/>
-                      <a:headEnd type="none" w="med" len="med"/>
-                      <a:tailEnd type="none" w="med" len="med"/>
-                    </a:lnR>
-                    <a:lnT w="12700" cap="flat" cmpd="sng" algn="ctr">
-                      <a:solidFill>
-                        <a:srgbClr val="000000"/>
-                      </a:solidFill>
-                      <a:prstDash val="solid"/>
-                      <a:round/>
-                      <a:headEnd type="none" w="med" len="med"/>
-                      <a:tailEnd type="none" w="med" len="med"/>
-                    </a:lnT>
-                    <a:lnB w="12700" cap="flat" cmpd="sng" algn="ctr">
-                      <a:solidFill>
-                        <a:srgbClr val="000000"/>
-                      </a:solidFill>
-                      <a:prstDash val="solid"/>
-                      <a:round/>
-                      <a:headEnd type="none" w="med" len="med"/>
-                      <a:tailEnd type="none" w="med" len="med"/>
-                    </a:lnB>
-                    <a:lnTlToBr>
-                      <a:noFill/>
-                    </a:lnTlToBr>
-                    <a:lnBlToTr>
-                      <a:noFill/>
-                    </a:lnBlToTr>
-                    <a:noFill/>
-                  </a:tcPr>
-                </a:tc>
-                <a:tc>
-                  <a:txBody>
-                    <a:bodyPr/>
-                    <a:lstStyle/>
-                    <a:p>
-                      <a:pPr marL="342900" marR="0" lvl="0" indent="-342900" algn="l" defTabSz="914400" rtl="0" eaLnBrk="1" fontAlgn="base" latinLnBrk="1" hangingPunct="1">
-                        <a:spcBef>
-                          <a:spcPct val="0"/>
-                        </a:spcBef>
-                        <a:spcAft>
-                          <a:spcPct val="0"/>
-                        </a:spcAft>
-                        <a:buClrTx/>
-                        <a:buSzTx/>
-                        <a:buFontTx/>
-                        <a:buNone/>
-                      </a:pPr>
-                      <a:r>
-                        <a:rPr kumimoji="1" lang="zh-CN" altLang="en-US" sz="2000" b="0" i="0" u="none" strike="noStrike" cap="none" normalizeH="0" baseline="0" dirty="0" smtClean="0">
-                          <a:ln>
-                            <a:noFill/>
-                          </a:ln>
-                          <a:solidFill>
-                            <a:schemeClr val="tx1"/>
-                          </a:solidFill>
-                          <a:effectLst/>
-                          <a:latin typeface="仿宋_GB2312" pitchFamily="49" charset="-122"/>
-                          <a:ea typeface="仿宋_GB2312" pitchFamily="49" charset="-122"/>
-                        </a:rPr>
-                        <a:t>删除从当前光标至行尾的所有字符</a:t>
-                      </a:r>
-                    </a:p>
-                  </a:txBody>
-                  <a:tcPr horzOverflow="overflow">
-                    <a:lnL w="12700" cap="flat" cmpd="sng" algn="ctr">
-                      <a:solidFill>
-                        <a:srgbClr val="000000"/>
-                      </a:solidFill>
-                      <a:prstDash val="solid"/>
-                      <a:round/>
-                      <a:headEnd type="none" w="med" len="med"/>
-                      <a:tailEnd type="none" w="med" len="med"/>
-                    </a:lnL>
-                    <a:lnR w="12700" cap="flat" cmpd="sng" algn="ctr">
-                      <a:solidFill>
-                        <a:srgbClr val="000000"/>
-                      </a:solidFill>
-                      <a:prstDash val="solid"/>
-                      <a:round/>
-                      <a:headEnd type="none" w="med" len="med"/>
-                      <a:tailEnd type="none" w="med" len="med"/>
-                    </a:lnR>
-                    <a:lnT w="12700" cap="flat" cmpd="sng" algn="ctr">
-                      <a:solidFill>
-                        <a:srgbClr val="000000"/>
-                      </a:solidFill>
-                      <a:prstDash val="solid"/>
-                      <a:round/>
-                      <a:headEnd type="none" w="med" len="med"/>
-                      <a:tailEnd type="none" w="med" len="med"/>
-                    </a:lnT>
-                    <a:lnB w="12700" cap="flat" cmpd="sng" algn="ctr">
-                      <a:solidFill>
-                        <a:srgbClr val="000000"/>
-                      </a:solidFill>
-                      <a:prstDash val="solid"/>
-                      <a:round/>
-                      <a:headEnd type="none" w="med" len="med"/>
-                      <a:tailEnd type="none" w="med" len="med"/>
-                    </a:lnB>
-                    <a:lnTlToBr>
-                      <a:noFill/>
-                    </a:lnTlToBr>
-                    <a:lnBlToTr>
-                      <a:noFill/>
-                    </a:lnBlToTr>
-                    <a:noFill/>
-                  </a:tcPr>
-                </a:tc>
-              </a:tr>
-              <a:tr h="315913">
-                <a:tc>
-                  <a:txBody>
-                    <a:bodyPr/>
-                    <a:lstStyle/>
-                    <a:p>
-                      <a:pPr marL="342900" marR="0" lvl="0" indent="-342900" algn="ctr" defTabSz="914400" rtl="0" eaLnBrk="1" fontAlgn="base" latinLnBrk="1" hangingPunct="1">
-                        <a:spcBef>
-                          <a:spcPct val="0"/>
-                        </a:spcBef>
-                        <a:spcAft>
-                          <a:spcPct val="0"/>
-                        </a:spcAft>
-                        <a:buClrTx/>
-                        <a:buSzTx/>
-                        <a:buFontTx/>
-                        <a:buNone/>
-                      </a:pPr>
-                      <a:r>
-                        <a:rPr kumimoji="1" lang="en-US" altLang="zh-CN" sz="2000" b="0" i="0" u="none" strike="noStrike" cap="none" normalizeH="0" baseline="0" smtClean="0">
-                          <a:ln>
-                            <a:noFill/>
-                          </a:ln>
-                          <a:solidFill>
-                            <a:schemeClr val="tx1"/>
-                          </a:solidFill>
-                          <a:effectLst/>
-                          <a:latin typeface="仿宋_GB2312" pitchFamily="49" charset="-122"/>
-                          <a:ea typeface="仿宋_GB2312" pitchFamily="49" charset="-122"/>
-                        </a:rPr>
-                        <a:t>d d</a:t>
-                      </a:r>
-                    </a:p>
-                  </a:txBody>
-                  <a:tcPr horzOverflow="overflow">
-                    <a:lnL w="12700" cap="flat" cmpd="sng" algn="ctr">
-                      <a:solidFill>
-                        <a:srgbClr val="000000"/>
-                      </a:solidFill>
-                      <a:prstDash val="solid"/>
-                      <a:round/>
-                      <a:headEnd type="none" w="med" len="med"/>
-                      <a:tailEnd type="none" w="med" len="med"/>
-                    </a:lnL>
-                    <a:lnR w="12700" cap="flat" cmpd="sng" algn="ctr">
-                      <a:solidFill>
-                        <a:srgbClr val="000000"/>
-                      </a:solidFill>
-                      <a:prstDash val="solid"/>
-                      <a:round/>
-                      <a:headEnd type="none" w="med" len="med"/>
-                      <a:tailEnd type="none" w="med" len="med"/>
-                    </a:lnR>
-                    <a:lnT w="12700" cap="flat" cmpd="sng" algn="ctr">
-                      <a:solidFill>
-                        <a:srgbClr val="000000"/>
-                      </a:solidFill>
-                      <a:prstDash val="solid"/>
-                      <a:round/>
-                      <a:headEnd type="none" w="med" len="med"/>
-                      <a:tailEnd type="none" w="med" len="med"/>
-                    </a:lnT>
-                    <a:lnB w="12700" cap="flat" cmpd="sng" algn="ctr">
-                      <a:solidFill>
-                        <a:srgbClr val="000000"/>
-                      </a:solidFill>
-                      <a:prstDash val="solid"/>
-                      <a:round/>
-                      <a:headEnd type="none" w="med" len="med"/>
-                      <a:tailEnd type="none" w="med" len="med"/>
-                    </a:lnB>
-                    <a:lnTlToBr>
-                      <a:noFill/>
-                    </a:lnTlToBr>
-                    <a:lnBlToTr>
-                      <a:noFill/>
-                    </a:lnBlToTr>
-                    <a:noFill/>
-                  </a:tcPr>
-                </a:tc>
-                <a:tc>
-                  <a:txBody>
-                    <a:bodyPr/>
-                    <a:lstStyle/>
-                    <a:p>
-                      <a:pPr marL="342900" marR="0" lvl="0" indent="-342900" algn="l" defTabSz="914400" rtl="0" eaLnBrk="1" fontAlgn="base" latinLnBrk="1" hangingPunct="1">
-                        <a:spcBef>
-                          <a:spcPct val="0"/>
-                        </a:spcBef>
-                        <a:spcAft>
-                          <a:spcPct val="0"/>
-                        </a:spcAft>
-                        <a:buClrTx/>
-                        <a:buSzTx/>
-                        <a:buFontTx/>
-                        <a:buNone/>
-                      </a:pPr>
-                      <a:r>
-                        <a:rPr kumimoji="1" lang="zh-CN" altLang="en-US" sz="2000" b="0" i="0" u="none" strike="noStrike" cap="none" normalizeH="0" baseline="0" dirty="0" smtClean="0">
-                          <a:ln>
-                            <a:noFill/>
-                          </a:ln>
-                          <a:solidFill>
-                            <a:schemeClr val="tx1"/>
-                          </a:solidFill>
-                          <a:effectLst/>
-                          <a:latin typeface="仿宋_GB2312" pitchFamily="49" charset="-122"/>
-                          <a:ea typeface="仿宋_GB2312" pitchFamily="49" charset="-122"/>
-                        </a:rPr>
-                        <a:t>删除光标所在的行</a:t>
-                      </a:r>
-                    </a:p>
-                  </a:txBody>
-                  <a:tcPr horzOverflow="overflow">
-                    <a:lnL w="12700" cap="flat" cmpd="sng" algn="ctr">
-                      <a:solidFill>
-                        <a:srgbClr val="000000"/>
-                      </a:solidFill>
-                      <a:prstDash val="solid"/>
-                      <a:round/>
-                      <a:headEnd type="none" w="med" len="med"/>
-                      <a:tailEnd type="none" w="med" len="med"/>
-                    </a:lnL>
-                    <a:lnR w="12700" cap="flat" cmpd="sng" algn="ctr">
-                      <a:solidFill>
-                        <a:srgbClr val="000000"/>
-                      </a:solidFill>
-                      <a:prstDash val="solid"/>
-                      <a:round/>
-                      <a:headEnd type="none" w="med" len="med"/>
-                      <a:tailEnd type="none" w="med" len="med"/>
-                    </a:lnR>
-                    <a:lnT w="12700" cap="flat" cmpd="sng" algn="ctr">
-                      <a:solidFill>
-                        <a:srgbClr val="000000"/>
-                      </a:solidFill>
-                      <a:prstDash val="solid"/>
-                      <a:round/>
-                      <a:headEnd type="none" w="med" len="med"/>
-                      <a:tailEnd type="none" w="med" len="med"/>
-                    </a:lnT>
-                    <a:lnB w="12700" cap="flat" cmpd="sng" algn="ctr">
-                      <a:solidFill>
-                        <a:srgbClr val="000000"/>
-                      </a:solidFill>
-                      <a:prstDash val="solid"/>
-                      <a:round/>
-                      <a:headEnd type="none" w="med" len="med"/>
-                      <a:tailEnd type="none" w="med" len="med"/>
-                    </a:lnB>
-                    <a:lnTlToBr>
-                      <a:noFill/>
-                    </a:lnTlToBr>
-                    <a:lnBlToTr>
-                      <a:noFill/>
-                    </a:lnBlToTr>
-                    <a:noFill/>
-                  </a:tcPr>
-                </a:tc>
-              </a:tr>
-            </a:tbl>
-          </a:graphicData>
-        </a:graphic>
-      </p:graphicFrame>
-      <p:sp>
-        <p:nvSpPr>
-          <p:cNvPr id="26646" name="Rectangle 24"/>
-          <p:cNvSpPr>
-            <a:spLocks noChangeArrowheads="1"/>
-          </p:cNvSpPr>
-          <p:nvPr/>
-        </p:nvSpPr>
-        <p:spPr bwMode="auto">
-          <a:xfrm>
-            <a:off x="3175000" y="3606800"/>
-            <a:ext cx="2492375" cy="400050"/>
-          </a:xfrm>
-          <a:prstGeom prst="rect">
-            <a:avLst/>
-          </a:prstGeom>
-          <a:noFill/>
-          <a:ln>
-            <a:noFill/>
-          </a:ln>
-          <a:extLst>
-            <a:ext uri="{909E8E84-426E-40DD-AFC4-6F175D3DCCD1}">
-              <a14:hiddenFill xmlns:a14="http://schemas.microsoft.com/office/drawing/2010/main">
-                <a:solidFill>
-                  <a:srgbClr val="FFFFFF"/>
-                </a:solidFill>
-              </a14:hiddenFill>
-            </a:ext>
-            <a:ext uri="{91240B29-F687-4F45-9708-019B960494DF}">
-              <a14:hiddenLine xmlns:a14="http://schemas.microsoft.com/office/drawing/2010/main" w="7938">
-                <a:solidFill>
-                  <a:srgbClr val="000000"/>
-                </a:solidFill>
-                <a:miter lim="800000"/>
-                <a:headEnd/>
-                <a:tailEnd/>
-              </a14:hiddenLine>
-            </a:ext>
-          </a:extLst>
-        </p:spPr>
-        <p:txBody>
-          <a:bodyPr wrap="none" anchor="ctr">
-            <a:spAutoFit/>
-          </a:bodyPr>
-          <a:lstStyle/>
-          <a:p>
-            <a:r>
-              <a:rPr lang="zh-CN" altLang="en-US" sz="2000">
-                <a:latin typeface="仿宋_GB2312" pitchFamily="49" charset="-122"/>
-                <a:ea typeface="仿宋_GB2312" pitchFamily="49" charset="-122"/>
-              </a:rPr>
-              <a:t> </a:t>
-            </a:r>
-            <a:r>
-              <a:rPr lang="en-US" altLang="zh-CN" sz="2000">
-                <a:latin typeface="仿宋_GB2312" pitchFamily="49" charset="-122"/>
-                <a:ea typeface="仿宋_GB2312" pitchFamily="49" charset="-122"/>
-              </a:rPr>
-              <a:t>vi</a:t>
-            </a:r>
-            <a:r>
-              <a:rPr lang="zh-CN" altLang="en-US" sz="2000">
-                <a:latin typeface="仿宋_GB2312" pitchFamily="49" charset="-122"/>
-                <a:ea typeface="仿宋_GB2312" pitchFamily="49" charset="-122"/>
-              </a:rPr>
-              <a:t>用于删除的热键 </a:t>
-            </a:r>
-          </a:p>
-        </p:txBody>
-      </p:sp>
-    </p:spTree>
-    <p:extLst>
-      <p:ext uri="{BB962C8B-B14F-4D97-AF65-F5344CB8AC3E}">
-        <p14:creationId xmlns:p14="http://schemas.microsoft.com/office/powerpoint/2010/main" val="347947753"/>
-      </p:ext>
-    </p:extLst>
-  </p:cSld>
-  <p:clrMapOvr>
-    <a:masterClrMapping/>
-  </p:clrMapOvr>
-  <p:transition spd="med">
-    <p:zoom/>
-  </p:transition>
-</p:sld>
-</file>
-
-<file path=ppt/slides/slide22.xml><?xml version="1.0" encoding="utf-8"?>
-<p:sld xmlns:a="http://schemas.openxmlformats.org/drawingml/2006/main" xmlns:r="http://schemas.openxmlformats.org/officeDocument/2006/relationships" xmlns:p="http://schemas.openxmlformats.org/presentationml/2006/main">
-  <p:cSld>
-    <p:spTree>
-      <p:nvGrpSpPr>
-        <p:cNvPr id="1" name=""/>
-        <p:cNvGrpSpPr/>
-        <p:nvPr/>
-      </p:nvGrpSpPr>
-      <p:grpSpPr>
-        <a:xfrm>
-          <a:off x="0" y="0"/>
-          <a:ext cx="0" cy="0"/>
-          <a:chOff x="0" y="0"/>
-          <a:chExt cx="0" cy="0"/>
-        </a:xfrm>
-      </p:grpSpPr>
-      <p:sp>
-        <p:nvSpPr>
-          <p:cNvPr id="27649" name="Rectangle 3"/>
-          <p:cNvSpPr>
-            <a:spLocks noGrp="1" noChangeArrowheads="1"/>
-          </p:cNvSpPr>
-          <p:nvPr>
-            <p:ph type="body" sz="half" idx="1"/>
-          </p:nvPr>
-        </p:nvSpPr>
-        <p:spPr>
-          <a:xfrm>
-            <a:off x="179512" y="1124744"/>
-            <a:ext cx="8401050" cy="5945188"/>
-          </a:xfrm>
-        </p:spPr>
-        <p:txBody>
-          <a:bodyPr/>
-          <a:lstStyle/>
-          <a:p>
-            <a:pPr marL="0" indent="0" algn="just" eaLnBrk="1" hangingPunct="1"/>
-            <a:r>
-              <a:rPr lang="en-US" altLang="zh-CN" sz="2000" smtClean="0">
-                <a:latin typeface="仿宋_GB2312" pitchFamily="49" charset="-122"/>
-                <a:ea typeface="仿宋_GB2312" pitchFamily="49" charset="-122"/>
-              </a:rPr>
-              <a:t>      表中所述的组合键，如dw表示先按下d键，再按下w键。此外，用户还可以在使用删除的组合键的时候指定要删除的行及字符的数量。其用法如下：</a:t>
-            </a:r>
-          </a:p>
-          <a:p>
-            <a:pPr marL="0" indent="0" algn="just" eaLnBrk="1" hangingPunct="1"/>
-            <a:r>
-              <a:rPr lang="en-US" altLang="zh-CN" sz="2000" smtClean="0">
-                <a:latin typeface="仿宋_GB2312" pitchFamily="49" charset="-122"/>
-                <a:ea typeface="仿宋_GB2312" pitchFamily="49" charset="-122"/>
-              </a:rPr>
-              <a:t>3 x：表示删除从当前光标所在位置开始，向后的3个字符。</a:t>
-            </a:r>
-          </a:p>
-          <a:p>
-            <a:pPr marL="0" indent="0" algn="just" eaLnBrk="1" hangingPunct="1"/>
-            <a:r>
-              <a:rPr lang="en-US" altLang="zh-CN" sz="2000" smtClean="0">
-                <a:latin typeface="仿宋_GB2312" pitchFamily="49" charset="-122"/>
-                <a:ea typeface="仿宋_GB2312" pitchFamily="49" charset="-122"/>
-              </a:rPr>
-              <a:t>4 d d：表示删除光标所在的行开始连续向后的4行。</a:t>
-            </a:r>
-          </a:p>
-          <a:p>
-            <a:pPr marL="0" indent="0" algn="just" eaLnBrk="1" hangingPunct="1"/>
-            <a:r>
-              <a:rPr lang="en-US" altLang="zh-CN" sz="2000" smtClean="0">
-                <a:latin typeface="仿宋_GB2312" pitchFamily="49" charset="-122"/>
-                <a:ea typeface="仿宋_GB2312" pitchFamily="49" charset="-122"/>
-              </a:rPr>
-              <a:t>      vi提供了以行号表示范围的删除方法，在命令模式下输入</a:t>
-            </a:r>
-            <a:r>
-              <a:rPr lang="en-US" altLang="zh-CN" sz="2000" smtClean="0">
-                <a:solidFill>
-                  <a:srgbClr val="FF0000"/>
-                </a:solidFill>
-                <a:latin typeface="仿宋_GB2312" pitchFamily="49" charset="-122"/>
-                <a:ea typeface="仿宋_GB2312" pitchFamily="49" charset="-122"/>
-              </a:rPr>
-              <a:t>set number</a:t>
-            </a:r>
-            <a:r>
-              <a:rPr lang="en-US" altLang="zh-CN" sz="2000" smtClean="0">
-                <a:latin typeface="仿宋_GB2312" pitchFamily="49" charset="-122"/>
-                <a:ea typeface="仿宋_GB2312" pitchFamily="49" charset="-122"/>
-              </a:rPr>
-              <a:t>或</a:t>
-            </a:r>
-            <a:r>
-              <a:rPr lang="en-US" altLang="zh-CN" sz="2000" smtClean="0">
-                <a:solidFill>
-                  <a:srgbClr val="FF0000"/>
-                </a:solidFill>
-                <a:latin typeface="仿宋_GB2312" pitchFamily="49" charset="-122"/>
-                <a:ea typeface="仿宋_GB2312" pitchFamily="49" charset="-122"/>
-              </a:rPr>
-              <a:t>set nu</a:t>
-            </a:r>
-            <a:r>
-              <a:rPr lang="en-US" altLang="zh-CN" sz="2000" smtClean="0">
-                <a:latin typeface="仿宋_GB2312" pitchFamily="49" charset="-122"/>
-                <a:ea typeface="仿宋_GB2312" pitchFamily="49" charset="-122"/>
-              </a:rPr>
-              <a:t>以显示行号，再按如下的语法输入删除命令：</a:t>
-            </a:r>
-          </a:p>
-          <a:p>
-            <a:pPr lvl="1" algn="just" eaLnBrk="1" hangingPunct="1">
-              <a:buFontTx/>
-              <a:buNone/>
-            </a:pPr>
-            <a:r>
-              <a:rPr lang="en-US" altLang="zh-CN" sz="2000" smtClean="0">
-                <a:solidFill>
-                  <a:srgbClr val="800000"/>
-                </a:solidFill>
-                <a:latin typeface="仿宋_GB2312" pitchFamily="49" charset="-122"/>
-                <a:ea typeface="仿宋_GB2312" pitchFamily="49" charset="-122"/>
-              </a:rPr>
-              <a:t>start_num,end_num d</a:t>
-            </a:r>
-          </a:p>
-          <a:p>
-            <a:pPr marL="0" indent="0" algn="just" eaLnBrk="1" hangingPunct="1"/>
-            <a:r>
-              <a:rPr lang="en-US" altLang="zh-CN" sz="2000" smtClean="0">
-                <a:latin typeface="仿宋_GB2312" pitchFamily="49" charset="-122"/>
-                <a:ea typeface="仿宋_GB2312" pitchFamily="49" charset="-122"/>
-              </a:rPr>
-              <a:t>其中start_num和end_num分别表示开始行号和结束行号，以start_num开始和end_num结束的行都将被删除。</a:t>
-            </a:r>
-          </a:p>
-          <a:p>
-            <a:pPr marL="0" indent="0" algn="just" eaLnBrk="1" hangingPunct="1"/>
-            <a:r>
-              <a:rPr lang="en-US" altLang="zh-CN" sz="2000" smtClean="0">
-                <a:latin typeface="仿宋_GB2312" pitchFamily="49" charset="-122"/>
-                <a:ea typeface="仿宋_GB2312" pitchFamily="49" charset="-122"/>
-              </a:rPr>
-              <a:t>例如，要删除第2行到第5行的内容，可以使用：</a:t>
-            </a:r>
-          </a:p>
-          <a:p>
-            <a:pPr lvl="1" algn="just" eaLnBrk="1" hangingPunct="1">
-              <a:buFontTx/>
-              <a:buNone/>
-            </a:pPr>
-            <a:r>
-              <a:rPr lang="en-US" altLang="zh-CN" sz="2000" smtClean="0">
-                <a:solidFill>
-                  <a:srgbClr val="800000"/>
-                </a:solidFill>
-                <a:latin typeface="仿宋_GB2312" pitchFamily="49" charset="-122"/>
-                <a:ea typeface="仿宋_GB2312" pitchFamily="49" charset="-122"/>
-              </a:rPr>
-              <a:t>:2,5 d&lt;Enter&gt;</a:t>
-            </a:r>
-          </a:p>
-          <a:p>
-            <a:pPr marL="0" indent="0" algn="just" eaLnBrk="1" hangingPunct="1"/>
-            <a:r>
-              <a:rPr lang="en-US" altLang="zh-CN" sz="2000" smtClean="0">
-                <a:latin typeface="仿宋_GB2312" pitchFamily="49" charset="-122"/>
-                <a:ea typeface="仿宋_GB2312" pitchFamily="49" charset="-122"/>
-              </a:rPr>
-              <a:t>命令输入结束后，vi会在状态行中显示被删除的行数</a:t>
-            </a:r>
-            <a:r>
-              <a:rPr lang="en-US" altLang="zh-CN" smtClean="0">
-                <a:latin typeface="-보람B" pitchFamily="18" charset="-127"/>
-                <a:ea typeface="-보람B" pitchFamily="18" charset="-127"/>
-              </a:rPr>
-              <a:t>。</a:t>
-            </a:r>
-            <a:endParaRPr lang="zh-CN" altLang="en-US" smtClean="0">
-              <a:latin typeface="-보람B" pitchFamily="18" charset="-127"/>
-              <a:ea typeface="-보람B" pitchFamily="18" charset="-127"/>
-            </a:endParaRPr>
-          </a:p>
-        </p:txBody>
-      </p:sp>
-    </p:spTree>
-    <p:extLst>
-      <p:ext uri="{BB962C8B-B14F-4D97-AF65-F5344CB8AC3E}">
-        <p14:creationId xmlns:p14="http://schemas.microsoft.com/office/powerpoint/2010/main" val="3251294456"/>
-      </p:ext>
-    </p:extLst>
-  </p:cSld>
-  <p:clrMapOvr>
-    <a:masterClrMapping/>
-  </p:clrMapOvr>
-  <p:transition spd="med">
-    <p:zoom/>
-  </p:transition>
-</p:sld>
-</file>
-
 <file path=ppt/slides/slide23.xml><?xml version="1.0" encoding="utf-8"?>
-<p:sld xmlns:a="http://schemas.openxmlformats.org/drawingml/2006/main" xmlns:r="http://schemas.openxmlformats.org/officeDocument/2006/relationships" xmlns:p="http://schemas.openxmlformats.org/presentationml/2006/main">
-  <p:cSld>
-    <p:spTree>
-      <p:nvGrpSpPr>
-        <p:cNvPr id="1" name=""/>
-        <p:cNvGrpSpPr/>
-        <p:nvPr/>
-      </p:nvGrpSpPr>
-      <p:grpSpPr>
-        <a:xfrm>
-          <a:off x="0" y="0"/>
-          <a:ext cx="0" cy="0"/>
-          <a:chOff x="0" y="0"/>
-          <a:chExt cx="0" cy="0"/>
-        </a:xfrm>
-      </p:grpSpPr>
-      <p:sp>
-        <p:nvSpPr>
-          <p:cNvPr id="28673" name="Rectangle 3"/>
-          <p:cNvSpPr>
-            <a:spLocks noGrp="1" noChangeArrowheads="1"/>
-          </p:cNvSpPr>
-          <p:nvPr>
-            <p:ph type="body" sz="half" idx="1"/>
-          </p:nvPr>
-        </p:nvSpPr>
-        <p:spPr>
-          <a:xfrm>
-            <a:off x="33609" y="561975"/>
-            <a:ext cx="3360737" cy="5153025"/>
-          </a:xfrm>
-        </p:spPr>
-        <p:txBody>
-          <a:bodyPr>
-            <a:normAutofit/>
-          </a:bodyPr>
-          <a:lstStyle/>
-          <a:p>
-            <a:pPr marL="0" indent="0" algn="just" eaLnBrk="1" hangingPunct="1"/>
-            <a:r>
-              <a:rPr lang="en-US" altLang="zh-CN" sz="2000" b="1" dirty="0" smtClean="0">
-                <a:latin typeface="仿宋_GB2312" pitchFamily="49" charset="-122"/>
-                <a:ea typeface="仿宋_GB2312" pitchFamily="49" charset="-122"/>
-              </a:rPr>
-              <a:t>(2)</a:t>
-            </a:r>
-            <a:r>
-              <a:rPr lang="zh-CN" altLang="en-US" sz="2000" b="1" dirty="0" smtClean="0">
-                <a:latin typeface="仿宋_GB2312" pitchFamily="49" charset="-122"/>
-                <a:ea typeface="仿宋_GB2312" pitchFamily="49" charset="-122"/>
-              </a:rPr>
-              <a:t>查找</a:t>
-            </a:r>
-          </a:p>
-          <a:p>
-            <a:pPr marL="0" indent="0" algn="just" eaLnBrk="1" hangingPunct="1"/>
-            <a:r>
-              <a:rPr lang="zh-CN" altLang="en-US" sz="2000" dirty="0" smtClean="0">
-                <a:latin typeface="仿宋_GB2312" pitchFamily="49" charset="-122"/>
-                <a:ea typeface="仿宋_GB2312" pitchFamily="49" charset="-122"/>
-              </a:rPr>
-              <a:t>      在</a:t>
-            </a:r>
-            <a:r>
-              <a:rPr lang="en-US" altLang="zh-CN" sz="2000" dirty="0" smtClean="0">
-                <a:latin typeface="仿宋_GB2312" pitchFamily="49" charset="-122"/>
-                <a:ea typeface="仿宋_GB2312" pitchFamily="49" charset="-122"/>
-              </a:rPr>
-              <a:t>vi</a:t>
-            </a:r>
-            <a:r>
-              <a:rPr lang="zh-CN" altLang="en-US" sz="2000" dirty="0" smtClean="0">
-                <a:latin typeface="仿宋_GB2312" pitchFamily="49" charset="-122"/>
-                <a:ea typeface="仿宋_GB2312" pitchFamily="49" charset="-122"/>
-              </a:rPr>
-              <a:t>中同样提供了丰富的字符串查找功能，用户可以进行从当前光标的位置开始向前和向后的字符串查找操作，还可以重复上一次的查找。当</a:t>
-            </a:r>
-            <a:r>
-              <a:rPr lang="en-US" altLang="zh-CN" sz="2000" dirty="0" smtClean="0">
-                <a:latin typeface="仿宋_GB2312" pitchFamily="49" charset="-122"/>
-                <a:ea typeface="仿宋_GB2312" pitchFamily="49" charset="-122"/>
-              </a:rPr>
-              <a:t>vi</a:t>
-            </a:r>
-            <a:r>
-              <a:rPr lang="zh-CN" altLang="en-US" sz="2000" dirty="0" smtClean="0">
-                <a:latin typeface="仿宋_GB2312" pitchFamily="49" charset="-122"/>
-                <a:ea typeface="仿宋_GB2312" pitchFamily="49" charset="-122"/>
-              </a:rPr>
-              <a:t>查找到文本的头部或尾部的时候，继续循环查找直到全部文本被查找一遍。被找到的字符串会以反白显示，如图所示。</a:t>
-            </a:r>
-          </a:p>
-        </p:txBody>
-      </p:sp>
-      <p:pic>
-        <p:nvPicPr>
-          <p:cNvPr id="28674" name="Picture 4" descr="3-40"/>
-          <p:cNvPicPr>
-            <a:picLocks noChangeAspect="1" noChangeArrowheads="1"/>
-          </p:cNvPicPr>
-          <p:nvPr/>
-        </p:nvPicPr>
-        <p:blipFill>
-          <a:blip r:embed="rId2">
-            <a:extLst>
-              <a:ext uri="{28A0092B-C50C-407E-A947-70E740481C1C}">
-                <a14:useLocalDpi xmlns:a14="http://schemas.microsoft.com/office/drawing/2010/main" val="0"/>
-              </a:ext>
-            </a:extLst>
-          </a:blip>
-          <a:srcRect/>
-          <a:stretch>
-            <a:fillRect/>
-          </a:stretch>
-        </p:blipFill>
-        <p:spPr bwMode="auto">
-          <a:xfrm>
-            <a:off x="3419872" y="913501"/>
-            <a:ext cx="5882435" cy="3977605"/>
-          </a:xfrm>
-          <a:prstGeom prst="rect">
-            <a:avLst/>
-          </a:prstGeom>
-          <a:noFill/>
-          <a:ln>
-            <a:noFill/>
-          </a:ln>
-          <a:extLst>
-            <a:ext uri="{909E8E84-426E-40DD-AFC4-6F175D3DCCD1}">
-              <a14:hiddenFill xmlns:a14="http://schemas.microsoft.com/office/drawing/2010/main">
-                <a:solidFill>
-                  <a:srgbClr val="FFFFFF"/>
-                </a:solidFill>
-              </a14:hiddenFill>
-            </a:ext>
-            <a:ext uri="{91240B29-F687-4F45-9708-019B960494DF}">
-              <a14:hiddenLine xmlns:a14="http://schemas.microsoft.com/office/drawing/2010/main" w="9525">
-                <a:solidFill>
-                  <a:srgbClr val="000000"/>
-                </a:solidFill>
-                <a:miter lim="800000"/>
-                <a:headEnd/>
-                <a:tailEnd/>
-              </a14:hiddenLine>
-            </a:ext>
-          </a:extLst>
-        </p:spPr>
-      </p:pic>
-      <p:sp>
-        <p:nvSpPr>
-          <p:cNvPr id="28675" name="Rectangle 5"/>
-          <p:cNvSpPr>
-            <a:spLocks noChangeArrowheads="1"/>
-          </p:cNvSpPr>
-          <p:nvPr/>
-        </p:nvSpPr>
-        <p:spPr bwMode="auto">
-          <a:xfrm>
-            <a:off x="5364163" y="5516563"/>
-            <a:ext cx="1763712" cy="396875"/>
-          </a:xfrm>
-          <a:prstGeom prst="rect">
-            <a:avLst/>
-          </a:prstGeom>
-          <a:noFill/>
-          <a:ln>
-            <a:noFill/>
-          </a:ln>
-          <a:extLst>
-            <a:ext uri="{909E8E84-426E-40DD-AFC4-6F175D3DCCD1}">
-              <a14:hiddenFill xmlns:a14="http://schemas.microsoft.com/office/drawing/2010/main">
-                <a:solidFill>
-                  <a:srgbClr val="FFFFFF"/>
-                </a:solidFill>
-              </a14:hiddenFill>
-            </a:ext>
-            <a:ext uri="{91240B29-F687-4F45-9708-019B960494DF}">
-              <a14:hiddenLine xmlns:a14="http://schemas.microsoft.com/office/drawing/2010/main" w="7938">
-                <a:solidFill>
-                  <a:srgbClr val="000000"/>
-                </a:solidFill>
-                <a:miter lim="800000"/>
-                <a:headEnd/>
-                <a:tailEnd/>
-              </a14:hiddenLine>
-            </a:ext>
-          </a:extLst>
-        </p:spPr>
-        <p:txBody>
-          <a:bodyPr wrap="none" anchor="ctr">
-            <a:spAutoFit/>
-          </a:bodyPr>
-          <a:lstStyle/>
-          <a:p>
-            <a:r>
-              <a:rPr lang="en-US" altLang="zh-CN" sz="2000">
-                <a:latin typeface="Arial" pitchFamily="34" charset="0"/>
-              </a:rPr>
-              <a:t>vi</a:t>
-            </a:r>
-            <a:r>
-              <a:rPr lang="zh-CN" altLang="en-US" sz="2000">
-                <a:latin typeface="Arial" pitchFamily="34" charset="0"/>
-              </a:rPr>
-              <a:t>查找字符串 </a:t>
-            </a:r>
-          </a:p>
-        </p:txBody>
-      </p:sp>
-    </p:spTree>
-    <p:extLst>
-      <p:ext uri="{BB962C8B-B14F-4D97-AF65-F5344CB8AC3E}">
-        <p14:creationId xmlns:p14="http://schemas.microsoft.com/office/powerpoint/2010/main" val="590069344"/>
-      </p:ext>
-    </p:extLst>
-  </p:cSld>
-  <p:clrMapOvr>
-    <a:masterClrMapping/>
-  </p:clrMapOvr>
-  <p:transition spd="med">
-    <p:zoom/>
-  </p:transition>
-</p:sld>
-</file>
-
-<file path=ppt/slides/slide24.xml><?xml version="1.0" encoding="utf-8"?>
-<p:sld xmlns:a="http://schemas.openxmlformats.org/drawingml/2006/main" xmlns:r="http://schemas.openxmlformats.org/officeDocument/2006/relationships" xmlns:p="http://schemas.openxmlformats.org/presentationml/2006/main">
-  <p:cSld>
-    <p:spTree>
-      <p:nvGrpSpPr>
-        <p:cNvPr id="1" name=""/>
-        <p:cNvGrpSpPr/>
-        <p:nvPr/>
-      </p:nvGrpSpPr>
-      <p:grpSpPr>
-        <a:xfrm>
-          <a:off x="0" y="0"/>
-          <a:ext cx="0" cy="0"/>
-          <a:chOff x="0" y="0"/>
-          <a:chExt cx="0" cy="0"/>
-        </a:xfrm>
-      </p:grpSpPr>
-      <p:sp>
-        <p:nvSpPr>
-          <p:cNvPr id="29697" name="Rectangle 3"/>
-          <p:cNvSpPr>
-            <a:spLocks noGrp="1" noChangeArrowheads="1"/>
-          </p:cNvSpPr>
-          <p:nvPr>
-            <p:ph type="body" sz="half" idx="1"/>
-          </p:nvPr>
-        </p:nvSpPr>
-        <p:spPr>
-          <a:xfrm>
-            <a:off x="539552" y="1227138"/>
-            <a:ext cx="7897812" cy="1841500"/>
-          </a:xfrm>
-        </p:spPr>
-        <p:txBody>
-          <a:bodyPr>
-            <a:normAutofit fontScale="77500" lnSpcReduction="20000"/>
-          </a:bodyPr>
-          <a:lstStyle/>
-          <a:p>
-            <a:pPr marL="0" indent="0" algn="just" eaLnBrk="1" hangingPunct="1"/>
-            <a:r>
-              <a:rPr lang="zh-CN" altLang="en-US" dirty="0" smtClean="0">
-                <a:latin typeface="仿宋_GB2312" pitchFamily="49" charset="-122"/>
-                <a:ea typeface="仿宋_GB2312" pitchFamily="49" charset="-122"/>
-              </a:rPr>
-              <a:t>     下表给出了</a:t>
-            </a:r>
-            <a:r>
-              <a:rPr lang="en-US" altLang="zh-CN" dirty="0" smtClean="0">
-                <a:latin typeface="仿宋_GB2312" pitchFamily="49" charset="-122"/>
-                <a:ea typeface="仿宋_GB2312" pitchFamily="49" charset="-122"/>
-              </a:rPr>
-              <a:t>vi</a:t>
-            </a:r>
-            <a:r>
-              <a:rPr lang="zh-CN" altLang="en-US" dirty="0" smtClean="0">
-                <a:latin typeface="仿宋_GB2312" pitchFamily="49" charset="-122"/>
-                <a:ea typeface="仿宋_GB2312" pitchFamily="49" charset="-122"/>
-              </a:rPr>
-              <a:t>中常用的查找命令。在</a:t>
-            </a:r>
-            <a:r>
-              <a:rPr lang="en-US" altLang="zh-CN" dirty="0" smtClean="0">
-                <a:latin typeface="仿宋_GB2312" pitchFamily="49" charset="-122"/>
-                <a:ea typeface="仿宋_GB2312" pitchFamily="49" charset="-122"/>
-              </a:rPr>
-              <a:t>vi</a:t>
-            </a:r>
-            <a:r>
-              <a:rPr lang="zh-CN" altLang="en-US" dirty="0" smtClean="0">
-                <a:latin typeface="仿宋_GB2312" pitchFamily="49" charset="-122"/>
-                <a:ea typeface="仿宋_GB2312" pitchFamily="49" charset="-122"/>
-              </a:rPr>
-              <a:t>的查找中可以使用匹配查找，使用“</a:t>
-            </a:r>
-            <a:r>
-              <a:rPr lang="en-US" altLang="zh-CN" dirty="0" smtClean="0">
-                <a:latin typeface="仿宋_GB2312" pitchFamily="49" charset="-122"/>
-                <a:ea typeface="仿宋_GB2312" pitchFamily="49" charset="-122"/>
-              </a:rPr>
-              <a:t>.”</a:t>
-            </a:r>
-            <a:r>
-              <a:rPr lang="zh-CN" altLang="en-US" dirty="0" smtClean="0">
-                <a:latin typeface="仿宋_GB2312" pitchFamily="49" charset="-122"/>
-                <a:ea typeface="仿宋_GB2312" pitchFamily="49" charset="-122"/>
-              </a:rPr>
-              <a:t>代表一个任意字母。如使用“</a:t>
-            </a:r>
-            <a:r>
-              <a:rPr lang="en-US" altLang="zh-CN" dirty="0" smtClean="0">
-                <a:latin typeface="仿宋_GB2312" pitchFamily="49" charset="-122"/>
-                <a:ea typeface="仿宋_GB2312" pitchFamily="49" charset="-122"/>
-              </a:rPr>
-              <a:t>:/</a:t>
-            </a:r>
-            <a:r>
-              <a:rPr lang="en-US" altLang="zh-CN" dirty="0" err="1" smtClean="0">
-                <a:latin typeface="仿宋_GB2312" pitchFamily="49" charset="-122"/>
-                <a:ea typeface="仿宋_GB2312" pitchFamily="49" charset="-122"/>
-              </a:rPr>
-              <a:t>s.ecial</a:t>
-            </a:r>
-            <a:r>
-              <a:rPr lang="en-US" altLang="zh-CN" dirty="0" smtClean="0">
-                <a:latin typeface="仿宋_GB2312" pitchFamily="49" charset="-122"/>
-                <a:ea typeface="仿宋_GB2312" pitchFamily="49" charset="-122"/>
-              </a:rPr>
-              <a:t>”</a:t>
-            </a:r>
-            <a:r>
-              <a:rPr lang="zh-CN" altLang="en-US" dirty="0" smtClean="0">
-                <a:latin typeface="仿宋_GB2312" pitchFamily="49" charset="-122"/>
-                <a:ea typeface="仿宋_GB2312" pitchFamily="49" charset="-122"/>
-              </a:rPr>
-              <a:t>可以找到“</a:t>
-            </a:r>
-            <a:r>
-              <a:rPr lang="en-US" altLang="zh-CN" dirty="0" smtClean="0">
-                <a:latin typeface="仿宋_GB2312" pitchFamily="49" charset="-122"/>
-                <a:ea typeface="仿宋_GB2312" pitchFamily="49" charset="-122"/>
-              </a:rPr>
-              <a:t>special”</a:t>
-            </a:r>
-            <a:r>
-              <a:rPr lang="zh-CN" altLang="en-US" dirty="0" smtClean="0">
-                <a:latin typeface="仿宋_GB2312" pitchFamily="49" charset="-122"/>
-                <a:ea typeface="仿宋_GB2312" pitchFamily="49" charset="-122"/>
-              </a:rPr>
-              <a:t>字符串。</a:t>
-            </a:r>
-          </a:p>
-          <a:p>
-            <a:pPr marL="0" indent="0" algn="just" eaLnBrk="1" hangingPunct="1"/>
-            <a:r>
-              <a:rPr lang="zh-CN" altLang="en-US" dirty="0" smtClean="0">
-                <a:latin typeface="仿宋_GB2312" pitchFamily="49" charset="-122"/>
-                <a:ea typeface="仿宋_GB2312" pitchFamily="49" charset="-122"/>
-              </a:rPr>
-              <a:t>     另外，</a:t>
-            </a:r>
-            <a:r>
-              <a:rPr lang="en-US" altLang="zh-CN" dirty="0" smtClean="0">
-                <a:latin typeface="仿宋_GB2312" pitchFamily="49" charset="-122"/>
-                <a:ea typeface="仿宋_GB2312" pitchFamily="49" charset="-122"/>
-              </a:rPr>
-              <a:t>vi</a:t>
-            </a:r>
-            <a:r>
-              <a:rPr lang="zh-CN" altLang="en-US" dirty="0" smtClean="0">
-                <a:latin typeface="仿宋_GB2312" pitchFamily="49" charset="-122"/>
-                <a:ea typeface="仿宋_GB2312" pitchFamily="49" charset="-122"/>
-              </a:rPr>
-              <a:t>的字符串查找是</a:t>
-            </a:r>
-            <a:r>
-              <a:rPr lang="zh-CN" altLang="en-US" dirty="0" smtClean="0">
-                <a:solidFill>
-                  <a:srgbClr val="FF0000"/>
-                </a:solidFill>
-                <a:latin typeface="仿宋_GB2312" pitchFamily="49" charset="-122"/>
-                <a:ea typeface="仿宋_GB2312" pitchFamily="49" charset="-122"/>
-              </a:rPr>
-              <a:t>大小写敏感</a:t>
-            </a:r>
-            <a:r>
-              <a:rPr lang="zh-CN" altLang="en-US" dirty="0" smtClean="0">
-                <a:latin typeface="仿宋_GB2312" pitchFamily="49" charset="-122"/>
-                <a:ea typeface="仿宋_GB2312" pitchFamily="49" charset="-122"/>
-              </a:rPr>
-              <a:t>的，即“</a:t>
-            </a:r>
-            <a:r>
-              <a:rPr lang="en-US" altLang="zh-CN" dirty="0" smtClean="0">
-                <a:latin typeface="仿宋_GB2312" pitchFamily="49" charset="-122"/>
-                <a:ea typeface="仿宋_GB2312" pitchFamily="49" charset="-122"/>
-              </a:rPr>
-              <a:t>Special”</a:t>
-            </a:r>
-            <a:r>
-              <a:rPr lang="zh-CN" altLang="en-US" dirty="0" smtClean="0">
-                <a:latin typeface="仿宋_GB2312" pitchFamily="49" charset="-122"/>
-                <a:ea typeface="仿宋_GB2312" pitchFamily="49" charset="-122"/>
-              </a:rPr>
-              <a:t>和“</a:t>
-            </a:r>
-            <a:r>
-              <a:rPr lang="en-US" altLang="zh-CN" dirty="0" smtClean="0">
-                <a:latin typeface="仿宋_GB2312" pitchFamily="49" charset="-122"/>
-                <a:ea typeface="仿宋_GB2312" pitchFamily="49" charset="-122"/>
-              </a:rPr>
-              <a:t>special”</a:t>
-            </a:r>
-            <a:r>
-              <a:rPr lang="zh-CN" altLang="en-US" dirty="0" smtClean="0">
-                <a:latin typeface="仿宋_GB2312" pitchFamily="49" charset="-122"/>
-                <a:ea typeface="仿宋_GB2312" pitchFamily="49" charset="-122"/>
-              </a:rPr>
-              <a:t>不同。</a:t>
-            </a:r>
-          </a:p>
-        </p:txBody>
-      </p:sp>
-      <p:graphicFrame>
-        <p:nvGraphicFramePr>
-          <p:cNvPr id="228356" name="Group 4"/>
-          <p:cNvGraphicFramePr>
-            <a:graphicFrameLocks noGrp="1"/>
-          </p:cNvGraphicFramePr>
-          <p:nvPr>
-            <p:ph sz="half" idx="1"/>
-          </p:nvPr>
-        </p:nvGraphicFramePr>
-        <p:xfrm>
-          <a:off x="1547813" y="3505200"/>
-          <a:ext cx="6408737" cy="1981200"/>
-        </p:xfrm>
-        <a:graphic>
-          <a:graphicData uri="http://schemas.openxmlformats.org/drawingml/2006/table">
-            <a:tbl>
-              <a:tblPr/>
-              <a:tblGrid>
-                <a:gridCol w="1373187"/>
-                <a:gridCol w="5035550"/>
-              </a:tblGrid>
-              <a:tr h="274638">
-                <a:tc>
-                  <a:txBody>
-                    <a:bodyPr/>
-                    <a:lstStyle/>
-                    <a:p>
-                      <a:pPr marL="0" marR="0" lvl="0" indent="0" algn="ctr" defTabSz="914400" rtl="0" eaLnBrk="1" fontAlgn="base" latinLnBrk="1" hangingPunct="1">
-                        <a:spcBef>
-                          <a:spcPct val="0"/>
-                        </a:spcBef>
-                        <a:spcAft>
-                          <a:spcPct val="0"/>
-                        </a:spcAft>
-                        <a:buClrTx/>
-                        <a:buSzTx/>
-                        <a:buFontTx/>
-                        <a:buNone/>
-                      </a:pPr>
-                      <a:r>
-                        <a:rPr kumimoji="1" lang="zh-CN" altLang="en-US" sz="2000" b="0" i="0" u="none" strike="noStrike" cap="none" normalizeH="0" baseline="0" dirty="0" smtClean="0">
-                          <a:ln>
-                            <a:noFill/>
-                          </a:ln>
-                          <a:solidFill>
-                            <a:schemeClr val="tx1"/>
-                          </a:solidFill>
-                          <a:effectLst/>
-                          <a:latin typeface="Times New Roman" pitchFamily="18" charset="0"/>
-                          <a:ea typeface="宋体" pitchFamily="2" charset="-122"/>
-                        </a:rPr>
-                        <a:t>热 键</a:t>
-                      </a:r>
-                      <a:endParaRPr kumimoji="1" lang="zh-CN" altLang="en-US" sz="2000" b="0" i="0" u="none" strike="noStrike" cap="none" normalizeH="0" baseline="0" dirty="0" smtClean="0">
-                        <a:ln>
-                          <a:noFill/>
-                        </a:ln>
-                        <a:solidFill>
-                          <a:schemeClr val="tx1"/>
-                        </a:solidFill>
-                        <a:effectLst/>
-                        <a:latin typeface="굴림" pitchFamily="34" charset="-127"/>
-                        <a:ea typeface="宋体" pitchFamily="2" charset="-122"/>
-                      </a:endParaRPr>
-                    </a:p>
-                  </a:txBody>
-                  <a:tcPr horzOverflow="overflow">
-                    <a:lnL w="12700" cap="flat" cmpd="sng" algn="ctr">
-                      <a:solidFill>
-                        <a:srgbClr val="000000"/>
-                      </a:solidFill>
-                      <a:prstDash val="solid"/>
-                      <a:round/>
-                      <a:headEnd type="none" w="med" len="med"/>
-                      <a:tailEnd type="none" w="med" len="med"/>
-                    </a:lnL>
-                    <a:lnR w="12700" cap="flat" cmpd="sng" algn="ctr">
-                      <a:solidFill>
-                        <a:srgbClr val="000000"/>
-                      </a:solidFill>
-                      <a:prstDash val="solid"/>
-                      <a:round/>
-                      <a:headEnd type="none" w="med" len="med"/>
-                      <a:tailEnd type="none" w="med" len="med"/>
-                    </a:lnR>
-                    <a:lnT w="12700" cap="flat" cmpd="sng" algn="ctr">
-                      <a:solidFill>
-                        <a:srgbClr val="000000"/>
-                      </a:solidFill>
-                      <a:prstDash val="solid"/>
-                      <a:round/>
-                      <a:headEnd type="none" w="med" len="med"/>
-                      <a:tailEnd type="none" w="med" len="med"/>
-                    </a:lnT>
-                    <a:lnB w="12700" cap="flat" cmpd="sng" algn="ctr">
-                      <a:solidFill>
-                        <a:srgbClr val="000000"/>
-                      </a:solidFill>
-                      <a:prstDash val="solid"/>
-                      <a:round/>
-                      <a:headEnd type="none" w="med" len="med"/>
-                      <a:tailEnd type="none" w="med" len="med"/>
-                    </a:lnB>
-                    <a:lnTlToBr>
-                      <a:noFill/>
-                    </a:lnTlToBr>
-                    <a:lnBlToTr>
-                      <a:noFill/>
-                    </a:lnBlToTr>
-                    <a:noFill/>
-                  </a:tcPr>
-                </a:tc>
-                <a:tc>
-                  <a:txBody>
-                    <a:bodyPr/>
-                    <a:lstStyle/>
-                    <a:p>
-                      <a:pPr marL="0" marR="0" lvl="0" indent="0" algn="ctr" defTabSz="914400" rtl="0" eaLnBrk="1" fontAlgn="base" latinLnBrk="1" hangingPunct="1">
-                        <a:spcBef>
-                          <a:spcPct val="0"/>
-                        </a:spcBef>
-                        <a:spcAft>
-                          <a:spcPct val="0"/>
-                        </a:spcAft>
-                        <a:buClrTx/>
-                        <a:buSzTx/>
-                        <a:buFontTx/>
-                        <a:buNone/>
-                      </a:pPr>
-                      <a:r>
-                        <a:rPr kumimoji="1" lang="zh-CN" altLang="en-US" sz="2000" b="0" i="0" u="none" strike="noStrike" cap="none" normalizeH="0" baseline="0" smtClean="0">
-                          <a:ln>
-                            <a:noFill/>
-                          </a:ln>
-                          <a:solidFill>
-                            <a:schemeClr val="tx1"/>
-                          </a:solidFill>
-                          <a:effectLst/>
-                          <a:latin typeface="Times New Roman" pitchFamily="18" charset="0"/>
-                          <a:ea typeface="宋体" pitchFamily="2" charset="-122"/>
-                        </a:rPr>
-                        <a:t>功  能</a:t>
-                      </a:r>
-                      <a:endParaRPr kumimoji="1" lang="zh-CN" altLang="en-US" sz="2000" b="0" i="0" u="none" strike="noStrike" cap="none" normalizeH="0" baseline="0" smtClean="0">
-                        <a:ln>
-                          <a:noFill/>
-                        </a:ln>
-                        <a:solidFill>
-                          <a:schemeClr val="tx1"/>
-                        </a:solidFill>
-                        <a:effectLst/>
-                        <a:latin typeface="굴림" pitchFamily="34" charset="-127"/>
-                        <a:ea typeface="宋体" pitchFamily="2" charset="-122"/>
-                      </a:endParaRPr>
-                    </a:p>
-                  </a:txBody>
-                  <a:tcPr horzOverflow="overflow">
-                    <a:lnL w="12700" cap="flat" cmpd="sng" algn="ctr">
-                      <a:solidFill>
-                        <a:srgbClr val="000000"/>
-                      </a:solidFill>
-                      <a:prstDash val="solid"/>
-                      <a:round/>
-                      <a:headEnd type="none" w="med" len="med"/>
-                      <a:tailEnd type="none" w="med" len="med"/>
-                    </a:lnL>
-                    <a:lnR w="12700" cap="flat" cmpd="sng" algn="ctr">
-                      <a:solidFill>
-                        <a:srgbClr val="000000"/>
-                      </a:solidFill>
-                      <a:prstDash val="solid"/>
-                      <a:round/>
-                      <a:headEnd type="none" w="med" len="med"/>
-                      <a:tailEnd type="none" w="med" len="med"/>
-                    </a:lnR>
-                    <a:lnT w="12700" cap="flat" cmpd="sng" algn="ctr">
-                      <a:solidFill>
-                        <a:srgbClr val="000000"/>
-                      </a:solidFill>
-                      <a:prstDash val="solid"/>
-                      <a:round/>
-                      <a:headEnd type="none" w="med" len="med"/>
-                      <a:tailEnd type="none" w="med" len="med"/>
-                    </a:lnT>
-                    <a:lnB w="12700" cap="flat" cmpd="sng" algn="ctr">
-                      <a:solidFill>
-                        <a:srgbClr val="000000"/>
-                      </a:solidFill>
-                      <a:prstDash val="solid"/>
-                      <a:round/>
-                      <a:headEnd type="none" w="med" len="med"/>
-                      <a:tailEnd type="none" w="med" len="med"/>
-                    </a:lnB>
-                    <a:lnTlToBr>
-                      <a:noFill/>
-                    </a:lnTlToBr>
-                    <a:lnBlToTr>
-                      <a:noFill/>
-                    </a:lnBlToTr>
-                    <a:noFill/>
-                  </a:tcPr>
-                </a:tc>
-              </a:tr>
-              <a:tr h="274638">
-                <a:tc>
-                  <a:txBody>
-                    <a:bodyPr/>
-                    <a:lstStyle/>
-                    <a:p>
-                      <a:pPr marL="0" marR="0" lvl="0" indent="0" algn="ctr" defTabSz="914400" rtl="0" eaLnBrk="1" fontAlgn="base" latinLnBrk="1" hangingPunct="1">
-                        <a:spcBef>
-                          <a:spcPct val="0"/>
-                        </a:spcBef>
-                        <a:spcAft>
-                          <a:spcPct val="0"/>
-                        </a:spcAft>
-                        <a:buClrTx/>
-                        <a:buSzTx/>
-                        <a:buFontTx/>
-                        <a:buNone/>
-                      </a:pPr>
-                      <a:r>
-                        <a:rPr kumimoji="1" lang="en-US" altLang="zh-CN" sz="2000" b="0" i="0" u="none" strike="noStrike" cap="none" normalizeH="0" baseline="0" dirty="0" smtClean="0">
-                          <a:ln>
-                            <a:noFill/>
-                          </a:ln>
-                          <a:solidFill>
-                            <a:schemeClr val="tx1"/>
-                          </a:solidFill>
-                          <a:effectLst/>
-                          <a:latin typeface="仿宋_GB2312" pitchFamily="49" charset="-122"/>
-                          <a:ea typeface="仿宋_GB2312" pitchFamily="49" charset="-122"/>
-                        </a:rPr>
-                        <a:t>?</a:t>
-                      </a:r>
-                      <a:r>
-                        <a:rPr kumimoji="1" lang="zh-CN" altLang="en-US" sz="2000" b="0" i="0" u="none" strike="noStrike" cap="none" normalizeH="0" baseline="0" dirty="0" smtClean="0">
-                          <a:ln>
-                            <a:noFill/>
-                          </a:ln>
-                          <a:solidFill>
-                            <a:schemeClr val="tx1"/>
-                          </a:solidFill>
-                          <a:effectLst/>
-                          <a:latin typeface="仿宋_GB2312" pitchFamily="49" charset="-122"/>
-                          <a:ea typeface="仿宋_GB2312" pitchFamily="49" charset="-122"/>
-                        </a:rPr>
-                        <a:t>字符串</a:t>
-                      </a:r>
-                    </a:p>
-                  </a:txBody>
-                  <a:tcPr horzOverflow="overflow">
-                    <a:lnL w="12700" cap="flat" cmpd="sng" algn="ctr">
-                      <a:solidFill>
-                        <a:srgbClr val="000000"/>
-                      </a:solidFill>
-                      <a:prstDash val="solid"/>
-                      <a:round/>
-                      <a:headEnd type="none" w="med" len="med"/>
-                      <a:tailEnd type="none" w="med" len="med"/>
-                    </a:lnL>
-                    <a:lnR w="12700" cap="flat" cmpd="sng" algn="ctr">
-                      <a:solidFill>
-                        <a:srgbClr val="000000"/>
-                      </a:solidFill>
-                      <a:prstDash val="solid"/>
-                      <a:round/>
-                      <a:headEnd type="none" w="med" len="med"/>
-                      <a:tailEnd type="none" w="med" len="med"/>
-                    </a:lnR>
-                    <a:lnT w="12700" cap="flat" cmpd="sng" algn="ctr">
-                      <a:solidFill>
-                        <a:srgbClr val="000000"/>
-                      </a:solidFill>
-                      <a:prstDash val="solid"/>
-                      <a:round/>
-                      <a:headEnd type="none" w="med" len="med"/>
-                      <a:tailEnd type="none" w="med" len="med"/>
-                    </a:lnT>
-                    <a:lnB w="12700" cap="flat" cmpd="sng" algn="ctr">
-                      <a:solidFill>
-                        <a:srgbClr val="000000"/>
-                      </a:solidFill>
-                      <a:prstDash val="solid"/>
-                      <a:round/>
-                      <a:headEnd type="none" w="med" len="med"/>
-                      <a:tailEnd type="none" w="med" len="med"/>
-                    </a:lnB>
-                    <a:lnTlToBr>
-                      <a:noFill/>
-                    </a:lnTlToBr>
-                    <a:lnBlToTr>
-                      <a:noFill/>
-                    </a:lnBlToTr>
-                    <a:noFill/>
-                  </a:tcPr>
-                </a:tc>
-                <a:tc>
-                  <a:txBody>
-                    <a:bodyPr/>
-                    <a:lstStyle/>
-                    <a:p>
-                      <a:pPr marL="0" marR="0" lvl="0" indent="0" algn="l" defTabSz="914400" rtl="0" eaLnBrk="1" fontAlgn="base" latinLnBrk="1" hangingPunct="1">
-                        <a:spcBef>
-                          <a:spcPct val="0"/>
-                        </a:spcBef>
-                        <a:spcAft>
-                          <a:spcPct val="0"/>
-                        </a:spcAft>
-                        <a:buClrTx/>
-                        <a:buSzTx/>
-                        <a:buFontTx/>
-                        <a:buNone/>
-                      </a:pPr>
-                      <a:r>
-                        <a:rPr kumimoji="1" lang="zh-CN" altLang="en-US" sz="2000" b="0" i="0" u="none" strike="noStrike" cap="none" normalizeH="0" baseline="0" smtClean="0">
-                          <a:ln>
-                            <a:noFill/>
-                          </a:ln>
-                          <a:solidFill>
-                            <a:schemeClr val="tx1"/>
-                          </a:solidFill>
-                          <a:effectLst/>
-                          <a:latin typeface="仿宋_GB2312" pitchFamily="49" charset="-122"/>
-                          <a:ea typeface="仿宋_GB2312" pitchFamily="49" charset="-122"/>
-                        </a:rPr>
-                        <a:t>从当前光标位置开始向后查找字符串</a:t>
-                      </a:r>
-                    </a:p>
-                  </a:txBody>
-                  <a:tcPr horzOverflow="overflow">
-                    <a:lnL w="12700" cap="flat" cmpd="sng" algn="ctr">
-                      <a:solidFill>
-                        <a:srgbClr val="000000"/>
-                      </a:solidFill>
-                      <a:prstDash val="solid"/>
-                      <a:round/>
-                      <a:headEnd type="none" w="med" len="med"/>
-                      <a:tailEnd type="none" w="med" len="med"/>
-                    </a:lnL>
-                    <a:lnR w="12700" cap="flat" cmpd="sng" algn="ctr">
-                      <a:solidFill>
-                        <a:srgbClr val="000000"/>
-                      </a:solidFill>
-                      <a:prstDash val="solid"/>
-                      <a:round/>
-                      <a:headEnd type="none" w="med" len="med"/>
-                      <a:tailEnd type="none" w="med" len="med"/>
-                    </a:lnR>
-                    <a:lnT w="12700" cap="flat" cmpd="sng" algn="ctr">
-                      <a:solidFill>
-                        <a:srgbClr val="000000"/>
-                      </a:solidFill>
-                      <a:prstDash val="solid"/>
-                      <a:round/>
-                      <a:headEnd type="none" w="med" len="med"/>
-                      <a:tailEnd type="none" w="med" len="med"/>
-                    </a:lnT>
-                    <a:lnB w="12700" cap="flat" cmpd="sng" algn="ctr">
-                      <a:solidFill>
-                        <a:srgbClr val="000000"/>
-                      </a:solidFill>
-                      <a:prstDash val="solid"/>
-                      <a:round/>
-                      <a:headEnd type="none" w="med" len="med"/>
-                      <a:tailEnd type="none" w="med" len="med"/>
-                    </a:lnB>
-                    <a:lnTlToBr>
-                      <a:noFill/>
-                    </a:lnTlToBr>
-                    <a:lnBlToTr>
-                      <a:noFill/>
-                    </a:lnBlToTr>
-                    <a:noFill/>
-                  </a:tcPr>
-                </a:tc>
-              </a:tr>
-              <a:tr h="273050">
-                <a:tc>
-                  <a:txBody>
-                    <a:bodyPr/>
-                    <a:lstStyle/>
-                    <a:p>
-                      <a:pPr marL="0" marR="0" lvl="0" indent="0" algn="ctr" defTabSz="914400" rtl="0" eaLnBrk="1" fontAlgn="base" latinLnBrk="1" hangingPunct="1">
-                        <a:spcBef>
-                          <a:spcPct val="0"/>
-                        </a:spcBef>
-                        <a:spcAft>
-                          <a:spcPct val="0"/>
-                        </a:spcAft>
-                        <a:buClrTx/>
-                        <a:buSzTx/>
-                        <a:buFontTx/>
-                        <a:buNone/>
-                      </a:pPr>
-                      <a:r>
-                        <a:rPr kumimoji="1" lang="en-US" altLang="zh-CN" sz="2000" b="0" i="0" u="none" strike="noStrike" cap="none" normalizeH="0" baseline="0" dirty="0" smtClean="0">
-                          <a:ln>
-                            <a:noFill/>
-                          </a:ln>
-                          <a:solidFill>
-                            <a:schemeClr val="tx1"/>
-                          </a:solidFill>
-                          <a:effectLst/>
-                          <a:latin typeface="仿宋_GB2312" pitchFamily="49" charset="-122"/>
-                          <a:ea typeface="仿宋_GB2312" pitchFamily="49" charset="-122"/>
-                        </a:rPr>
-                        <a:t>/</a:t>
-                      </a:r>
-                      <a:r>
-                        <a:rPr kumimoji="1" lang="zh-CN" altLang="en-US" sz="2000" b="0" i="0" u="none" strike="noStrike" cap="none" normalizeH="0" baseline="0" dirty="0" smtClean="0">
-                          <a:ln>
-                            <a:noFill/>
-                          </a:ln>
-                          <a:solidFill>
-                            <a:schemeClr val="tx1"/>
-                          </a:solidFill>
-                          <a:effectLst/>
-                          <a:latin typeface="仿宋_GB2312" pitchFamily="49" charset="-122"/>
-                          <a:ea typeface="仿宋_GB2312" pitchFamily="49" charset="-122"/>
-                        </a:rPr>
-                        <a:t>字符串</a:t>
-                      </a:r>
-                    </a:p>
-                  </a:txBody>
-                  <a:tcPr horzOverflow="overflow">
-                    <a:lnL w="12700" cap="flat" cmpd="sng" algn="ctr">
-                      <a:solidFill>
-                        <a:srgbClr val="000000"/>
-                      </a:solidFill>
-                      <a:prstDash val="solid"/>
-                      <a:round/>
-                      <a:headEnd type="none" w="med" len="med"/>
-                      <a:tailEnd type="none" w="med" len="med"/>
-                    </a:lnL>
-                    <a:lnR w="12700" cap="flat" cmpd="sng" algn="ctr">
-                      <a:solidFill>
-                        <a:srgbClr val="000000"/>
-                      </a:solidFill>
-                      <a:prstDash val="solid"/>
-                      <a:round/>
-                      <a:headEnd type="none" w="med" len="med"/>
-                      <a:tailEnd type="none" w="med" len="med"/>
-                    </a:lnR>
-                    <a:lnT w="12700" cap="flat" cmpd="sng" algn="ctr">
-                      <a:solidFill>
-                        <a:srgbClr val="000000"/>
-                      </a:solidFill>
-                      <a:prstDash val="solid"/>
-                      <a:round/>
-                      <a:headEnd type="none" w="med" len="med"/>
-                      <a:tailEnd type="none" w="med" len="med"/>
-                    </a:lnT>
-                    <a:lnB w="12700" cap="flat" cmpd="sng" algn="ctr">
-                      <a:solidFill>
-                        <a:srgbClr val="000000"/>
-                      </a:solidFill>
-                      <a:prstDash val="solid"/>
-                      <a:round/>
-                      <a:headEnd type="none" w="med" len="med"/>
-                      <a:tailEnd type="none" w="med" len="med"/>
-                    </a:lnB>
-                    <a:lnTlToBr>
-                      <a:noFill/>
-                    </a:lnTlToBr>
-                    <a:lnBlToTr>
-                      <a:noFill/>
-                    </a:lnBlToTr>
-                    <a:noFill/>
-                  </a:tcPr>
-                </a:tc>
-                <a:tc>
-                  <a:txBody>
-                    <a:bodyPr/>
-                    <a:lstStyle/>
-                    <a:p>
-                      <a:pPr marL="0" marR="0" lvl="0" indent="0" algn="l" defTabSz="914400" rtl="0" eaLnBrk="1" fontAlgn="base" latinLnBrk="1" hangingPunct="1">
-                        <a:spcBef>
-                          <a:spcPct val="0"/>
-                        </a:spcBef>
-                        <a:spcAft>
-                          <a:spcPct val="0"/>
-                        </a:spcAft>
-                        <a:buClrTx/>
-                        <a:buSzTx/>
-                        <a:buFontTx/>
-                        <a:buNone/>
-                      </a:pPr>
-                      <a:r>
-                        <a:rPr kumimoji="1" lang="zh-CN" altLang="en-US" sz="2000" b="0" i="0" u="none" strike="noStrike" cap="none" normalizeH="0" baseline="0" dirty="0" smtClean="0">
-                          <a:ln>
-                            <a:noFill/>
-                          </a:ln>
-                          <a:solidFill>
-                            <a:schemeClr val="tx1"/>
-                          </a:solidFill>
-                          <a:effectLst/>
-                          <a:latin typeface="仿宋_GB2312" pitchFamily="49" charset="-122"/>
-                          <a:ea typeface="仿宋_GB2312" pitchFamily="49" charset="-122"/>
-                        </a:rPr>
-                        <a:t>从当前光标位置开始向前查找字符串</a:t>
-                      </a:r>
-                    </a:p>
-                  </a:txBody>
-                  <a:tcPr horzOverflow="overflow">
-                    <a:lnL w="12700" cap="flat" cmpd="sng" algn="ctr">
-                      <a:solidFill>
-                        <a:srgbClr val="000000"/>
-                      </a:solidFill>
-                      <a:prstDash val="solid"/>
-                      <a:round/>
-                      <a:headEnd type="none" w="med" len="med"/>
-                      <a:tailEnd type="none" w="med" len="med"/>
-                    </a:lnL>
-                    <a:lnR w="12700" cap="flat" cmpd="sng" algn="ctr">
-                      <a:solidFill>
-                        <a:srgbClr val="000000"/>
-                      </a:solidFill>
-                      <a:prstDash val="solid"/>
-                      <a:round/>
-                      <a:headEnd type="none" w="med" len="med"/>
-                      <a:tailEnd type="none" w="med" len="med"/>
-                    </a:lnR>
-                    <a:lnT w="12700" cap="flat" cmpd="sng" algn="ctr">
-                      <a:solidFill>
-                        <a:srgbClr val="000000"/>
-                      </a:solidFill>
-                      <a:prstDash val="solid"/>
-                      <a:round/>
-                      <a:headEnd type="none" w="med" len="med"/>
-                      <a:tailEnd type="none" w="med" len="med"/>
-                    </a:lnT>
-                    <a:lnB w="12700" cap="flat" cmpd="sng" algn="ctr">
-                      <a:solidFill>
-                        <a:srgbClr val="000000"/>
-                      </a:solidFill>
-                      <a:prstDash val="solid"/>
-                      <a:round/>
-                      <a:headEnd type="none" w="med" len="med"/>
-                      <a:tailEnd type="none" w="med" len="med"/>
-                    </a:lnB>
-                    <a:lnTlToBr>
-                      <a:noFill/>
-                    </a:lnTlToBr>
-                    <a:lnBlToTr>
-                      <a:noFill/>
-                    </a:lnBlToTr>
-                    <a:noFill/>
-                  </a:tcPr>
-                </a:tc>
-              </a:tr>
-              <a:tr h="274638">
-                <a:tc>
-                  <a:txBody>
-                    <a:bodyPr/>
-                    <a:lstStyle/>
-                    <a:p>
-                      <a:pPr marL="0" marR="0" lvl="0" indent="0" algn="ctr" defTabSz="914400" rtl="0" eaLnBrk="1" fontAlgn="base" latinLnBrk="1" hangingPunct="1">
-                        <a:spcBef>
-                          <a:spcPct val="0"/>
-                        </a:spcBef>
-                        <a:spcAft>
-                          <a:spcPct val="0"/>
-                        </a:spcAft>
-                        <a:buClrTx/>
-                        <a:buSzTx/>
-                        <a:buFontTx/>
-                        <a:buNone/>
-                      </a:pPr>
-                      <a:r>
-                        <a:rPr kumimoji="1" lang="en-US" altLang="zh-CN" sz="2000" b="0" i="0" u="none" strike="noStrike" cap="none" normalizeH="0" baseline="0" smtClean="0">
-                          <a:ln>
-                            <a:noFill/>
-                          </a:ln>
-                          <a:solidFill>
-                            <a:schemeClr val="tx1"/>
-                          </a:solidFill>
-                          <a:effectLst/>
-                          <a:latin typeface="仿宋_GB2312" pitchFamily="49" charset="-122"/>
-                          <a:ea typeface="仿宋_GB2312" pitchFamily="49" charset="-122"/>
-                        </a:rPr>
-                        <a:t>n</a:t>
-                      </a:r>
-                    </a:p>
-                  </a:txBody>
-                  <a:tcPr horzOverflow="overflow">
-                    <a:lnL w="12700" cap="flat" cmpd="sng" algn="ctr">
-                      <a:solidFill>
-                        <a:srgbClr val="000000"/>
-                      </a:solidFill>
-                      <a:prstDash val="solid"/>
-                      <a:round/>
-                      <a:headEnd type="none" w="med" len="med"/>
-                      <a:tailEnd type="none" w="med" len="med"/>
-                    </a:lnL>
-                    <a:lnR w="12700" cap="flat" cmpd="sng" algn="ctr">
-                      <a:solidFill>
-                        <a:srgbClr val="000000"/>
-                      </a:solidFill>
-                      <a:prstDash val="solid"/>
-                      <a:round/>
-                      <a:headEnd type="none" w="med" len="med"/>
-                      <a:tailEnd type="none" w="med" len="med"/>
-                    </a:lnR>
-                    <a:lnT w="12700" cap="flat" cmpd="sng" algn="ctr">
-                      <a:solidFill>
-                        <a:srgbClr val="000000"/>
-                      </a:solidFill>
-                      <a:prstDash val="solid"/>
-                      <a:round/>
-                      <a:headEnd type="none" w="med" len="med"/>
-                      <a:tailEnd type="none" w="med" len="med"/>
-                    </a:lnT>
-                    <a:lnB w="12700" cap="flat" cmpd="sng" algn="ctr">
-                      <a:solidFill>
-                        <a:srgbClr val="000000"/>
-                      </a:solidFill>
-                      <a:prstDash val="solid"/>
-                      <a:round/>
-                      <a:headEnd type="none" w="med" len="med"/>
-                      <a:tailEnd type="none" w="med" len="med"/>
-                    </a:lnB>
-                    <a:lnTlToBr>
-                      <a:noFill/>
-                    </a:lnTlToBr>
-                    <a:lnBlToTr>
-                      <a:noFill/>
-                    </a:lnBlToTr>
-                    <a:noFill/>
-                  </a:tcPr>
-                </a:tc>
-                <a:tc>
-                  <a:txBody>
-                    <a:bodyPr/>
-                    <a:lstStyle/>
-                    <a:p>
-                      <a:pPr marL="0" marR="0" lvl="0" indent="0" algn="l" defTabSz="914400" rtl="0" eaLnBrk="1" fontAlgn="base" latinLnBrk="1" hangingPunct="1">
-                        <a:spcBef>
-                          <a:spcPct val="0"/>
-                        </a:spcBef>
-                        <a:spcAft>
-                          <a:spcPct val="0"/>
-                        </a:spcAft>
-                        <a:buClrTx/>
-                        <a:buSzTx/>
-                        <a:buFontTx/>
-                        <a:buNone/>
-                      </a:pPr>
-                      <a:r>
-                        <a:rPr kumimoji="1" lang="zh-CN" altLang="en-US" sz="2000" b="0" i="0" u="none" strike="noStrike" cap="none" normalizeH="0" baseline="0" dirty="0" smtClean="0">
-                          <a:ln>
-                            <a:noFill/>
-                          </a:ln>
-                          <a:solidFill>
-                            <a:schemeClr val="tx1"/>
-                          </a:solidFill>
-                          <a:effectLst/>
-                          <a:latin typeface="仿宋_GB2312" pitchFamily="49" charset="-122"/>
-                          <a:ea typeface="仿宋_GB2312" pitchFamily="49" charset="-122"/>
-                        </a:rPr>
-                        <a:t>继续上一次查找</a:t>
-                      </a:r>
-                    </a:p>
-                  </a:txBody>
-                  <a:tcPr horzOverflow="overflow">
-                    <a:lnL w="12700" cap="flat" cmpd="sng" algn="ctr">
-                      <a:solidFill>
-                        <a:srgbClr val="000000"/>
-                      </a:solidFill>
-                      <a:prstDash val="solid"/>
-                      <a:round/>
-                      <a:headEnd type="none" w="med" len="med"/>
-                      <a:tailEnd type="none" w="med" len="med"/>
-                    </a:lnL>
-                    <a:lnR w="12700" cap="flat" cmpd="sng" algn="ctr">
-                      <a:solidFill>
-                        <a:srgbClr val="000000"/>
-                      </a:solidFill>
-                      <a:prstDash val="solid"/>
-                      <a:round/>
-                      <a:headEnd type="none" w="med" len="med"/>
-                      <a:tailEnd type="none" w="med" len="med"/>
-                    </a:lnR>
-                    <a:lnT w="12700" cap="flat" cmpd="sng" algn="ctr">
-                      <a:solidFill>
-                        <a:srgbClr val="000000"/>
-                      </a:solidFill>
-                      <a:prstDash val="solid"/>
-                      <a:round/>
-                      <a:headEnd type="none" w="med" len="med"/>
-                      <a:tailEnd type="none" w="med" len="med"/>
-                    </a:lnT>
-                    <a:lnB w="12700" cap="flat" cmpd="sng" algn="ctr">
-                      <a:solidFill>
-                        <a:srgbClr val="000000"/>
-                      </a:solidFill>
-                      <a:prstDash val="solid"/>
-                      <a:round/>
-                      <a:headEnd type="none" w="med" len="med"/>
-                      <a:tailEnd type="none" w="med" len="med"/>
-                    </a:lnB>
-                    <a:lnTlToBr>
-                      <a:noFill/>
-                    </a:lnTlToBr>
-                    <a:lnBlToTr>
-                      <a:noFill/>
-                    </a:lnBlToTr>
-                    <a:noFill/>
-                  </a:tcPr>
-                </a:tc>
-              </a:tr>
-              <a:tr h="274638">
-                <a:tc>
-                  <a:txBody>
-                    <a:bodyPr/>
-                    <a:lstStyle/>
-                    <a:p>
-                      <a:pPr marL="0" marR="0" lvl="0" indent="0" algn="ctr" defTabSz="914400" rtl="0" eaLnBrk="1" fontAlgn="base" latinLnBrk="1" hangingPunct="1">
-                        <a:spcBef>
-                          <a:spcPct val="0"/>
-                        </a:spcBef>
-                        <a:spcAft>
-                          <a:spcPct val="0"/>
-                        </a:spcAft>
-                        <a:buClrTx/>
-                        <a:buSzTx/>
-                        <a:buFontTx/>
-                        <a:buNone/>
-                      </a:pPr>
-                      <a:r>
-                        <a:rPr kumimoji="1" lang="en-US" altLang="zh-CN" sz="2000" b="0" i="0" u="none" strike="noStrike" cap="none" normalizeH="0" baseline="0" smtClean="0">
-                          <a:ln>
-                            <a:noFill/>
-                          </a:ln>
-                          <a:solidFill>
-                            <a:schemeClr val="tx1"/>
-                          </a:solidFill>
-                          <a:effectLst/>
-                          <a:latin typeface="仿宋_GB2312" pitchFamily="49" charset="-122"/>
-                          <a:ea typeface="仿宋_GB2312" pitchFamily="49" charset="-122"/>
-                        </a:rPr>
-                        <a:t>Shift+n</a:t>
-                      </a:r>
-                    </a:p>
-                  </a:txBody>
-                  <a:tcPr horzOverflow="overflow">
-                    <a:lnL w="12700" cap="flat" cmpd="sng" algn="ctr">
-                      <a:solidFill>
-                        <a:srgbClr val="000000"/>
-                      </a:solidFill>
-                      <a:prstDash val="solid"/>
-                      <a:round/>
-                      <a:headEnd type="none" w="med" len="med"/>
-                      <a:tailEnd type="none" w="med" len="med"/>
-                    </a:lnL>
-                    <a:lnR w="12700" cap="flat" cmpd="sng" algn="ctr">
-                      <a:solidFill>
-                        <a:srgbClr val="000000"/>
-                      </a:solidFill>
-                      <a:prstDash val="solid"/>
-                      <a:round/>
-                      <a:headEnd type="none" w="med" len="med"/>
-                      <a:tailEnd type="none" w="med" len="med"/>
-                    </a:lnR>
-                    <a:lnT w="12700" cap="flat" cmpd="sng" algn="ctr">
-                      <a:solidFill>
-                        <a:srgbClr val="000000"/>
-                      </a:solidFill>
-                      <a:prstDash val="solid"/>
-                      <a:round/>
-                      <a:headEnd type="none" w="med" len="med"/>
-                      <a:tailEnd type="none" w="med" len="med"/>
-                    </a:lnT>
-                    <a:lnB w="12700" cap="flat" cmpd="sng" algn="ctr">
-                      <a:solidFill>
-                        <a:srgbClr val="000000"/>
-                      </a:solidFill>
-                      <a:prstDash val="solid"/>
-                      <a:round/>
-                      <a:headEnd type="none" w="med" len="med"/>
-                      <a:tailEnd type="none" w="med" len="med"/>
-                    </a:lnB>
-                    <a:lnTlToBr>
-                      <a:noFill/>
-                    </a:lnTlToBr>
-                    <a:lnBlToTr>
-                      <a:noFill/>
-                    </a:lnBlToTr>
-                    <a:noFill/>
-                  </a:tcPr>
-                </a:tc>
-                <a:tc>
-                  <a:txBody>
-                    <a:bodyPr/>
-                    <a:lstStyle/>
-                    <a:p>
-                      <a:pPr marL="0" marR="0" lvl="0" indent="0" algn="l" defTabSz="914400" rtl="0" eaLnBrk="1" fontAlgn="base" latinLnBrk="1" hangingPunct="1">
-                        <a:spcBef>
-                          <a:spcPct val="0"/>
-                        </a:spcBef>
-                        <a:spcAft>
-                          <a:spcPct val="0"/>
-                        </a:spcAft>
-                        <a:buClrTx/>
-                        <a:buSzTx/>
-                        <a:buFontTx/>
-                        <a:buNone/>
-                      </a:pPr>
-                      <a:r>
-                        <a:rPr kumimoji="1" lang="zh-CN" altLang="en-US" sz="2000" b="0" i="0" u="none" strike="noStrike" cap="none" normalizeH="0" baseline="0" dirty="0" smtClean="0">
-                          <a:ln>
-                            <a:noFill/>
-                          </a:ln>
-                          <a:solidFill>
-                            <a:schemeClr val="tx1"/>
-                          </a:solidFill>
-                          <a:effectLst/>
-                          <a:latin typeface="仿宋_GB2312" pitchFamily="49" charset="-122"/>
-                          <a:ea typeface="仿宋_GB2312" pitchFamily="49" charset="-122"/>
-                        </a:rPr>
-                        <a:t>以相反的方向继续上一次查找</a:t>
-                      </a:r>
-                    </a:p>
-                  </a:txBody>
-                  <a:tcPr horzOverflow="overflow">
-                    <a:lnL w="12700" cap="flat" cmpd="sng" algn="ctr">
-                      <a:solidFill>
-                        <a:srgbClr val="000000"/>
-                      </a:solidFill>
-                      <a:prstDash val="solid"/>
-                      <a:round/>
-                      <a:headEnd type="none" w="med" len="med"/>
-                      <a:tailEnd type="none" w="med" len="med"/>
-                    </a:lnL>
-                    <a:lnR w="12700" cap="flat" cmpd="sng" algn="ctr">
-                      <a:solidFill>
-                        <a:srgbClr val="000000"/>
-                      </a:solidFill>
-                      <a:prstDash val="solid"/>
-                      <a:round/>
-                      <a:headEnd type="none" w="med" len="med"/>
-                      <a:tailEnd type="none" w="med" len="med"/>
-                    </a:lnR>
-                    <a:lnT w="12700" cap="flat" cmpd="sng" algn="ctr">
-                      <a:solidFill>
-                        <a:srgbClr val="000000"/>
-                      </a:solidFill>
-                      <a:prstDash val="solid"/>
-                      <a:round/>
-                      <a:headEnd type="none" w="med" len="med"/>
-                      <a:tailEnd type="none" w="med" len="med"/>
-                    </a:lnT>
-                    <a:lnB w="12700" cap="flat" cmpd="sng" algn="ctr">
-                      <a:solidFill>
-                        <a:srgbClr val="000000"/>
-                      </a:solidFill>
-                      <a:prstDash val="solid"/>
-                      <a:round/>
-                      <a:headEnd type="none" w="med" len="med"/>
-                      <a:tailEnd type="none" w="med" len="med"/>
-                    </a:lnB>
-                    <a:lnTlToBr>
-                      <a:noFill/>
-                    </a:lnTlToBr>
-                    <a:lnBlToTr>
-                      <a:noFill/>
-                    </a:lnBlToTr>
-                    <a:noFill/>
-                  </a:tcPr>
-                </a:tc>
-              </a:tr>
-            </a:tbl>
-          </a:graphicData>
-        </a:graphic>
-      </p:graphicFrame>
-      <p:sp>
-        <p:nvSpPr>
-          <p:cNvPr id="29718" name="Rectangle 24"/>
-          <p:cNvSpPr>
-            <a:spLocks noChangeArrowheads="1"/>
-          </p:cNvSpPr>
-          <p:nvPr/>
-        </p:nvSpPr>
-        <p:spPr bwMode="auto">
-          <a:xfrm>
-            <a:off x="3924300" y="3068638"/>
-            <a:ext cx="1852613" cy="396875"/>
-          </a:xfrm>
-          <a:prstGeom prst="rect">
-            <a:avLst/>
-          </a:prstGeom>
-          <a:noFill/>
-          <a:ln>
-            <a:noFill/>
-          </a:ln>
-          <a:extLst>
-            <a:ext uri="{909E8E84-426E-40DD-AFC4-6F175D3DCCD1}">
-              <a14:hiddenFill xmlns:a14="http://schemas.microsoft.com/office/drawing/2010/main">
-                <a:solidFill>
-                  <a:srgbClr val="FFFFFF"/>
-                </a:solidFill>
-              </a14:hiddenFill>
-            </a:ext>
-            <a:ext uri="{91240B29-F687-4F45-9708-019B960494DF}">
-              <a14:hiddenLine xmlns:a14="http://schemas.microsoft.com/office/drawing/2010/main" w="7938">
-                <a:solidFill>
-                  <a:srgbClr val="000000"/>
-                </a:solidFill>
-                <a:miter lim="800000"/>
-                <a:headEnd/>
-                <a:tailEnd/>
-              </a14:hiddenLine>
-            </a:ext>
-          </a:extLst>
-        </p:spPr>
-        <p:txBody>
-          <a:bodyPr wrap="none" anchor="ctr">
-            <a:spAutoFit/>
-          </a:bodyPr>
-          <a:lstStyle/>
-          <a:p>
-            <a:r>
-              <a:rPr lang="zh-CN" altLang="en-US" sz="2000">
-                <a:latin typeface="Arial" pitchFamily="34" charset="0"/>
-              </a:rPr>
-              <a:t> </a:t>
-            </a:r>
-            <a:r>
-              <a:rPr lang="en-US" altLang="zh-CN" sz="2000">
-                <a:latin typeface="Arial" pitchFamily="34" charset="0"/>
-              </a:rPr>
-              <a:t>vi</a:t>
-            </a:r>
-            <a:r>
-              <a:rPr lang="zh-CN" altLang="en-US" sz="2000">
-                <a:latin typeface="Arial" pitchFamily="34" charset="0"/>
-              </a:rPr>
-              <a:t>的查找命令 </a:t>
-            </a:r>
-          </a:p>
-        </p:txBody>
-      </p:sp>
-    </p:spTree>
-    <p:extLst>
-      <p:ext uri="{BB962C8B-B14F-4D97-AF65-F5344CB8AC3E}">
-        <p14:creationId xmlns:p14="http://schemas.microsoft.com/office/powerpoint/2010/main" val="1935987347"/>
-      </p:ext>
-    </p:extLst>
-  </p:cSld>
-  <p:clrMapOvr>
-    <a:masterClrMapping/>
-  </p:clrMapOvr>
-  <p:transition spd="med">
-    <p:zoom/>
-  </p:transition>
-</p:sld>
-</file>
-
-<file path=ppt/slides/slide25.xml><?xml version="1.0" encoding="utf-8"?>
 <p:sld xmlns:a="http://schemas.openxmlformats.org/drawingml/2006/main" xmlns:r="http://schemas.openxmlformats.org/officeDocument/2006/relationships" xmlns:p="http://schemas.openxmlformats.org/presentationml/2006/main">
   <p:cSld>
     <p:spTree>
@@ -12090,6 +10218,149 @@
     <p:extLst>
       <p:ext uri="{BB962C8B-B14F-4D97-AF65-F5344CB8AC3E}">
         <p14:creationId xmlns:p14="http://schemas.microsoft.com/office/powerpoint/2010/main" val="1239624790"/>
+      </p:ext>
+    </p:extLst>
+  </p:cSld>
+  <p:clrMapOvr>
+    <a:masterClrMapping/>
+  </p:clrMapOvr>
+  <p:transition spd="med">
+    <p:zoom/>
+  </p:transition>
+</p:sld>
+</file>
+
+<file path=ppt/slides/slide24.xml><?xml version="1.0" encoding="utf-8"?>
+<p:sld xmlns:a="http://schemas.openxmlformats.org/drawingml/2006/main" xmlns:r="http://schemas.openxmlformats.org/officeDocument/2006/relationships" xmlns:p="http://schemas.openxmlformats.org/presentationml/2006/main">
+  <p:cSld>
+    <p:spTree>
+      <p:nvGrpSpPr>
+        <p:cNvPr id="1" name=""/>
+        <p:cNvGrpSpPr/>
+        <p:nvPr/>
+      </p:nvGrpSpPr>
+      <p:grpSpPr>
+        <a:xfrm>
+          <a:off x="0" y="0"/>
+          <a:ext cx="0" cy="0"/>
+          <a:chOff x="0" y="0"/>
+          <a:chExt cx="0" cy="0"/>
+        </a:xfrm>
+      </p:grpSpPr>
+      <p:sp>
+        <p:nvSpPr>
+          <p:cNvPr id="2" name="标题 1"/>
+          <p:cNvSpPr>
+            <a:spLocks noGrp="1"/>
+          </p:cNvSpPr>
+          <p:nvPr>
+            <p:ph type="title"/>
+          </p:nvPr>
+        </p:nvSpPr>
+        <p:spPr/>
+        <p:txBody>
+          <a:bodyPr/>
+          <a:lstStyle/>
+          <a:p>
+            <a:r>
+              <a:rPr lang="en-US" altLang="zh-CN" dirty="0" smtClean="0"/>
+              <a:t>Vim</a:t>
+            </a:r>
+            <a:r>
+              <a:rPr lang="zh-CN" altLang="en-US" dirty="0" smtClean="0"/>
+              <a:t>高级</a:t>
+            </a:r>
+            <a:r>
+              <a:rPr lang="en-US" altLang="zh-CN" dirty="0" smtClean="0"/>
+              <a:t>	</a:t>
+            </a:r>
+            <a:endParaRPr lang="zh-CN" altLang="en-US" dirty="0"/>
+          </a:p>
+        </p:txBody>
+      </p:sp>
+      <p:sp>
+        <p:nvSpPr>
+          <p:cNvPr id="3" name="文本占位符 2"/>
+          <p:cNvSpPr>
+            <a:spLocks noGrp="1"/>
+          </p:cNvSpPr>
+          <p:nvPr>
+            <p:ph type="body" sz="half" idx="1"/>
+          </p:nvPr>
+        </p:nvSpPr>
+        <p:spPr>
+          <a:xfrm>
+            <a:off x="635000" y="1371600"/>
+            <a:ext cx="7825432" cy="4724400"/>
+          </a:xfrm>
+        </p:spPr>
+        <p:txBody>
+          <a:bodyPr/>
+          <a:lstStyle/>
+          <a:p>
+            <a:r>
+              <a:rPr lang="zh-CN" altLang="en-US" dirty="0" smtClean="0"/>
+              <a:t>导入文件</a:t>
+            </a:r>
+            <a:r>
+              <a:rPr lang="en-US" altLang="zh-CN" dirty="0" smtClean="0"/>
+              <a:t>: </a:t>
+            </a:r>
+            <a:r>
+              <a:rPr lang="zh-CN" altLang="en-US" dirty="0" smtClean="0"/>
+              <a:t>编辑模式</a:t>
+            </a:r>
+            <a:r>
+              <a:rPr lang="en-US" altLang="zh-CN" dirty="0" smtClean="0"/>
+              <a:t>:r </a:t>
+            </a:r>
+            <a:r>
+              <a:rPr lang="zh-CN" altLang="en-US" dirty="0" smtClean="0"/>
+              <a:t>文件名</a:t>
+            </a:r>
+            <a:endParaRPr lang="en-US" altLang="zh-CN" dirty="0" smtClean="0"/>
+          </a:p>
+          <a:p>
+            <a:r>
+              <a:rPr lang="zh-CN" altLang="en-US" dirty="0" smtClean="0"/>
+              <a:t>执行命令：编辑模式</a:t>
+            </a:r>
+            <a:r>
+              <a:rPr lang="en-US" altLang="zh-CN" dirty="0" smtClean="0"/>
+              <a:t>!</a:t>
+            </a:r>
+            <a:r>
+              <a:rPr lang="zh-CN" altLang="en-US" dirty="0" smtClean="0"/>
+              <a:t>系统命令名</a:t>
+            </a:r>
+            <a:endParaRPr lang="en-US" altLang="zh-CN" dirty="0" smtClean="0"/>
+          </a:p>
+          <a:p>
+            <a:endParaRPr lang="en-US" altLang="zh-CN" dirty="0"/>
+          </a:p>
+          <a:p>
+            <a:r>
+              <a:rPr lang="zh-CN" altLang="en-US" dirty="0" smtClean="0"/>
+              <a:t>例：</a:t>
+            </a:r>
+            <a:endParaRPr lang="en-US" altLang="zh-CN" dirty="0" smtClean="0"/>
+          </a:p>
+          <a:p>
+            <a:pPr marL="0" indent="0">
+              <a:buNone/>
+            </a:pPr>
+            <a:r>
+              <a:rPr lang="en-US" altLang="zh-CN" dirty="0" smtClean="0"/>
+              <a:t>		        :r ! date </a:t>
+            </a:r>
+            <a:endParaRPr lang="zh-CN" altLang="en-US" dirty="0"/>
+          </a:p>
+        </p:txBody>
+      </p:sp>
+    </p:spTree>
+    <p:extLst>
+      <p:ext uri="{BB962C8B-B14F-4D97-AF65-F5344CB8AC3E}">
+        <p14:creationId xmlns:p14="http://schemas.microsoft.com/office/powerpoint/2010/main" val="2155663128"/>
       </p:ext>
     </p:extLst>
   </p:cSld>
@@ -12363,21 +10634,21 @@
               <a:buChar char="Ø"/>
             </a:pPr>
             <a:r>
-              <a:rPr lang="en-US" altLang="zh-CN" sz="2600" smtClean="0">
+              <a:rPr lang="en-US" altLang="zh-CN" sz="2600" dirty="0" smtClean="0">
                 <a:latin typeface="仿宋_GB2312" pitchFamily="49" charset="-122"/>
                 <a:ea typeface="仿宋_GB2312" pitchFamily="49" charset="-122"/>
               </a:rPr>
               <a:t>vi</a:t>
             </a:r>
             <a:r>
-              <a:rPr lang="zh-CN" altLang="en-US" sz="2600" smtClean="0">
+              <a:rPr lang="zh-CN" altLang="en-US" sz="2600" dirty="0" smtClean="0">
                 <a:latin typeface="仿宋_GB2312" pitchFamily="49" charset="-122"/>
                 <a:ea typeface="仿宋_GB2312" pitchFamily="49" charset="-122"/>
               </a:rPr>
               <a:t>可以执行输出、删除、查找、替换、块操作等众多文本操作，而且用户可以根据自己的需要对其进行定制</a:t>
             </a:r>
             <a:r>
-              <a:rPr lang="en-US" altLang="zh-CN" sz="2600" smtClean="0">
+              <a:rPr lang="en-US" altLang="zh-CN" sz="2600" dirty="0" smtClean="0">
                 <a:latin typeface="仿宋_GB2312" pitchFamily="49" charset="-122"/>
                 <a:ea typeface="仿宋_GB2312" pitchFamily="49" charset="-122"/>
               </a:rPr>
@@ -12393,13 +10664,13 @@
               <a:buChar char="Ø"/>
             </a:pPr>
             <a:r>
-              <a:rPr lang="zh-CN" altLang="en-US" sz="2600" smtClean="0">
+              <a:rPr lang="zh-CN" altLang="en-US" sz="2600" dirty="0" smtClean="0">
                 <a:latin typeface="仿宋_GB2312" pitchFamily="49" charset="-122"/>
                 <a:ea typeface="仿宋_GB2312" pitchFamily="49" charset="-122"/>
               </a:rPr>
               <a:t>只是一个文本编辑器，不能排版</a:t>
             </a:r>
-            <a:endParaRPr lang="en-US" altLang="zh-CN" sz="2600" smtClean="0">
+            <a:endParaRPr lang="en-US" altLang="zh-CN" sz="2600" dirty="0" smtClean="0">
               <a:latin typeface="仿宋_GB2312" pitchFamily="49" charset="-122"/>
               <a:ea typeface="仿宋_GB2312" pitchFamily="49" charset="-122"/>
             </a:endParaRPr>
@@ -12413,20 +10684,20 @@
               <a:buChar char="Ø"/>
             </a:pPr>
             <a:r>
-              <a:rPr lang="en-US" altLang="zh-CN" sz="2600" smtClean="0">
+              <a:rPr lang="en-US" altLang="zh-CN" sz="2600" dirty="0" smtClean="0">
                 <a:latin typeface="仿宋_GB2312" pitchFamily="49" charset="-122"/>
                 <a:ea typeface="仿宋_GB2312" pitchFamily="49" charset="-122"/>
               </a:rPr>
               <a:t>vi</a:t>
             </a:r>
             <a:r>
-              <a:rPr lang="zh-CN" altLang="en-US" sz="2600" smtClean="0">
+              <a:rPr lang="zh-CN" altLang="en-US" sz="2600" dirty="0" smtClean="0">
                 <a:latin typeface="仿宋_GB2312" pitchFamily="49" charset="-122"/>
                 <a:ea typeface="仿宋_GB2312" pitchFamily="49" charset="-122"/>
               </a:rPr>
               <a:t>没有菜单，只有命令 </a:t>
             </a:r>
-            <a:endParaRPr lang="en-US" altLang="zh-CN" sz="2600" smtClean="0">
+            <a:endParaRPr lang="en-US" altLang="zh-CN" sz="2600" dirty="0" smtClean="0">
               <a:latin typeface="仿宋_GB2312" pitchFamily="49" charset="-122"/>
               <a:ea typeface="仿宋_GB2312" pitchFamily="49" charset="-122"/>
             </a:endParaRPr>
@@ -12440,21 +10711,21 @@
               <a:buChar char="Ø"/>
             </a:pPr>
             <a:r>
-              <a:rPr lang="en-US" altLang="zh-CN" sz="2600" smtClean="0">
+              <a:rPr lang="en-US" altLang="zh-CN" sz="2600" dirty="0" smtClean="0">
                 <a:latin typeface="仿宋_GB2312" pitchFamily="49" charset="-122"/>
                 <a:ea typeface="仿宋_GB2312" pitchFamily="49" charset="-122"/>
               </a:rPr>
               <a:t>vi</a:t>
             </a:r>
             <a:r>
-              <a:rPr lang="zh-CN" altLang="en-US" sz="2600" smtClean="0">
+              <a:rPr lang="zh-CN" altLang="en-US" sz="2600" dirty="0" smtClean="0">
                 <a:latin typeface="仿宋_GB2312" pitchFamily="49" charset="-122"/>
                 <a:ea typeface="仿宋_GB2312" pitchFamily="49" charset="-122"/>
               </a:rPr>
               <a:t>有三种基本工作模式，分别是：命令模式（</a:t>
             </a:r>
             <a:r>
-              <a:rPr lang="en-US" altLang="zh-CN" sz="2600" b="1" smtClean="0">
+              <a:rPr lang="en-US" altLang="zh-CN" sz="2600" b="1" dirty="0" smtClean="0">
                 <a:solidFill>
                   <a:srgbClr val="000099"/>
                 </a:solidFill>
@@ -12464,14 +10735,14 @@
               <a:t>command mode</a:t>
             </a:r>
             <a:r>
-              <a:rPr lang="zh-CN" altLang="en-US" sz="2600" smtClean="0">
+              <a:rPr lang="zh-CN" altLang="en-US" sz="2600" dirty="0" smtClean="0">
                 <a:latin typeface="仿宋_GB2312" pitchFamily="49" charset="-122"/>
                 <a:ea typeface="仿宋_GB2312" pitchFamily="49" charset="-122"/>
               </a:rPr>
               <a:t>）、插入模式（</a:t>
             </a:r>
             <a:r>
-              <a:rPr lang="en-US" altLang="zh-CN" sz="2600" b="1" smtClean="0">
+              <a:rPr lang="en-US" altLang="zh-CN" sz="2600" b="1" dirty="0" smtClean="0">
                 <a:solidFill>
                   <a:srgbClr val="000099"/>
                 </a:solidFill>
@@ -12481,21 +10752,35 @@
               <a:t>insert mode</a:t>
             </a:r>
             <a:r>
-              <a:rPr lang="zh-CN" altLang="en-US" sz="2600" smtClean="0">
-                <a:latin typeface="仿宋_GB2312" pitchFamily="49" charset="-122"/>
-                <a:ea typeface="仿宋_GB2312" pitchFamily="49" charset="-122"/>
-              </a:rPr>
-              <a:t>）和底行模式（</a:t>
-            </a:r>
-            <a:r>
-              <a:rPr lang="en-US" altLang="zh-CN" sz="2600" smtClean="0">
+              <a:rPr lang="zh-CN" altLang="en-US" sz="2600" dirty="0" smtClean="0">
+                <a:latin typeface="仿宋_GB2312" pitchFamily="49" charset="-122"/>
+                <a:ea typeface="仿宋_GB2312" pitchFamily="49" charset="-122"/>
+              </a:rPr>
+              <a:t>）和</a:t>
+            </a:r>
+            <a:r>
+              <a:rPr lang="zh-CN" altLang="en-US" sz="2600" dirty="0">
+                <a:latin typeface="仿宋_GB2312" pitchFamily="49" charset="-122"/>
+                <a:ea typeface="仿宋_GB2312" pitchFamily="49" charset="-122"/>
+              </a:rPr>
+              <a:t>末</a:t>
+            </a:r>
+            <a:r>
+              <a:rPr lang="zh-CN" altLang="en-US" sz="2600" dirty="0" smtClean="0">
+                <a:latin typeface="仿宋_GB2312" pitchFamily="49" charset="-122"/>
+                <a:ea typeface="仿宋_GB2312" pitchFamily="49" charset="-122"/>
+              </a:rPr>
+              <a:t>行模式（</a:t>
+            </a:r>
+            <a:r>
+              <a:rPr lang="en-US" altLang="zh-CN" sz="2600" dirty="0" smtClean="0">
                 <a:latin typeface="仿宋_GB2312" pitchFamily="49" charset="-122"/>
                 <a:ea typeface="仿宋_GB2312" pitchFamily="49" charset="-122"/>
               </a:rPr>
               <a:t>last line mode</a:t>
             </a:r>
             <a:r>
-              <a:rPr lang="zh-CN" altLang="en-US" sz="2600" smtClean="0">
+              <a:rPr lang="zh-CN" altLang="en-US" sz="2600" dirty="0" smtClean="0">
                 <a:latin typeface="仿宋_GB2312" pitchFamily="49" charset="-122"/>
                 <a:ea typeface="仿宋_GB2312" pitchFamily="49" charset="-122"/>
               </a:rPr>
@@ -12551,195 +10836,702 @@
       </p:grpSpPr>
       <p:sp>
         <p:nvSpPr>
-          <p:cNvPr id="10242" name="Rectangle 2"/>
+          <p:cNvPr id="2" name="标题 1"/>
           <p:cNvSpPr>
-            <a:spLocks noGrp="1" noChangeArrowheads="1"/>
+            <a:spLocks noGrp="1"/>
           </p:cNvSpPr>
           <p:nvPr>
             <p:ph type="title"/>
           </p:nvPr>
         </p:nvSpPr>
-        <p:spPr>
-          <a:xfrm>
-            <a:off x="539750" y="6165850"/>
-            <a:ext cx="7772400" cy="561975"/>
-          </a:xfrm>
-        </p:spPr>
+        <p:spPr/>
         <p:txBody>
           <a:bodyPr/>
           <a:lstStyle/>
           <a:p>
-            <a:pPr eaLnBrk="1" hangingPunct="1"/>
-            <a:r>
-              <a:rPr lang="zh-CN" altLang="en-US" sz="2800" smtClean="0">
-                <a:latin typeface="仿宋_GB2312" pitchFamily="49" charset="-122"/>
-                <a:ea typeface="仿宋_GB2312" pitchFamily="49" charset="-122"/>
-              </a:rPr>
-              <a:t>三种工作模式</a:t>
-            </a:r>
+            <a:r>
+              <a:rPr lang="en-US" altLang="zh-CN" dirty="0" smtClean="0"/>
+              <a:t>Vim</a:t>
+            </a:r>
+            <a:r>
+              <a:rPr lang="zh-CN" altLang="en-US" dirty="0" smtClean="0"/>
+              <a:t>工作模式</a:t>
+            </a:r>
+            <a:endParaRPr lang="zh-CN" altLang="en-US" dirty="0"/>
           </a:p>
         </p:txBody>
       </p:sp>
       <p:sp>
         <p:nvSpPr>
-          <p:cNvPr id="10243" name="Rectangle 5"/>
-          <p:cNvSpPr>
-            <a:spLocks noChangeArrowheads="1"/>
-          </p:cNvSpPr>
+          <p:cNvPr id="4" name="矩形 3"/>
+          <p:cNvSpPr/>
           <p:nvPr/>
         </p:nvSpPr>
         <p:spPr bwMode="auto">
           <a:xfrm>
-            <a:off x="0" y="2143125"/>
-            <a:ext cx="9144000" cy="0"/>
+            <a:off x="3419872" y="2492896"/>
+            <a:ext cx="1800200" cy="504056"/>
+          </a:xfrm>
+          <a:prstGeom prst="rect">
+            <a:avLst/>
+          </a:prstGeom>
+          <a:solidFill>
+            <a:schemeClr val="accent1"/>
+          </a:solidFill>
+          <a:ln w="9525" cap="flat" cmpd="sng" algn="ctr">
+            <a:solidFill>
+              <a:schemeClr val="tx1"/>
+            </a:solidFill>
+            <a:prstDash val="solid"/>
+            <a:round/>
+            <a:headEnd type="none" w="med" len="med"/>
+            <a:tailEnd type="none" w="med" len="med"/>
+          </a:ln>
+          <a:effectLst/>
+        </p:spPr>
+        <p:txBody>
+          <a:bodyPr vert="horz" wrap="square" lIns="91440" tIns="45720" rIns="91440" bIns="45720" numCol="1" rtlCol="0" anchor="t" anchorCtr="0" compatLnSpc="1">
+            <a:prstTxWarp prst="textNoShape">
+              <a:avLst/>
+            </a:prstTxWarp>
+          </a:bodyPr>
+          <a:lstStyle/>
+          <a:p>
+            <a:pPr marL="0" marR="0" indent="0" algn="ctr" defTabSz="914400" rtl="0" eaLnBrk="1" fontAlgn="base" latinLnBrk="0" hangingPunct="1">
+              <a:lnSpc>
+                <a:spcPct val="100000"/>
+              </a:lnSpc>
+              <a:spcBef>
+                <a:spcPct val="0"/>
+              </a:spcBef>
+              <a:spcAft>
+                <a:spcPct val="0"/>
+              </a:spcAft>
+              <a:buClrTx/>
+              <a:buSzTx/>
+              <a:buFont typeface="Arial" pitchFamily="34" charset="0"/>
+              <a:buNone/>
+              <a:tabLst/>
+            </a:pPr>
+            <a:r>
+              <a:rPr kumimoji="0" lang="zh-CN" altLang="en-US" sz="1800" b="0" i="0" u="none" strike="noStrike" cap="none" normalizeH="0" baseline="0" dirty="0" smtClean="0">
+                <a:ln>
+                  <a:noFill/>
+                </a:ln>
+                <a:solidFill>
+                  <a:schemeClr val="tx1"/>
+                </a:solidFill>
+                <a:effectLst/>
+                <a:latin typeface="Arial" pitchFamily="34" charset="0"/>
+                <a:ea typeface="宋体" pitchFamily="2" charset="-122"/>
+              </a:rPr>
+              <a:t>命令模式</a:t>
+            </a:r>
+          </a:p>
+        </p:txBody>
+      </p:sp>
+      <p:sp>
+        <p:nvSpPr>
+          <p:cNvPr id="5" name="TextBox 4"/>
+          <p:cNvSpPr txBox="1"/>
+          <p:nvPr/>
+        </p:nvSpPr>
+        <p:spPr>
+          <a:xfrm>
+            <a:off x="1547664" y="1556792"/>
+            <a:ext cx="1296144" cy="369332"/>
           </a:xfrm>
           <a:prstGeom prst="rect">
             <a:avLst/>
           </a:prstGeom>
           <a:noFill/>
-          <a:ln>
-            <a:noFill/>
-          </a:ln>
-          <a:extLst>
-            <a:ext uri="{909E8E84-426E-40DD-AFC4-6F175D3DCCD1}">
-              <a14:hiddenFill xmlns:a14="http://schemas.microsoft.com/office/drawing/2010/main">
-                <a:solidFill>
-                  <a:srgbClr val="FFFFFF"/>
-                </a:solidFill>
-              </a14:hiddenFill>
-            </a:ext>
-            <a:ext uri="{91240B29-F687-4F45-9708-019B960494DF}">
-              <a14:hiddenLine xmlns:a14="http://schemas.microsoft.com/office/drawing/2010/main" w="9525">
-                <a:solidFill>
-                  <a:srgbClr val="000000"/>
-                </a:solidFill>
-                <a:miter lim="800000"/>
-                <a:headEnd/>
-                <a:tailEnd/>
-              </a14:hiddenLine>
-            </a:ext>
-          </a:extLst>
         </p:spPr>
         <p:txBody>
-          <a:bodyPr wrap="none" anchor="ctr">
+          <a:bodyPr wrap="square" rtlCol="0">
             <a:spAutoFit/>
           </a:bodyPr>
           <a:lstStyle/>
           <a:p>
-            <a:endParaRPr lang="zh-CN" altLang="en-US">
-              <a:latin typeface="Arial" pitchFamily="34" charset="0"/>
-            </a:endParaRPr>
+            <a:r>
+              <a:rPr lang="zh-CN" altLang="en-US" dirty="0" smtClean="0"/>
+              <a:t>进入</a:t>
+            </a:r>
+            <a:endParaRPr lang="zh-CN" altLang="en-US" dirty="0"/>
           </a:p>
         </p:txBody>
       </p:sp>
-      <p:graphicFrame>
-        <p:nvGraphicFramePr>
-          <p:cNvPr id="10244" name="Object 4"/>
-          <p:cNvGraphicFramePr>
-            <a:graphicFrameLocks/>
-          </p:cNvGraphicFramePr>
+      <p:sp>
+        <p:nvSpPr>
+          <p:cNvPr id="6" name="TextBox 5"/>
+          <p:cNvSpPr txBox="1"/>
           <p:nvPr/>
-        </p:nvGraphicFramePr>
-        <p:xfrm>
-          <a:off x="971550" y="44450"/>
-          <a:ext cx="7539038" cy="6056313"/>
-        </p:xfrm>
-        <a:graphic>
-          <a:graphicData uri="http://schemas.openxmlformats.org/presentationml/2006/ole">
-            <mc:AlternateContent xmlns:mc="http://schemas.openxmlformats.org/markup-compatibility/2006">
-              <mc:Choice xmlns:v="urn:schemas-microsoft-com:vml" Requires="v">
-                <p:oleObj spid="_x0000_s1026" r:id="rId3" imgW="3196800" imgH="2568240" progId="Word.Picture.8">
-                  <p:embed/>
-                </p:oleObj>
-              </mc:Choice>
-              <mc:Fallback>
-                <p:oleObj r:id="rId3" imgW="3196800" imgH="2568240" progId="Word.Picture.8">
-                  <p:embed/>
-                  <p:pic>
-                    <p:nvPicPr>
-                      <p:cNvPr id="0" name=""/>
-                      <p:cNvPicPr>
-                        <a:picLocks noChangeArrowheads="1"/>
-                      </p:cNvPicPr>
-                      <p:nvPr/>
-                    </p:nvPicPr>
-                    <p:blipFill>
-                      <a:blip r:embed="rId4">
-                        <a:extLst>
-                          <a:ext uri="{28A0092B-C50C-407E-A947-70E740481C1C}">
-                            <a14:useLocalDpi xmlns:a14="http://schemas.microsoft.com/office/drawing/2010/main" val="0"/>
-                          </a:ext>
-                        </a:extLst>
-                      </a:blip>
-                      <a:srcRect/>
-                      <a:stretch>
-                        <a:fillRect/>
-                      </a:stretch>
-                    </p:blipFill>
-                    <p:spPr bwMode="auto">
-                      <a:xfrm>
-                        <a:off x="971550" y="44450"/>
-                        <a:ext cx="7539038" cy="6056313"/>
-                      </a:xfrm>
-                      <a:prstGeom prst="rect">
-                        <a:avLst/>
-                      </a:prstGeom>
-                      <a:noFill/>
-                      <a:ln>
-                        <a:noFill/>
-                      </a:ln>
-                      <a:extLst>
-                        <a:ext uri="{909E8E84-426E-40DD-AFC4-6F175D3DCCD1}">
-                          <a14:hiddenFill xmlns:a14="http://schemas.microsoft.com/office/drawing/2010/main">
-                            <a:solidFill>
-                              <a:srgbClr val="FFFFFF"/>
-                            </a:solidFill>
-                          </a14:hiddenFill>
-                        </a:ext>
-                        <a:ext uri="{91240B29-F687-4F45-9708-019B960494DF}">
-                          <a14:hiddenLine xmlns:a14="http://schemas.microsoft.com/office/drawing/2010/main" w="38100">
-                            <a:solidFill>
-                              <a:srgbClr val="000000"/>
-                            </a:solidFill>
-                            <a:miter lim="800000"/>
-                            <a:headEnd/>
-                            <a:tailEnd/>
-                          </a14:hiddenLine>
-                        </a:ext>
-                      </a:extLst>
-                    </p:spPr>
-                  </p:pic>
-                </p:oleObj>
-              </mc:Fallback>
-            </mc:AlternateContent>
-          </a:graphicData>
-        </a:graphic>
-      </p:graphicFrame>
+        </p:nvSpPr>
+        <p:spPr>
+          <a:xfrm>
+            <a:off x="6012160" y="1556792"/>
+            <a:ext cx="1296144" cy="369332"/>
+          </a:xfrm>
+          <a:prstGeom prst="rect">
+            <a:avLst/>
+          </a:prstGeom>
+          <a:noFill/>
+        </p:spPr>
+        <p:txBody>
+          <a:bodyPr wrap="square" rtlCol="0">
+            <a:spAutoFit/>
+          </a:bodyPr>
+          <a:lstStyle/>
+          <a:p>
+            <a:r>
+              <a:rPr lang="zh-CN" altLang="en-US" dirty="0" smtClean="0"/>
+              <a:t>退出</a:t>
+            </a:r>
+            <a:endParaRPr lang="zh-CN" altLang="en-US" dirty="0"/>
+          </a:p>
+        </p:txBody>
+      </p:sp>
+      <p:cxnSp>
+        <p:nvCxnSpPr>
+          <p:cNvPr id="8" name="肘形连接符 7"/>
+          <p:cNvCxnSpPr/>
+          <p:nvPr/>
+        </p:nvCxnSpPr>
+        <p:spPr bwMode="auto">
+          <a:xfrm>
+            <a:off x="966209" y="1926124"/>
+            <a:ext cx="2988332" cy="566772"/>
+          </a:xfrm>
+          <a:prstGeom prst="bentConnector2">
+            <a:avLst/>
+          </a:prstGeom>
+          <a:solidFill>
+            <a:schemeClr val="accent1"/>
+          </a:solidFill>
+          <a:ln w="9525" cap="flat" cmpd="sng" algn="ctr">
+            <a:solidFill>
+              <a:schemeClr val="tx1"/>
+            </a:solidFill>
+            <a:prstDash val="solid"/>
+            <a:round/>
+            <a:headEnd type="none" w="med" len="med"/>
+            <a:tailEnd type="arrow"/>
+          </a:ln>
+          <a:effectLst/>
+        </p:spPr>
+      </p:cxnSp>
+      <p:cxnSp>
+        <p:nvCxnSpPr>
+          <p:cNvPr id="10" name="肘形连接符 9"/>
+          <p:cNvCxnSpPr/>
+          <p:nvPr/>
+        </p:nvCxnSpPr>
+        <p:spPr bwMode="auto">
+          <a:xfrm flipV="1">
+            <a:off x="4716016" y="1915110"/>
+            <a:ext cx="2160240" cy="576064"/>
+          </a:xfrm>
+          <a:prstGeom prst="bentConnector3">
+            <a:avLst>
+              <a:gd name="adj1" fmla="val -2545"/>
+            </a:avLst>
+          </a:prstGeom>
+          <a:solidFill>
+            <a:schemeClr val="accent1"/>
+          </a:solidFill>
+          <a:ln w="9525" cap="flat" cmpd="sng" algn="ctr">
+            <a:solidFill>
+              <a:schemeClr val="tx1"/>
+            </a:solidFill>
+            <a:prstDash val="solid"/>
+            <a:round/>
+            <a:headEnd type="none" w="med" len="med"/>
+            <a:tailEnd type="arrow"/>
+          </a:ln>
+          <a:effectLst/>
+        </p:spPr>
+      </p:cxnSp>
+      <p:sp>
+        <p:nvSpPr>
+          <p:cNvPr id="13" name="TextBox 12"/>
+          <p:cNvSpPr txBox="1"/>
+          <p:nvPr/>
+        </p:nvSpPr>
+        <p:spPr>
+          <a:xfrm>
+            <a:off x="1572888" y="2017145"/>
+            <a:ext cx="1774975" cy="369332"/>
+          </a:xfrm>
+          <a:prstGeom prst="rect">
+            <a:avLst/>
+          </a:prstGeom>
+          <a:noFill/>
+        </p:spPr>
+        <p:txBody>
+          <a:bodyPr wrap="square" rtlCol="0">
+            <a:spAutoFit/>
+          </a:bodyPr>
+          <a:lstStyle/>
+          <a:p>
+            <a:r>
+              <a:rPr lang="en-US" altLang="zh-CN" dirty="0" smtClean="0"/>
+              <a:t>Vim  filename</a:t>
+            </a:r>
+            <a:endParaRPr lang="zh-CN" altLang="en-US" dirty="0"/>
+          </a:p>
+        </p:txBody>
+      </p:sp>
+      <p:sp>
+        <p:nvSpPr>
+          <p:cNvPr id="14" name="TextBox 13"/>
+          <p:cNvSpPr txBox="1"/>
+          <p:nvPr/>
+        </p:nvSpPr>
+        <p:spPr>
+          <a:xfrm>
+            <a:off x="5772744" y="2024844"/>
+            <a:ext cx="1774975" cy="369332"/>
+          </a:xfrm>
+          <a:prstGeom prst="rect">
+            <a:avLst/>
+          </a:prstGeom>
+          <a:noFill/>
+        </p:spPr>
+        <p:txBody>
+          <a:bodyPr wrap="square" rtlCol="0">
+            <a:spAutoFit/>
+          </a:bodyPr>
+          <a:lstStyle/>
+          <a:p>
+            <a:r>
+              <a:rPr lang="zh-CN" altLang="en-US" dirty="0" smtClean="0"/>
+              <a:t>输入：</a:t>
+            </a:r>
+            <a:r>
+              <a:rPr lang="en-US" altLang="zh-CN" dirty="0" err="1" smtClean="0"/>
+              <a:t>wq</a:t>
+            </a:r>
+            <a:endParaRPr lang="zh-CN" altLang="en-US" dirty="0"/>
+          </a:p>
+        </p:txBody>
+      </p:sp>
+      <p:sp>
+        <p:nvSpPr>
+          <p:cNvPr id="15" name="矩形 14"/>
+          <p:cNvSpPr/>
+          <p:nvPr/>
+        </p:nvSpPr>
+        <p:spPr bwMode="auto">
+          <a:xfrm>
+            <a:off x="1331640" y="4509120"/>
+            <a:ext cx="1800200" cy="504056"/>
+          </a:xfrm>
+          <a:prstGeom prst="rect">
+            <a:avLst/>
+          </a:prstGeom>
+          <a:solidFill>
+            <a:schemeClr val="accent1"/>
+          </a:solidFill>
+          <a:ln w="9525" cap="flat" cmpd="sng" algn="ctr">
+            <a:solidFill>
+              <a:schemeClr val="tx1"/>
+            </a:solidFill>
+            <a:prstDash val="solid"/>
+            <a:round/>
+            <a:headEnd type="none" w="med" len="med"/>
+            <a:tailEnd type="none" w="med" len="med"/>
+          </a:ln>
+          <a:effectLst/>
+        </p:spPr>
+        <p:txBody>
+          <a:bodyPr vert="horz" wrap="square" lIns="91440" tIns="45720" rIns="91440" bIns="45720" numCol="1" rtlCol="0" anchor="t" anchorCtr="0" compatLnSpc="1">
+            <a:prstTxWarp prst="textNoShape">
+              <a:avLst/>
+            </a:prstTxWarp>
+          </a:bodyPr>
+          <a:lstStyle/>
+          <a:p>
+            <a:pPr marL="0" marR="0" indent="0" algn="ctr" defTabSz="914400" rtl="0" eaLnBrk="1" fontAlgn="base" latinLnBrk="0" hangingPunct="1">
+              <a:lnSpc>
+                <a:spcPct val="100000"/>
+              </a:lnSpc>
+              <a:spcBef>
+                <a:spcPct val="0"/>
+              </a:spcBef>
+              <a:spcAft>
+                <a:spcPct val="0"/>
+              </a:spcAft>
+              <a:buClrTx/>
+              <a:buSzTx/>
+              <a:buFont typeface="Arial" pitchFamily="34" charset="0"/>
+              <a:buNone/>
+              <a:tabLst/>
+            </a:pPr>
+            <a:r>
+              <a:rPr lang="zh-CN" altLang="en-US" dirty="0">
+                <a:latin typeface="Arial" pitchFamily="34" charset="0"/>
+                <a:ea typeface="宋体" pitchFamily="2" charset="-122"/>
+              </a:rPr>
+              <a:t>插入</a:t>
+            </a:r>
+            <a:r>
+              <a:rPr kumimoji="0" lang="zh-CN" altLang="en-US" sz="1800" b="0" i="0" u="none" strike="noStrike" cap="none" normalizeH="0" baseline="0" dirty="0" smtClean="0">
+                <a:ln>
+                  <a:noFill/>
+                </a:ln>
+                <a:solidFill>
+                  <a:schemeClr val="tx1"/>
+                </a:solidFill>
+                <a:effectLst/>
+                <a:latin typeface="Arial" pitchFamily="34" charset="0"/>
+                <a:ea typeface="宋体" pitchFamily="2" charset="-122"/>
+              </a:rPr>
+              <a:t>模式</a:t>
+            </a:r>
+          </a:p>
+        </p:txBody>
+      </p:sp>
+      <p:sp>
+        <p:nvSpPr>
+          <p:cNvPr id="17" name="矩形 16"/>
+          <p:cNvSpPr/>
+          <p:nvPr/>
+        </p:nvSpPr>
+        <p:spPr bwMode="auto">
+          <a:xfrm>
+            <a:off x="5076056" y="4509120"/>
+            <a:ext cx="1800200" cy="504056"/>
+          </a:xfrm>
+          <a:prstGeom prst="rect">
+            <a:avLst/>
+          </a:prstGeom>
+          <a:solidFill>
+            <a:schemeClr val="accent1"/>
+          </a:solidFill>
+          <a:ln w="9525" cap="flat" cmpd="sng" algn="ctr">
+            <a:solidFill>
+              <a:schemeClr val="tx1"/>
+            </a:solidFill>
+            <a:prstDash val="solid"/>
+            <a:round/>
+            <a:headEnd type="none" w="med" len="med"/>
+            <a:tailEnd type="none" w="med" len="med"/>
+          </a:ln>
+          <a:effectLst/>
+        </p:spPr>
+        <p:txBody>
+          <a:bodyPr vert="horz" wrap="square" lIns="91440" tIns="45720" rIns="91440" bIns="45720" numCol="1" rtlCol="0" anchor="t" anchorCtr="0" compatLnSpc="1">
+            <a:prstTxWarp prst="textNoShape">
+              <a:avLst/>
+            </a:prstTxWarp>
+          </a:bodyPr>
+          <a:lstStyle/>
+          <a:p>
+            <a:pPr marL="0" marR="0" indent="0" algn="ctr" defTabSz="914400" rtl="0" eaLnBrk="1" fontAlgn="base" latinLnBrk="0" hangingPunct="1">
+              <a:lnSpc>
+                <a:spcPct val="100000"/>
+              </a:lnSpc>
+              <a:spcBef>
+                <a:spcPct val="0"/>
+              </a:spcBef>
+              <a:spcAft>
+                <a:spcPct val="0"/>
+              </a:spcAft>
+              <a:buClrTx/>
+              <a:buSzTx/>
+              <a:buFont typeface="Arial" pitchFamily="34" charset="0"/>
+              <a:buNone/>
+              <a:tabLst/>
+            </a:pPr>
+            <a:r>
+              <a:rPr kumimoji="0" lang="zh-CN" altLang="en-US" sz="1800" b="0" i="0" u="none" strike="noStrike" cap="none" normalizeH="0" baseline="0" smtClean="0">
+                <a:ln>
+                  <a:noFill/>
+                </a:ln>
+                <a:solidFill>
+                  <a:schemeClr val="tx1"/>
+                </a:solidFill>
+                <a:effectLst/>
+                <a:latin typeface="Arial" pitchFamily="34" charset="0"/>
+                <a:ea typeface="宋体" pitchFamily="2" charset="-122"/>
+              </a:rPr>
+              <a:t>末行模式</a:t>
+            </a:r>
+            <a:endParaRPr kumimoji="0" lang="zh-CN" altLang="en-US" sz="1800" b="0" i="0" u="none" strike="noStrike" cap="none" normalizeH="0" baseline="0" dirty="0" smtClean="0">
+              <a:ln>
+                <a:noFill/>
+              </a:ln>
+              <a:solidFill>
+                <a:schemeClr val="tx1"/>
+              </a:solidFill>
+              <a:effectLst/>
+              <a:latin typeface="Arial" pitchFamily="34" charset="0"/>
+              <a:ea typeface="宋体" pitchFamily="2" charset="-122"/>
+            </a:endParaRPr>
+          </a:p>
+        </p:txBody>
+      </p:sp>
+      <p:cxnSp>
+        <p:nvCxnSpPr>
+          <p:cNvPr id="21" name="直接箭头连接符 20"/>
+          <p:cNvCxnSpPr/>
+          <p:nvPr/>
+        </p:nvCxnSpPr>
+        <p:spPr bwMode="auto">
+          <a:xfrm flipV="1">
+            <a:off x="2339752" y="2996952"/>
+            <a:ext cx="1872208" cy="1512168"/>
+          </a:xfrm>
+          <a:prstGeom prst="straightConnector1">
+            <a:avLst/>
+          </a:prstGeom>
+          <a:solidFill>
+            <a:schemeClr val="accent1"/>
+          </a:solidFill>
+          <a:ln w="9525" cap="flat" cmpd="sng" algn="ctr">
+            <a:solidFill>
+              <a:schemeClr val="tx1"/>
+            </a:solidFill>
+            <a:prstDash val="solid"/>
+            <a:round/>
+            <a:headEnd type="none" w="med" len="med"/>
+            <a:tailEnd type="arrow"/>
+          </a:ln>
+          <a:effectLst/>
+        </p:spPr>
+      </p:cxnSp>
+      <p:cxnSp>
+        <p:nvCxnSpPr>
+          <p:cNvPr id="23" name="直接箭头连接符 22"/>
+          <p:cNvCxnSpPr/>
+          <p:nvPr/>
+        </p:nvCxnSpPr>
+        <p:spPr bwMode="auto">
+          <a:xfrm flipH="1">
+            <a:off x="1691680" y="2996952"/>
+            <a:ext cx="1728192" cy="1512168"/>
+          </a:xfrm>
+          <a:prstGeom prst="straightConnector1">
+            <a:avLst/>
+          </a:prstGeom>
+          <a:solidFill>
+            <a:schemeClr val="accent1"/>
+          </a:solidFill>
+          <a:ln w="9525" cap="flat" cmpd="sng" algn="ctr">
+            <a:solidFill>
+              <a:schemeClr val="tx1"/>
+            </a:solidFill>
+            <a:prstDash val="solid"/>
+            <a:round/>
+            <a:headEnd type="none" w="med" len="med"/>
+            <a:tailEnd type="arrow"/>
+          </a:ln>
+          <a:effectLst/>
+        </p:spPr>
+      </p:cxnSp>
+      <p:cxnSp>
+        <p:nvCxnSpPr>
+          <p:cNvPr id="26" name="直接箭头连接符 25"/>
+          <p:cNvCxnSpPr/>
+          <p:nvPr/>
+        </p:nvCxnSpPr>
+        <p:spPr bwMode="auto">
+          <a:xfrm>
+            <a:off x="4499992" y="2996952"/>
+            <a:ext cx="1272752" cy="1512168"/>
+          </a:xfrm>
+          <a:prstGeom prst="straightConnector1">
+            <a:avLst/>
+          </a:prstGeom>
+          <a:solidFill>
+            <a:schemeClr val="accent1"/>
+          </a:solidFill>
+          <a:ln w="9525" cap="flat" cmpd="sng" algn="ctr">
+            <a:solidFill>
+              <a:schemeClr val="tx1"/>
+            </a:solidFill>
+            <a:prstDash val="solid"/>
+            <a:round/>
+            <a:headEnd type="none" w="med" len="med"/>
+            <a:tailEnd type="arrow"/>
+          </a:ln>
+          <a:effectLst/>
+        </p:spPr>
+      </p:cxnSp>
+      <p:cxnSp>
+        <p:nvCxnSpPr>
+          <p:cNvPr id="30" name="直接箭头连接符 29"/>
+          <p:cNvCxnSpPr/>
+          <p:nvPr/>
+        </p:nvCxnSpPr>
+        <p:spPr bwMode="auto">
+          <a:xfrm flipH="1" flipV="1">
+            <a:off x="5220072" y="2996952"/>
+            <a:ext cx="1296144" cy="1512168"/>
+          </a:xfrm>
+          <a:prstGeom prst="straightConnector1">
+            <a:avLst/>
+          </a:prstGeom>
+          <a:solidFill>
+            <a:schemeClr val="accent1"/>
+          </a:solidFill>
+          <a:ln w="9525" cap="flat" cmpd="sng" algn="ctr">
+            <a:solidFill>
+              <a:schemeClr val="tx1"/>
+            </a:solidFill>
+            <a:prstDash val="solid"/>
+            <a:round/>
+            <a:headEnd type="none" w="med" len="med"/>
+            <a:tailEnd type="arrow"/>
+          </a:ln>
+          <a:effectLst/>
+        </p:spPr>
+      </p:cxnSp>
+      <p:sp>
+        <p:nvSpPr>
+          <p:cNvPr id="31" name="TextBox 30"/>
+          <p:cNvSpPr txBox="1"/>
+          <p:nvPr/>
+        </p:nvSpPr>
+        <p:spPr>
+          <a:xfrm>
+            <a:off x="1115616" y="3501008"/>
+            <a:ext cx="1512793" cy="369332"/>
+          </a:xfrm>
+          <a:prstGeom prst="rect">
+            <a:avLst/>
+          </a:prstGeom>
+          <a:noFill/>
+        </p:spPr>
+        <p:txBody>
+          <a:bodyPr wrap="square" rtlCol="0">
+            <a:spAutoFit/>
+          </a:bodyPr>
+          <a:lstStyle/>
+          <a:p>
+            <a:r>
+              <a:rPr lang="zh-CN" altLang="en-US" dirty="0" smtClean="0"/>
+              <a:t>输入：</a:t>
+            </a:r>
+            <a:r>
+              <a:rPr lang="en-US" altLang="zh-CN" dirty="0" smtClean="0"/>
+              <a:t>i a o</a:t>
+            </a:r>
+            <a:endParaRPr lang="zh-CN" altLang="en-US" dirty="0"/>
+          </a:p>
+        </p:txBody>
+      </p:sp>
+      <p:sp>
+        <p:nvSpPr>
+          <p:cNvPr id="33" name="TextBox 32"/>
+          <p:cNvSpPr txBox="1"/>
+          <p:nvPr/>
+        </p:nvSpPr>
+        <p:spPr>
+          <a:xfrm>
+            <a:off x="2996208" y="4005064"/>
+            <a:ext cx="1296144" cy="369332"/>
+          </a:xfrm>
+          <a:prstGeom prst="rect">
+            <a:avLst/>
+          </a:prstGeom>
+          <a:noFill/>
+        </p:spPr>
+        <p:txBody>
+          <a:bodyPr wrap="square" rtlCol="0">
+            <a:spAutoFit/>
+          </a:bodyPr>
+          <a:lstStyle/>
+          <a:p>
+            <a:r>
+              <a:rPr lang="en-US" altLang="zh-CN" dirty="0" smtClean="0"/>
+              <a:t>ESC</a:t>
+            </a:r>
+            <a:endParaRPr lang="zh-CN" altLang="en-US" dirty="0"/>
+          </a:p>
+        </p:txBody>
+      </p:sp>
+      <p:sp>
+        <p:nvSpPr>
+          <p:cNvPr id="34" name="TextBox 33"/>
+          <p:cNvSpPr txBox="1"/>
+          <p:nvPr/>
+        </p:nvSpPr>
+        <p:spPr>
+          <a:xfrm>
+            <a:off x="5883104" y="3383704"/>
+            <a:ext cx="1929255" cy="369332"/>
+          </a:xfrm>
+          <a:prstGeom prst="rect">
+            <a:avLst/>
+          </a:prstGeom>
+          <a:noFill/>
+        </p:spPr>
+        <p:txBody>
+          <a:bodyPr wrap="square" rtlCol="0">
+            <a:spAutoFit/>
+          </a:bodyPr>
+          <a:lstStyle/>
+          <a:p>
+            <a:r>
+              <a:rPr lang="zh-CN" altLang="en-US" dirty="0" smtClean="0"/>
+              <a:t>回车，执行命令</a:t>
+            </a:r>
+            <a:endParaRPr lang="zh-CN" altLang="en-US" dirty="0"/>
+          </a:p>
+        </p:txBody>
+      </p:sp>
+      <p:sp>
+        <p:nvSpPr>
+          <p:cNvPr id="36" name="TextBox 35"/>
+          <p:cNvSpPr txBox="1"/>
+          <p:nvPr/>
+        </p:nvSpPr>
+        <p:spPr>
+          <a:xfrm>
+            <a:off x="4319972" y="3820398"/>
+            <a:ext cx="875424" cy="369332"/>
+          </a:xfrm>
+          <a:prstGeom prst="rect">
+            <a:avLst/>
+          </a:prstGeom>
+          <a:noFill/>
+        </p:spPr>
+        <p:txBody>
+          <a:bodyPr wrap="square" rtlCol="0">
+            <a:spAutoFit/>
+          </a:bodyPr>
+          <a:lstStyle/>
+          <a:p>
+            <a:r>
+              <a:rPr lang="zh-CN" altLang="en-US" dirty="0" smtClean="0"/>
+              <a:t>输入</a:t>
+            </a:r>
+            <a:r>
+              <a:rPr lang="zh-CN" altLang="en-US" dirty="0" smtClean="0">
+                <a:solidFill>
+                  <a:srgbClr val="FF0000"/>
+                </a:solidFill>
+              </a:rPr>
+              <a:t>：</a:t>
+            </a:r>
+            <a:endParaRPr lang="zh-CN" altLang="en-US" dirty="0">
+              <a:solidFill>
+                <a:srgbClr val="FF0000"/>
+              </a:solidFill>
+            </a:endParaRPr>
+          </a:p>
+        </p:txBody>
+      </p:sp>
     </p:spTree>
     <p:extLst>
       <p:ext uri="{BB962C8B-B14F-4D97-AF65-F5344CB8AC3E}">
-        <p14:creationId xmlns:p14="http://schemas.microsoft.com/office/powerpoint/2010/main" val="1418058388"/>
+        <p14:creationId xmlns:p14="http://schemas.microsoft.com/office/powerpoint/2010/main" val="2204597147"/>
       </p:ext>
     </p:extLst>
   </p:cSld>
   <p:clrMapOvr>
     <a:masterClrMapping/>
   </p:clrMapOvr>
-  <mc:AlternateContent xmlns:mc="http://schemas.openxmlformats.org/markup-compatibility/2006" xmlns:p14="http://schemas.microsoft.com/office/powerpoint/2010/main">
-    <mc:Choice Requires="p14">
-      <p:transition spd="slow" p14:dur="2000"/>
-    </mc:Choice>
-    <mc:Fallback xmlns="">
-      <p:transition spd="slow"/>
-    </mc:Fallback>
-  </mc:AlternateContent>
-  <p:timing>
-    <p:tnLst>
-      <p:par>
-        <p:cTn id="1" dur="indefinite" restart="never" nodeType="tmRoot"/>
-      </p:par>
-    </p:tnLst>
-  </p:timing>
 </p:sld>
 </file>
 
@@ -12778,7 +11570,7 @@
         </p:spPr>
         <p:txBody>
           <a:bodyPr>
-            <a:normAutofit fontScale="85000" lnSpcReduction="10000"/>
+            <a:normAutofit fontScale="85000" lnSpcReduction="20000"/>
           </a:bodyPr>
           <a:lstStyle/>
           <a:p>
@@ -12897,15 +11689,78 @@
               </a:rPr>
               <a:t>：在当前光标所在行的下方添加一行，并且在新加行的行首添加文本。</a:t>
             </a:r>
+            <a:endParaRPr lang="en-US" altLang="zh-CN" dirty="0" smtClean="0">
+              <a:latin typeface="仿宋_GB2312" pitchFamily="49" charset="-122"/>
+              <a:ea typeface="仿宋_GB2312" pitchFamily="49" charset="-122"/>
+            </a:endParaRPr>
           </a:p>
           <a:p>
             <a:pPr algn="just" eaLnBrk="1" hangingPunct="1"/>
             <a:r>
+              <a:rPr lang="en-US" altLang="zh-CN" b="1" dirty="0" smtClean="0">
+                <a:solidFill>
+                  <a:srgbClr val="000099"/>
+                </a:solidFill>
+                <a:latin typeface="仿宋_GB2312" pitchFamily="49" charset="-122"/>
+                <a:ea typeface="仿宋_GB2312" pitchFamily="49" charset="-122"/>
+              </a:rPr>
+              <a:t>O</a:t>
+            </a:r>
+            <a:r>
               <a:rPr lang="zh-CN" altLang="en-US" dirty="0" smtClean="0">
                 <a:latin typeface="仿宋_GB2312" pitchFamily="49" charset="-122"/>
                 <a:ea typeface="仿宋_GB2312" pitchFamily="49" charset="-122"/>
               </a:rPr>
-              <a:t>      在输入模式下如果用户希望回到命令模式的时候，只能在输入模式下使用</a:t>
+              <a:t>：</a:t>
+            </a:r>
+            <a:r>
+              <a:rPr lang="zh-CN" altLang="en-US" dirty="0">
+                <a:latin typeface="仿宋_GB2312" pitchFamily="49" charset="-122"/>
+                <a:ea typeface="仿宋_GB2312" pitchFamily="49" charset="-122"/>
+              </a:rPr>
+              <a:t>在当前光标所在行</a:t>
+            </a:r>
+            <a:r>
+              <a:rPr lang="zh-CN" altLang="en-US" dirty="0" smtClean="0">
+                <a:latin typeface="仿宋_GB2312" pitchFamily="49" charset="-122"/>
+                <a:ea typeface="仿宋_GB2312" pitchFamily="49" charset="-122"/>
+              </a:rPr>
+              <a:t>的</a:t>
+            </a:r>
+            <a:r>
+              <a:rPr lang="zh-CN" altLang="en-US" dirty="0">
+                <a:latin typeface="仿宋_GB2312" pitchFamily="49" charset="-122"/>
+                <a:ea typeface="仿宋_GB2312" pitchFamily="49" charset="-122"/>
+              </a:rPr>
+              <a:t>上</a:t>
+            </a:r>
+            <a:r>
+              <a:rPr lang="zh-CN" altLang="en-US" dirty="0" smtClean="0">
+                <a:latin typeface="仿宋_GB2312" pitchFamily="49" charset="-122"/>
+                <a:ea typeface="仿宋_GB2312" pitchFamily="49" charset="-122"/>
+              </a:rPr>
+              <a:t>方</a:t>
+            </a:r>
+            <a:r>
+              <a:rPr lang="zh-CN" altLang="en-US" dirty="0">
+                <a:latin typeface="仿宋_GB2312" pitchFamily="49" charset="-122"/>
+                <a:ea typeface="仿宋_GB2312" pitchFamily="49" charset="-122"/>
+              </a:rPr>
+              <a:t>添加一行，并且在新加行的行首添加文本。</a:t>
+            </a:r>
+            <a:endParaRPr lang="en-US" altLang="zh-CN" dirty="0">
+              <a:latin typeface="仿宋_GB2312" pitchFamily="49" charset="-122"/>
+              <a:ea typeface="仿宋_GB2312" pitchFamily="49" charset="-122"/>
+            </a:endParaRPr>
+          </a:p>
+          <a:p>
+            <a:pPr algn="just" eaLnBrk="1" hangingPunct="1"/>
+            <a:r>
+              <a:rPr lang="zh-CN" altLang="en-US" dirty="0" smtClean="0">
+                <a:latin typeface="仿宋_GB2312" pitchFamily="49" charset="-122"/>
+                <a:ea typeface="仿宋_GB2312" pitchFamily="49" charset="-122"/>
+              </a:rPr>
+              <a:t>在输入模式下如果用户希望回到命令模式的时候，只能在输入模式下使用</a:t>
             </a:r>
             <a:r>
               <a:rPr lang="en-US" altLang="zh-CN" b="1" dirty="0" smtClean="0">
@@ -12983,9 +11838,6 @@
             <a:pPr eaLnBrk="1" hangingPunct="1"/>
             <a:r>
               <a:rPr lang="en-US" altLang="zh-CN" sz="2800" dirty="0" smtClean="0">
-                <a:solidFill>
-                  <a:schemeClr val="tx1"/>
-                </a:solidFill>
                 <a:latin typeface="仿宋_GB2312" pitchFamily="49" charset="-122"/>
                 <a:ea typeface="仿宋_GB2312" pitchFamily="49" charset="-122"/>
               </a:rPr>
@@ -12993,9 +11845,6 @@
             </a:r>
             <a:r>
               <a:rPr lang="en-US" altLang="zh-CN" sz="2800" b="0" dirty="0" smtClean="0">
-                <a:solidFill>
-                  <a:schemeClr val="tx1"/>
-                </a:solidFill>
                 <a:latin typeface="仿宋_GB2312" pitchFamily="49" charset="-122"/>
                 <a:ea typeface="仿宋_GB2312" pitchFamily="49" charset="-122"/>
               </a:rPr>
@@ -13003,9 +11852,6 @@
             </a:r>
             <a:r>
               <a:rPr lang="zh-CN" altLang="en-US" sz="2800" b="0" dirty="0" smtClean="0">
-                <a:solidFill>
-                  <a:schemeClr val="tx1"/>
-                </a:solidFill>
                 <a:latin typeface="仿宋_GB2312" pitchFamily="49" charset="-122"/>
                 <a:ea typeface="仿宋_GB2312" pitchFamily="49" charset="-122"/>
               </a:rPr>
@@ -13013,9 +11859,6 @@
             </a:r>
             <a:r>
               <a:rPr lang="zh-CN" altLang="en-US" sz="2800" dirty="0" smtClean="0">
-                <a:solidFill>
-                  <a:schemeClr val="tx1"/>
-                </a:solidFill>
                 <a:latin typeface="仿宋_GB2312" pitchFamily="49" charset="-122"/>
                 <a:ea typeface="仿宋_GB2312" pitchFamily="49" charset="-122"/>
               </a:rPr>
@@ -13313,18 +12156,310 @@
       </p:grpSpPr>
       <p:sp>
         <p:nvSpPr>
-          <p:cNvPr id="13313" name="Rectangle 3"/>
+          <p:cNvPr id="2" name="内容占位符 1"/>
           <p:cNvSpPr>
-            <a:spLocks noGrp="1" noChangeArrowheads="1"/>
+            <a:spLocks noGrp="1"/>
           </p:cNvSpPr>
           <p:nvPr>
             <p:ph idx="1"/>
           </p:nvPr>
         </p:nvSpPr>
+        <p:spPr/>
+        <p:txBody>
+          <a:bodyPr/>
+          <a:lstStyle/>
+          <a:p>
+            <a:endParaRPr lang="zh-CN" altLang="en-US"/>
+          </a:p>
+        </p:txBody>
+      </p:sp>
+      <p:graphicFrame>
+        <p:nvGraphicFramePr>
+          <p:cNvPr id="4" name="内容占位符 3"/>
+          <p:cNvGraphicFramePr>
+            <a:graphicFrameLocks/>
+          </p:cNvGraphicFramePr>
+          <p:nvPr>
+            <p:extLst>
+              <p:ext uri="{D42A27DB-BD31-4B8C-83A1-F6EECF244321}">
+                <p14:modId xmlns:p14="http://schemas.microsoft.com/office/powerpoint/2010/main" val="1497981879"/>
+              </p:ext>
+            </p:extLst>
+          </p:nvPr>
+        </p:nvGraphicFramePr>
+        <p:xfrm>
+          <a:off x="1835696" y="1628800"/>
+          <a:ext cx="5915000" cy="2865120"/>
+        </p:xfrm>
+        <a:graphic>
+          <a:graphicData uri="http://schemas.openxmlformats.org/drawingml/2006/table">
+            <a:tbl>
+              <a:tblPr firstRow="1" bandRow="1">
+                <a:tableStyleId>{21E4AEA4-8DFA-4A89-87EB-49C32662AFE0}</a:tableStyleId>
+              </a:tblPr>
+              <a:tblGrid>
+                <a:gridCol w="2376264"/>
+                <a:gridCol w="3538736"/>
+              </a:tblGrid>
+              <a:tr h="370840">
+                <a:tc>
+                  <a:txBody>
+                    <a:bodyPr/>
+                    <a:lstStyle/>
+                    <a:p>
+                      <a:pPr algn="ctr"/>
+                      <a:r>
+                        <a:rPr lang="zh-CN" altLang="en-US" dirty="0" smtClean="0"/>
+                        <a:t>命令</a:t>
+                      </a:r>
+                      <a:endParaRPr lang="zh-CN" altLang="en-US" dirty="0"/>
+                    </a:p>
+                  </a:txBody>
+                  <a:tcPr/>
+                </a:tc>
+                <a:tc>
+                  <a:txBody>
+                    <a:bodyPr/>
+                    <a:lstStyle/>
+                    <a:p>
+                      <a:r>
+                        <a:rPr lang="zh-CN" altLang="en-US" dirty="0" smtClean="0"/>
+                        <a:t>作用</a:t>
+                      </a:r>
+                      <a:endParaRPr lang="zh-CN" altLang="en-US" dirty="0"/>
+                    </a:p>
+                  </a:txBody>
+                  <a:tcPr/>
+                </a:tc>
+              </a:tr>
+              <a:tr h="370840">
+                <a:tc>
+                  <a:txBody>
+                    <a:bodyPr/>
+                    <a:lstStyle/>
+                    <a:p>
+                      <a:pPr algn="ctr"/>
+                      <a:r>
+                        <a:rPr lang="en-US" altLang="zh-CN" dirty="0" smtClean="0"/>
+                        <a:t>:w</a:t>
+                      </a:r>
+                      <a:endParaRPr lang="zh-CN" altLang="en-US" dirty="0"/>
+                    </a:p>
+                  </a:txBody>
+                  <a:tcPr/>
+                </a:tc>
+                <a:tc>
+                  <a:txBody>
+                    <a:bodyPr/>
+                    <a:lstStyle/>
+                    <a:p>
+                      <a:r>
+                        <a:rPr lang="zh-CN" altLang="en-US" dirty="0" smtClean="0"/>
+                        <a:t>保存修改</a:t>
+                      </a:r>
+                      <a:endParaRPr lang="zh-CN" altLang="en-US" dirty="0"/>
+                    </a:p>
+                  </a:txBody>
+                  <a:tcPr/>
+                </a:tc>
+              </a:tr>
+              <a:tr h="370840">
+                <a:tc>
+                  <a:txBody>
+                    <a:bodyPr/>
+                    <a:lstStyle/>
+                    <a:p>
+                      <a:pPr algn="ctr"/>
+                      <a:r>
+                        <a:rPr lang="en-US" altLang="zh-CN" dirty="0" smtClean="0"/>
+                        <a:t>:w </a:t>
+                      </a:r>
+                      <a:r>
+                        <a:rPr lang="en-US" altLang="zh-CN" dirty="0" err="1" smtClean="0"/>
+                        <a:t>new_filename</a:t>
+                      </a:r>
+                      <a:endParaRPr lang="zh-CN" altLang="en-US" dirty="0"/>
+                    </a:p>
+                  </a:txBody>
+                  <a:tcPr/>
+                </a:tc>
+                <a:tc>
+                  <a:txBody>
+                    <a:bodyPr/>
+                    <a:lstStyle/>
+                    <a:p>
+                      <a:r>
+                        <a:rPr lang="zh-CN" altLang="en-US" dirty="0" smtClean="0"/>
+                        <a:t>另存为新文件</a:t>
+                      </a:r>
+                      <a:endParaRPr lang="zh-CN" altLang="en-US" dirty="0"/>
+                    </a:p>
+                  </a:txBody>
+                  <a:tcPr/>
+                </a:tc>
+              </a:tr>
+              <a:tr h="370840">
+                <a:tc>
+                  <a:txBody>
+                    <a:bodyPr/>
+                    <a:lstStyle/>
+                    <a:p>
+                      <a:pPr algn="ctr"/>
+                      <a:r>
+                        <a:rPr lang="en-US" altLang="zh-CN" dirty="0" smtClean="0"/>
+                        <a:t>:</a:t>
+                      </a:r>
+                      <a:r>
+                        <a:rPr lang="en-US" altLang="zh-CN" dirty="0" err="1" smtClean="0"/>
+                        <a:t>wq</a:t>
+                      </a:r>
+                      <a:endParaRPr lang="zh-CN" altLang="en-US" dirty="0"/>
+                    </a:p>
+                  </a:txBody>
+                  <a:tcPr/>
+                </a:tc>
+                <a:tc>
+                  <a:txBody>
+                    <a:bodyPr/>
+                    <a:lstStyle/>
+                    <a:p>
+                      <a:r>
+                        <a:rPr lang="zh-CN" altLang="en-US" dirty="0" smtClean="0"/>
+                        <a:t>保存修改并退出</a:t>
+                      </a:r>
+                      <a:endParaRPr lang="zh-CN" altLang="en-US" dirty="0"/>
+                    </a:p>
+                  </a:txBody>
+                  <a:tcPr/>
+                </a:tc>
+              </a:tr>
+              <a:tr h="370840">
+                <a:tc>
+                  <a:txBody>
+                    <a:bodyPr/>
+                    <a:lstStyle/>
+                    <a:p>
+                      <a:pPr algn="ctr"/>
+                      <a:r>
+                        <a:rPr lang="en-US" altLang="zh-CN" dirty="0" smtClean="0"/>
+                        <a:t>ZZ</a:t>
+                      </a:r>
+                      <a:endParaRPr lang="zh-CN" altLang="en-US" dirty="0"/>
+                    </a:p>
+                  </a:txBody>
+                  <a:tcPr/>
+                </a:tc>
+                <a:tc>
+                  <a:txBody>
+                    <a:bodyPr/>
+                    <a:lstStyle/>
+                    <a:p>
+                      <a:r>
+                        <a:rPr lang="zh-CN" altLang="en-US" dirty="0" smtClean="0"/>
+                        <a:t>保存修改并退出（命令模式）</a:t>
+                      </a:r>
+                      <a:endParaRPr lang="zh-CN" altLang="en-US" dirty="0"/>
+                    </a:p>
+                  </a:txBody>
+                  <a:tcPr/>
+                </a:tc>
+              </a:tr>
+              <a:tr h="370840">
+                <a:tc>
+                  <a:txBody>
+                    <a:bodyPr/>
+                    <a:lstStyle/>
+                    <a:p>
+                      <a:pPr algn="ctr"/>
+                      <a:r>
+                        <a:rPr lang="en-US" altLang="zh-CN" dirty="0" smtClean="0"/>
+                        <a:t>:q!</a:t>
+                      </a:r>
+                      <a:endParaRPr lang="zh-CN" altLang="en-US" dirty="0"/>
+                    </a:p>
+                  </a:txBody>
+                  <a:tcPr/>
+                </a:tc>
+                <a:tc>
+                  <a:txBody>
+                    <a:bodyPr/>
+                    <a:lstStyle/>
+                    <a:p>
+                      <a:r>
+                        <a:rPr lang="zh-CN" altLang="en-US" dirty="0" smtClean="0"/>
+                        <a:t>不保存修改，退出</a:t>
+                      </a:r>
+                      <a:endParaRPr lang="zh-CN" altLang="en-US" dirty="0"/>
+                    </a:p>
+                  </a:txBody>
+                  <a:tcPr/>
+                </a:tc>
+              </a:tr>
+              <a:tr h="370840">
+                <a:tc>
+                  <a:txBody>
+                    <a:bodyPr/>
+                    <a:lstStyle/>
+                    <a:p>
+                      <a:pPr algn="ctr"/>
+                      <a:r>
+                        <a:rPr lang="zh-CN" altLang="en-US" dirty="0" smtClean="0"/>
+                        <a:t>：</a:t>
+                      </a:r>
+                      <a:r>
+                        <a:rPr lang="en-US" altLang="zh-CN" dirty="0" err="1" smtClean="0"/>
+                        <a:t>wq</a:t>
+                      </a:r>
+                      <a:r>
+                        <a:rPr lang="zh-CN" altLang="en-US" dirty="0" smtClean="0"/>
+                        <a:t>！</a:t>
+                      </a:r>
+                      <a:endParaRPr lang="zh-CN" altLang="en-US" dirty="0"/>
+                    </a:p>
+                  </a:txBody>
+                  <a:tcPr/>
+                </a:tc>
+                <a:tc>
+                  <a:txBody>
+                    <a:bodyPr/>
+                    <a:lstStyle/>
+                    <a:p>
+                      <a:r>
+                        <a:rPr lang="zh-CN" altLang="en-US" dirty="0" smtClean="0"/>
+                        <a:t>保存修改，退出（只所有者和</a:t>
+                      </a:r>
+                      <a:r>
+                        <a:rPr lang="en-US" altLang="zh-CN" dirty="0" smtClean="0"/>
+                        <a:t>root</a:t>
+                      </a:r>
+                      <a:r>
+                        <a:rPr lang="zh-CN" altLang="en-US" dirty="0" smtClean="0"/>
+                        <a:t>可用）</a:t>
+                      </a:r>
+                      <a:endParaRPr lang="zh-CN" altLang="en-US" dirty="0"/>
+                    </a:p>
+                  </a:txBody>
+                  <a:tcPr/>
+                </a:tc>
+              </a:tr>
+            </a:tbl>
+          </a:graphicData>
+        </a:graphic>
+      </p:graphicFrame>
+      <p:sp>
+        <p:nvSpPr>
+          <p:cNvPr id="5" name="Rectangle 2"/>
+          <p:cNvSpPr>
+            <a:spLocks noGrp="1" noChangeArrowheads="1"/>
+          </p:cNvSpPr>
+          <p:nvPr>
+            <p:ph type="title"/>
+          </p:nvPr>
+        </p:nvSpPr>
         <p:spPr>
           <a:xfrm>
-            <a:off x="533400" y="898525"/>
-            <a:ext cx="7772400" cy="5122863"/>
+            <a:off x="1143000" y="76200"/>
+            <a:ext cx="8001000" cy="914400"/>
           </a:xfrm>
         </p:spPr>
         <p:txBody>
@@ -13333,286 +12468,32 @@
           <a:p>
             <a:pPr eaLnBrk="1" hangingPunct="1"/>
             <a:r>
-              <a:rPr lang="zh-CN" altLang="en-US" smtClean="0">
-                <a:latin typeface="仿宋_GB2312" pitchFamily="49" charset="-122"/>
-                <a:ea typeface="仿宋_GB2312" pitchFamily="49" charset="-122"/>
-              </a:rPr>
-              <a:t>保存文件</a:t>
-            </a:r>
-            <a:r>
-              <a:rPr lang="en-US" altLang="zh-CN" smtClean="0">
-                <a:latin typeface="仿宋_GB2312" pitchFamily="49" charset="-122"/>
-                <a:ea typeface="仿宋_GB2312" pitchFamily="49" charset="-122"/>
-              </a:rPr>
-              <a:t>:</a:t>
-            </a:r>
-          </a:p>
-          <a:p>
-            <a:pPr lvl="1" eaLnBrk="1" hangingPunct="1"/>
-            <a:r>
-              <a:rPr lang="en-US" altLang="zh-CN" sz="2400" smtClean="0">
-                <a:latin typeface="仿宋_GB2312" pitchFamily="49" charset="-122"/>
-                <a:ea typeface="仿宋_GB2312" pitchFamily="49" charset="-122"/>
-              </a:rPr>
-              <a:t>1.</a:t>
-            </a:r>
-            <a:r>
-              <a:rPr lang="zh-CN" altLang="en-US" sz="2400" smtClean="0">
-                <a:latin typeface="仿宋_GB2312" pitchFamily="49" charset="-122"/>
-                <a:ea typeface="仿宋_GB2312" pitchFamily="49" charset="-122"/>
-              </a:rPr>
-              <a:t>在命令模式下</a:t>
-            </a:r>
-            <a:r>
-              <a:rPr lang="en-US" altLang="zh-CN" sz="2400" smtClean="0">
-                <a:latin typeface="仿宋_GB2312" pitchFamily="49" charset="-122"/>
-                <a:ea typeface="仿宋_GB2312" pitchFamily="49" charset="-122"/>
-              </a:rPr>
-              <a:t>,</a:t>
-            </a:r>
-            <a:r>
-              <a:rPr lang="zh-CN" altLang="en-US" sz="2400" smtClean="0">
-                <a:latin typeface="仿宋_GB2312" pitchFamily="49" charset="-122"/>
-                <a:ea typeface="仿宋_GB2312" pitchFamily="49" charset="-122"/>
-              </a:rPr>
-              <a:t>连按两次大写字母</a:t>
-            </a:r>
-            <a:r>
-              <a:rPr lang="en-US" altLang="zh-CN" sz="2400" smtClean="0">
-                <a:latin typeface="仿宋_GB2312" pitchFamily="49" charset="-122"/>
-                <a:ea typeface="仿宋_GB2312" pitchFamily="49" charset="-122"/>
-              </a:rPr>
-              <a:t>&lt;Z&gt;</a:t>
-            </a:r>
-            <a:r>
-              <a:rPr lang="zh-CN" altLang="en-US" sz="2400" smtClean="0">
-                <a:latin typeface="仿宋_GB2312" pitchFamily="49" charset="-122"/>
-                <a:ea typeface="仿宋_GB2312" pitchFamily="49" charset="-122"/>
-              </a:rPr>
-              <a:t>。</a:t>
-            </a:r>
-          </a:p>
-          <a:p>
-            <a:pPr lvl="1" eaLnBrk="1" hangingPunct="1"/>
-            <a:r>
-              <a:rPr lang="en-US" altLang="zh-CN" sz="2400" smtClean="0">
-                <a:latin typeface="仿宋_GB2312" pitchFamily="49" charset="-122"/>
-                <a:ea typeface="仿宋_GB2312" pitchFamily="49" charset="-122"/>
-              </a:rPr>
-              <a:t>2.</a:t>
-            </a:r>
-            <a:r>
-              <a:rPr lang="zh-CN" altLang="en-US" sz="2400" smtClean="0">
-                <a:latin typeface="仿宋_GB2312" pitchFamily="49" charset="-122"/>
-                <a:ea typeface="仿宋_GB2312" pitchFamily="49" charset="-122"/>
-              </a:rPr>
-              <a:t>在末行模式下</a:t>
-            </a:r>
-            <a:r>
-              <a:rPr lang="en-US" altLang="zh-CN" sz="2400" smtClean="0">
-                <a:latin typeface="仿宋_GB2312" pitchFamily="49" charset="-122"/>
-                <a:ea typeface="仿宋_GB2312" pitchFamily="49" charset="-122"/>
-              </a:rPr>
-              <a:t>:</a:t>
-            </a:r>
-          </a:p>
-          <a:p>
-            <a:pPr lvl="2" eaLnBrk="1" hangingPunct="1">
-              <a:buFontTx/>
-              <a:buNone/>
-            </a:pPr>
-            <a:r>
-              <a:rPr lang="en-US" altLang="zh-CN" smtClean="0">
+              <a:rPr lang="en-US" altLang="zh-CN" sz="2800" dirty="0" smtClean="0">
                 <a:latin typeface="仿宋_GB2312" pitchFamily="49" charset="-122"/>
                 <a:ea typeface="仿宋_GB2312" pitchFamily="49" charset="-122"/>
               </a:rPr>
               <a:t> </a:t>
             </a:r>
             <a:r>
-              <a:rPr lang="en-US" altLang="zh-CN" b="1" smtClean="0">
-                <a:solidFill>
-                  <a:srgbClr val="FF0000"/>
-                </a:solidFill>
-                <a:latin typeface="仿宋_GB2312" pitchFamily="49" charset="-122"/>
-                <a:ea typeface="仿宋_GB2312" pitchFamily="49" charset="-122"/>
-              </a:rPr>
-              <a:t>:w </a:t>
-            </a:r>
-            <a:r>
-              <a:rPr lang="en-US" altLang="zh-CN" smtClean="0">
-                <a:solidFill>
-                  <a:srgbClr val="FF0000"/>
-                </a:solidFill>
-                <a:latin typeface="仿宋_GB2312" pitchFamily="49" charset="-122"/>
-                <a:ea typeface="仿宋_GB2312" pitchFamily="49" charset="-122"/>
-              </a:rPr>
-              <a:t>  </a:t>
-            </a:r>
-            <a:r>
-              <a:rPr lang="en-US" altLang="zh-CN" smtClean="0">
+              <a:rPr lang="en-US" altLang="zh-CN" sz="2800" b="0" dirty="0" smtClean="0">
                 <a:latin typeface="仿宋_GB2312" pitchFamily="49" charset="-122"/>
                 <a:ea typeface="仿宋_GB2312" pitchFamily="49" charset="-122"/>
               </a:rPr>
               <a:t>vi</a:t>
             </a:r>
             <a:r>
-              <a:rPr lang="zh-CN" altLang="en-US" smtClean="0">
-                <a:latin typeface="仿宋_GB2312" pitchFamily="49" charset="-122"/>
-                <a:ea typeface="仿宋_GB2312" pitchFamily="49" charset="-122"/>
-              </a:rPr>
-              <a:t>保存当前编辑的文件，但并不退出</a:t>
-            </a:r>
-            <a:r>
-              <a:rPr lang="en-US" altLang="zh-CN" smtClean="0">
-                <a:latin typeface="仿宋_GB2312" pitchFamily="49" charset="-122"/>
-                <a:ea typeface="仿宋_GB2312" pitchFamily="49" charset="-122"/>
-              </a:rPr>
-              <a:t>vi</a:t>
-            </a:r>
-            <a:r>
-              <a:rPr lang="zh-CN" altLang="en-US" smtClean="0">
-                <a:latin typeface="仿宋_GB2312" pitchFamily="49" charset="-122"/>
-                <a:ea typeface="仿宋_GB2312" pitchFamily="49" charset="-122"/>
-              </a:rPr>
-              <a:t>，而是继续等待用户输入命令。</a:t>
-            </a:r>
-          </a:p>
-          <a:p>
-            <a:pPr lvl="2" eaLnBrk="1" hangingPunct="1">
-              <a:buFontTx/>
-              <a:buNone/>
-            </a:pPr>
-            <a:r>
-              <a:rPr lang="zh-CN" altLang="en-US" b="1" smtClean="0">
+              <a:rPr lang="zh-CN" altLang="en-US" sz="2800" b="0" dirty="0" smtClean="0">
+                <a:latin typeface="仿宋_GB2312" pitchFamily="49" charset="-122"/>
+                <a:ea typeface="仿宋_GB2312" pitchFamily="49" charset="-122"/>
+              </a:rPr>
+              <a:t>的进入与退出</a:t>
+            </a:r>
+            <a:r>
+              <a:rPr lang="zh-CN" altLang="en-US" sz="2800" dirty="0" smtClean="0">
                 <a:latin typeface="仿宋_GB2312" pitchFamily="49" charset="-122"/>
                 <a:ea typeface="仿宋_GB2312" pitchFamily="49" charset="-122"/>
               </a:rPr>
               <a:t> </a:t>
-            </a:r>
-            <a:r>
-              <a:rPr lang="en-US" altLang="zh-CN" b="1" smtClean="0">
-                <a:solidFill>
-                  <a:srgbClr val="FF0000"/>
-                </a:solidFill>
-                <a:latin typeface="仿宋_GB2312" pitchFamily="49" charset="-122"/>
-                <a:ea typeface="仿宋_GB2312" pitchFamily="49" charset="-122"/>
-              </a:rPr>
-              <a:t>:w</a:t>
-            </a:r>
-            <a:r>
-              <a:rPr lang="en-US" altLang="zh-CN" smtClean="0">
-                <a:solidFill>
-                  <a:srgbClr val="FF0000"/>
-                </a:solidFill>
-                <a:latin typeface="仿宋_GB2312" pitchFamily="49" charset="-122"/>
-                <a:ea typeface="仿宋_GB2312" pitchFamily="49" charset="-122"/>
-              </a:rPr>
-              <a:t> </a:t>
-            </a:r>
-            <a:r>
-              <a:rPr lang="en-US" altLang="zh-CN" b="1" smtClean="0">
-                <a:solidFill>
-                  <a:srgbClr val="3366FF"/>
-                </a:solidFill>
-                <a:latin typeface="仿宋_GB2312" pitchFamily="49" charset="-122"/>
-                <a:ea typeface="仿宋_GB2312" pitchFamily="49" charset="-122"/>
-              </a:rPr>
-              <a:t>&lt;newfile&gt;</a:t>
-            </a:r>
-            <a:r>
-              <a:rPr lang="en-US" altLang="zh-CN" b="1" smtClean="0">
-                <a:latin typeface="仿宋_GB2312" pitchFamily="49" charset="-122"/>
-                <a:ea typeface="仿宋_GB2312" pitchFamily="49" charset="-122"/>
-              </a:rPr>
-              <a:t>	</a:t>
-            </a:r>
-          </a:p>
-          <a:p>
-            <a:pPr lvl="2" eaLnBrk="1" hangingPunct="1">
-              <a:buFontTx/>
-              <a:buNone/>
-            </a:pPr>
-            <a:r>
-              <a:rPr lang="en-US" altLang="zh-CN" smtClean="0">
-                <a:latin typeface="仿宋_GB2312" pitchFamily="49" charset="-122"/>
-                <a:ea typeface="仿宋_GB2312" pitchFamily="49" charset="-122"/>
-              </a:rPr>
-              <a:t> </a:t>
-            </a:r>
-            <a:r>
-              <a:rPr lang="en-US" altLang="zh-CN" b="1" smtClean="0">
-                <a:solidFill>
-                  <a:srgbClr val="FF0000"/>
-                </a:solidFill>
-                <a:latin typeface="仿宋_GB2312" pitchFamily="49" charset="-122"/>
-                <a:ea typeface="仿宋_GB2312" pitchFamily="49" charset="-122"/>
-              </a:rPr>
-              <a:t>:w!</a:t>
-            </a:r>
-            <a:r>
-              <a:rPr lang="en-US" altLang="zh-CN" smtClean="0">
-                <a:solidFill>
-                  <a:srgbClr val="FF0000"/>
-                </a:solidFill>
-                <a:latin typeface="仿宋_GB2312" pitchFamily="49" charset="-122"/>
-                <a:ea typeface="仿宋_GB2312" pitchFamily="49" charset="-122"/>
-              </a:rPr>
-              <a:t> </a:t>
-            </a:r>
-            <a:r>
-              <a:rPr lang="en-US" altLang="zh-CN" b="1" smtClean="0">
-                <a:solidFill>
-                  <a:srgbClr val="3366FF"/>
-                </a:solidFill>
-                <a:latin typeface="仿宋_GB2312" pitchFamily="49" charset="-122"/>
-                <a:ea typeface="仿宋_GB2312" pitchFamily="49" charset="-122"/>
-              </a:rPr>
-              <a:t>&lt;newfile&gt;</a:t>
-            </a:r>
-            <a:r>
-              <a:rPr lang="en-US" altLang="zh-CN" smtClean="0">
-                <a:solidFill>
-                  <a:srgbClr val="3366FF"/>
-                </a:solidFill>
-                <a:latin typeface="仿宋_GB2312" pitchFamily="49" charset="-122"/>
-                <a:ea typeface="仿宋_GB2312" pitchFamily="49" charset="-122"/>
-              </a:rPr>
-              <a:t>  </a:t>
-            </a:r>
-            <a:r>
-              <a:rPr lang="zh-CN" altLang="en-US" smtClean="0">
-                <a:latin typeface="仿宋_GB2312" pitchFamily="49" charset="-122"/>
-                <a:ea typeface="仿宋_GB2312" pitchFamily="49" charset="-122"/>
-              </a:rPr>
-              <a:t>把当前文件的内容保存到指定的文件</a:t>
-            </a:r>
-            <a:r>
-              <a:rPr lang="en-US" altLang="zh-CN" smtClean="0">
-                <a:latin typeface="仿宋_GB2312" pitchFamily="49" charset="-122"/>
-                <a:ea typeface="仿宋_GB2312" pitchFamily="49" charset="-122"/>
-              </a:rPr>
-              <a:t>newfile</a:t>
-            </a:r>
-            <a:r>
-              <a:rPr lang="zh-CN" altLang="en-US" smtClean="0">
-                <a:latin typeface="仿宋_GB2312" pitchFamily="49" charset="-122"/>
-                <a:ea typeface="仿宋_GB2312" pitchFamily="49" charset="-122"/>
-              </a:rPr>
-              <a:t>中，如果</a:t>
-            </a:r>
-            <a:r>
-              <a:rPr lang="en-US" altLang="zh-CN" smtClean="0">
-                <a:latin typeface="仿宋_GB2312" pitchFamily="49" charset="-122"/>
-                <a:ea typeface="仿宋_GB2312" pitchFamily="49" charset="-122"/>
-              </a:rPr>
-              <a:t>newfile</a:t>
-            </a:r>
-            <a:r>
-              <a:rPr lang="zh-CN" altLang="en-US" smtClean="0">
-                <a:latin typeface="仿宋_GB2312" pitchFamily="49" charset="-122"/>
-                <a:ea typeface="仿宋_GB2312" pitchFamily="49" charset="-122"/>
-              </a:rPr>
-              <a:t>已经存在，则覆盖原有内容。</a:t>
             </a:r>
           </a:p>
         </p:txBody>
@@ -13657,7 +12538,7 @@
       </p:grpSpPr>
       <p:sp>
         <p:nvSpPr>
-          <p:cNvPr id="14337" name="Rectangle 3"/>
+          <p:cNvPr id="16385" name="Rectangle 3"/>
           <p:cNvSpPr>
             <a:spLocks noGrp="1" noChangeArrowheads="1"/>
           </p:cNvSpPr>
@@ -13667,339 +12548,366 @@
         </p:nvSpPr>
         <p:spPr>
           <a:xfrm>
-            <a:off x="323850" y="1125538"/>
-            <a:ext cx="8458200" cy="4248150"/>
+            <a:off x="323850" y="479425"/>
+            <a:ext cx="8582025" cy="5832475"/>
           </a:xfrm>
         </p:spPr>
         <p:txBody>
           <a:bodyPr>
-            <a:normAutofit fontScale="92500" lnSpcReduction="20000"/>
+            <a:normAutofit fontScale="92500" lnSpcReduction="10000"/>
           </a:bodyPr>
           <a:lstStyle/>
           <a:p>
-            <a:pPr eaLnBrk="1" hangingPunct="1">
+            <a:pPr algn="just" eaLnBrk="1" hangingPunct="1"/>
+            <a:r>
+              <a:rPr lang="zh-CN" altLang="en-US" b="1" dirty="0" smtClean="0">
+                <a:solidFill>
+                  <a:schemeClr val="bg1"/>
+                </a:solidFill>
+                <a:latin typeface="仿宋_GB2312" pitchFamily="49" charset="-122"/>
+                <a:ea typeface="仿宋_GB2312" pitchFamily="49" charset="-122"/>
+              </a:rPr>
+              <a:t>使用</a:t>
+            </a:r>
+            <a:r>
+              <a:rPr lang="en-US" altLang="zh-CN" b="1" dirty="0" smtClean="0">
+                <a:solidFill>
+                  <a:schemeClr val="bg1"/>
+                </a:solidFill>
+                <a:latin typeface="仿宋_GB2312" pitchFamily="49" charset="-122"/>
+                <a:ea typeface="仿宋_GB2312" pitchFamily="49" charset="-122"/>
+              </a:rPr>
+              <a:t>vi</a:t>
+            </a:r>
+            <a:r>
+              <a:rPr lang="zh-CN" altLang="en-US" b="1" dirty="0" smtClean="0">
+                <a:solidFill>
+                  <a:schemeClr val="bg1"/>
+                </a:solidFill>
+                <a:latin typeface="仿宋_GB2312" pitchFamily="49" charset="-122"/>
+                <a:ea typeface="仿宋_GB2312" pitchFamily="49" charset="-122"/>
+              </a:rPr>
+              <a:t>编辑文档</a:t>
+            </a:r>
+          </a:p>
+          <a:p>
+            <a:pPr algn="just" eaLnBrk="1" hangingPunct="1"/>
+            <a:r>
+              <a:rPr lang="en-US" altLang="zh-CN" b="1" dirty="0" smtClean="0">
+                <a:latin typeface="仿宋_GB2312" pitchFamily="49" charset="-122"/>
+                <a:ea typeface="仿宋_GB2312" pitchFamily="49" charset="-122"/>
+              </a:rPr>
+              <a:t>1.</a:t>
+            </a:r>
+            <a:r>
+              <a:rPr lang="zh-CN" altLang="en-US" b="1" dirty="0" smtClean="0">
+                <a:latin typeface="仿宋_GB2312" pitchFamily="49" charset="-122"/>
+                <a:ea typeface="仿宋_GB2312" pitchFamily="49" charset="-122"/>
+              </a:rPr>
+              <a:t>新建一个文档</a:t>
+            </a:r>
+          </a:p>
+          <a:p>
+            <a:pPr algn="just" eaLnBrk="1" hangingPunct="1">
               <a:lnSpc>
-                <a:spcPct val="180000"/>
+                <a:spcPts val="4200"/>
               </a:lnSpc>
               <a:spcBef>
                 <a:spcPct val="0"/>
               </a:spcBef>
             </a:pPr>
             <a:r>
-              <a:rPr lang="zh-CN" altLang="en-US" smtClean="0"/>
-              <a:t>在</a:t>
-            </a:r>
-            <a:r>
-              <a:rPr lang="zh-CN" altLang="en-US" smtClean="0">
-                <a:latin typeface="仿宋_GB2312" pitchFamily="49" charset="-122"/>
-                <a:ea typeface="仿宋_GB2312" pitchFamily="49" charset="-122"/>
-              </a:rPr>
-              <a:t>末行模式下，有四种方法可以退出</a:t>
-            </a:r>
-            <a:r>
-              <a:rPr lang="en-US" altLang="zh-CN" smtClean="0">
+              <a:rPr lang="zh-CN" altLang="en-US" sz="2200" dirty="0" smtClean="0">
+                <a:latin typeface="仿宋_GB2312" pitchFamily="49" charset="-122"/>
+                <a:ea typeface="仿宋_GB2312" pitchFamily="49" charset="-122"/>
+              </a:rPr>
+              <a:t>      在</a:t>
+            </a:r>
+            <a:r>
+              <a:rPr lang="en-US" altLang="zh-CN" sz="2200" dirty="0" smtClean="0">
+                <a:latin typeface="仿宋_GB2312" pitchFamily="49" charset="-122"/>
+                <a:ea typeface="仿宋_GB2312" pitchFamily="49" charset="-122"/>
+              </a:rPr>
+              <a:t>Linux</a:t>
+            </a:r>
+            <a:r>
+              <a:rPr lang="zh-CN" altLang="en-US" sz="2200" dirty="0" smtClean="0">
+                <a:latin typeface="仿宋_GB2312" pitchFamily="49" charset="-122"/>
+                <a:ea typeface="仿宋_GB2312" pitchFamily="49" charset="-122"/>
+              </a:rPr>
+              <a:t>的终端命令主提示符下输入</a:t>
+            </a:r>
+            <a:r>
+              <a:rPr lang="en-US" altLang="zh-CN" sz="2200" dirty="0" smtClean="0">
                 <a:latin typeface="仿宋_GB2312" pitchFamily="49" charset="-122"/>
                 <a:ea typeface="仿宋_GB2312" pitchFamily="49" charset="-122"/>
               </a:rPr>
               <a:t>vi</a:t>
             </a:r>
             <a:r>
-              <a:rPr lang="zh-CN" altLang="en-US" smtClean="0">
-                <a:latin typeface="仿宋_GB2312" pitchFamily="49" charset="-122"/>
-                <a:ea typeface="仿宋_GB2312" pitchFamily="49" charset="-122"/>
-              </a:rPr>
-              <a:t>返回到</a:t>
-            </a:r>
-            <a:r>
-              <a:rPr lang="en-US" altLang="zh-CN" smtClean="0">
-                <a:latin typeface="仿宋_GB2312" pitchFamily="49" charset="-122"/>
-                <a:ea typeface="仿宋_GB2312" pitchFamily="49" charset="-122"/>
-              </a:rPr>
-              <a:t>shell</a:t>
-            </a:r>
-            <a:r>
-              <a:rPr lang="zh-CN" altLang="en-US" smtClean="0">
-                <a:latin typeface="仿宋_GB2312" pitchFamily="49" charset="-122"/>
-                <a:ea typeface="仿宋_GB2312" pitchFamily="49" charset="-122"/>
-              </a:rPr>
-              <a:t>：</a:t>
-            </a:r>
-          </a:p>
-          <a:p>
-            <a:pPr lvl="1" eaLnBrk="1" hangingPunct="1">
+              <a:rPr lang="zh-CN" altLang="en-US" sz="2200" dirty="0" smtClean="0">
+                <a:latin typeface="仿宋_GB2312" pitchFamily="49" charset="-122"/>
+                <a:ea typeface="仿宋_GB2312" pitchFamily="49" charset="-122"/>
+              </a:rPr>
+              <a:t>后可以打开其主界面，然后按下“</a:t>
+            </a:r>
+            <a:r>
+              <a:rPr lang="en-US" altLang="zh-CN" sz="2200" b="1" dirty="0" smtClean="0">
+                <a:solidFill>
+                  <a:srgbClr val="FF0000"/>
+                </a:solidFill>
+                <a:latin typeface="仿宋_GB2312" pitchFamily="49" charset="-122"/>
+                <a:ea typeface="仿宋_GB2312" pitchFamily="49" charset="-122"/>
+              </a:rPr>
+              <a:t>i</a:t>
+            </a:r>
+            <a:r>
+              <a:rPr lang="en-US" altLang="zh-CN" sz="2200" dirty="0" smtClean="0">
+                <a:latin typeface="仿宋_GB2312" pitchFamily="49" charset="-122"/>
+                <a:ea typeface="仿宋_GB2312" pitchFamily="49" charset="-122"/>
+              </a:rPr>
+              <a:t>”</a:t>
+            </a:r>
+            <a:r>
+              <a:rPr lang="zh-CN" altLang="en-US" sz="2200" dirty="0" smtClean="0">
+                <a:latin typeface="仿宋_GB2312" pitchFamily="49" charset="-122"/>
+                <a:ea typeface="仿宋_GB2312" pitchFamily="49" charset="-122"/>
+              </a:rPr>
+              <a:t>键，进入输入模式，然后输入文本，如图所示。可以使用</a:t>
+            </a:r>
+            <a:r>
+              <a:rPr lang="en-US" altLang="zh-CN" sz="2200" b="1" dirty="0" smtClean="0">
+                <a:solidFill>
+                  <a:srgbClr val="FF0000"/>
+                </a:solidFill>
+                <a:latin typeface="仿宋_GB2312" pitchFamily="49" charset="-122"/>
+                <a:ea typeface="仿宋_GB2312" pitchFamily="49" charset="-122"/>
+              </a:rPr>
+              <a:t>Enter</a:t>
+            </a:r>
+            <a:r>
+              <a:rPr lang="zh-CN" altLang="en-US" sz="2200" dirty="0" smtClean="0">
+                <a:latin typeface="仿宋_GB2312" pitchFamily="49" charset="-122"/>
+                <a:ea typeface="仿宋_GB2312" pitchFamily="49" charset="-122"/>
+              </a:rPr>
+              <a:t>键来换行，使用</a:t>
+            </a:r>
+            <a:r>
+              <a:rPr lang="en-US" altLang="zh-CN" sz="2200" b="1" dirty="0" smtClean="0">
+                <a:solidFill>
+                  <a:srgbClr val="FF0000"/>
+                </a:solidFill>
+                <a:latin typeface="仿宋_GB2312" pitchFamily="49" charset="-122"/>
+                <a:ea typeface="仿宋_GB2312" pitchFamily="49" charset="-122"/>
+              </a:rPr>
+              <a:t>Backspace</a:t>
+            </a:r>
+            <a:r>
+              <a:rPr lang="zh-CN" altLang="en-US" sz="2200" dirty="0" smtClean="0">
+                <a:latin typeface="仿宋_GB2312" pitchFamily="49" charset="-122"/>
+                <a:ea typeface="仿宋_GB2312" pitchFamily="49" charset="-122"/>
+              </a:rPr>
+              <a:t>键删除前面的文字。文本输入完成以后，按下“</a:t>
+            </a:r>
+            <a:r>
+              <a:rPr lang="en-US" altLang="zh-CN" sz="2200" b="1" dirty="0" smtClean="0">
+                <a:solidFill>
+                  <a:srgbClr val="FF0000"/>
+                </a:solidFill>
+                <a:latin typeface="仿宋_GB2312" pitchFamily="49" charset="-122"/>
+                <a:ea typeface="仿宋_GB2312" pitchFamily="49" charset="-122"/>
+              </a:rPr>
+              <a:t>Esc</a:t>
+            </a:r>
+            <a:r>
+              <a:rPr lang="en-US" altLang="zh-CN" sz="2200" dirty="0" smtClean="0">
+                <a:latin typeface="仿宋_GB2312" pitchFamily="49" charset="-122"/>
+                <a:ea typeface="仿宋_GB2312" pitchFamily="49" charset="-122"/>
+              </a:rPr>
+              <a:t>”</a:t>
+            </a:r>
+            <a:r>
+              <a:rPr lang="zh-CN" altLang="en-US" sz="2200" dirty="0" smtClean="0">
+                <a:latin typeface="仿宋_GB2312" pitchFamily="49" charset="-122"/>
+                <a:ea typeface="仿宋_GB2312" pitchFamily="49" charset="-122"/>
+              </a:rPr>
+              <a:t>键切换到命令模式。</a:t>
+            </a:r>
+          </a:p>
+          <a:p>
+            <a:pPr algn="just" eaLnBrk="1" hangingPunct="1">
               <a:lnSpc>
-                <a:spcPct val="180000"/>
+                <a:spcPts val="4200"/>
               </a:lnSpc>
               <a:spcBef>
                 <a:spcPct val="0"/>
               </a:spcBef>
-              <a:buFontTx/>
-              <a:buNone/>
             </a:pPr>
             <a:r>
-              <a:rPr lang="zh-CN" altLang="en-US" sz="2400" smtClean="0">
-                <a:latin typeface="仿宋_GB2312" pitchFamily="49" charset="-122"/>
-                <a:ea typeface="仿宋_GB2312" pitchFamily="49" charset="-122"/>
-              </a:rPr>
-              <a:t> </a:t>
-            </a:r>
-            <a:r>
-              <a:rPr lang="en-US" altLang="zh-CN" sz="2400" b="1" smtClean="0">
+              <a:rPr lang="zh-CN" altLang="en-US" sz="2200" dirty="0" smtClean="0">
+                <a:latin typeface="仿宋_GB2312" pitchFamily="49" charset="-122"/>
+                <a:ea typeface="仿宋_GB2312" pitchFamily="49" charset="-122"/>
+              </a:rPr>
+              <a:t>     为了保存输入的内容，在命令模式下输入“</a:t>
+            </a:r>
+            <a:r>
+              <a:rPr lang="en-US" altLang="zh-CN" sz="2200" b="1" dirty="0" smtClean="0">
                 <a:solidFill>
                   <a:srgbClr val="FF0000"/>
                 </a:solidFill>
                 <a:latin typeface="仿宋_GB2312" pitchFamily="49" charset="-122"/>
                 <a:ea typeface="仿宋_GB2312" pitchFamily="49" charset="-122"/>
               </a:rPr>
-              <a:t>:q</a:t>
-            </a:r>
-            <a:r>
-              <a:rPr lang="en-US" altLang="zh-CN" sz="2400" b="1" smtClean="0">
-                <a:latin typeface="仿宋_GB2312" pitchFamily="49" charset="-122"/>
-                <a:ea typeface="仿宋_GB2312" pitchFamily="49" charset="-122"/>
-              </a:rPr>
-              <a:t>	 </a:t>
-            </a:r>
-            <a:r>
-              <a:rPr lang="zh-CN" altLang="en-US" sz="2400" smtClean="0">
-                <a:latin typeface="仿宋_GB2312" pitchFamily="49" charset="-122"/>
-                <a:ea typeface="仿宋_GB2312" pitchFamily="49" charset="-122"/>
-              </a:rPr>
-              <a:t>系统退出</a:t>
-            </a:r>
-            <a:r>
-              <a:rPr lang="en-US" altLang="zh-CN" sz="2400" smtClean="0">
+              <a:t>:w </a:t>
+            </a:r>
+            <a:r>
+              <a:rPr lang="en-US" altLang="zh-CN" sz="2200" b="1" dirty="0" err="1" smtClean="0">
+                <a:solidFill>
+                  <a:srgbClr val="000099"/>
+                </a:solidFill>
+                <a:latin typeface="仿宋_GB2312" pitchFamily="49" charset="-122"/>
+                <a:ea typeface="仿宋_GB2312" pitchFamily="49" charset="-122"/>
+              </a:rPr>
+              <a:t>vi_test</a:t>
+            </a:r>
+            <a:r>
+              <a:rPr lang="en-US" altLang="zh-CN" sz="2200" dirty="0" smtClean="0">
+                <a:latin typeface="仿宋_GB2312" pitchFamily="49" charset="-122"/>
+                <a:ea typeface="仿宋_GB2312" pitchFamily="49" charset="-122"/>
+              </a:rPr>
+              <a:t>”</a:t>
+            </a:r>
+            <a:r>
+              <a:rPr lang="zh-CN" altLang="en-US" sz="2200" dirty="0" smtClean="0">
+                <a:latin typeface="仿宋_GB2312" pitchFamily="49" charset="-122"/>
+                <a:ea typeface="仿宋_GB2312" pitchFamily="49" charset="-122"/>
+              </a:rPr>
+              <a:t>，然后按</a:t>
+            </a:r>
+            <a:r>
+              <a:rPr lang="en-US" altLang="zh-CN" sz="2200" dirty="0" smtClean="0">
+                <a:latin typeface="仿宋_GB2312" pitchFamily="49" charset="-122"/>
+                <a:ea typeface="仿宋_GB2312" pitchFamily="49" charset="-122"/>
+              </a:rPr>
+              <a:t>Enter</a:t>
+            </a:r>
+            <a:r>
+              <a:rPr lang="zh-CN" altLang="en-US" sz="2200" dirty="0" smtClean="0">
+                <a:latin typeface="仿宋_GB2312" pitchFamily="49" charset="-122"/>
+                <a:ea typeface="仿宋_GB2312" pitchFamily="49" charset="-122"/>
+              </a:rPr>
+              <a:t>键，此时</a:t>
+            </a:r>
+            <a:r>
+              <a:rPr lang="en-US" altLang="zh-CN" sz="2200" dirty="0" smtClean="0">
                 <a:latin typeface="仿宋_GB2312" pitchFamily="49" charset="-122"/>
                 <a:ea typeface="仿宋_GB2312" pitchFamily="49" charset="-122"/>
               </a:rPr>
               <a:t>vi</a:t>
             </a:r>
             <a:r>
-              <a:rPr lang="zh-CN" altLang="en-US" sz="2400" smtClean="0">
-                <a:latin typeface="仿宋_GB2312" pitchFamily="49" charset="-122"/>
-                <a:ea typeface="仿宋_GB2312" pitchFamily="49" charset="-122"/>
-              </a:rPr>
-              <a:t>返回到</a:t>
-            </a:r>
-            <a:r>
-              <a:rPr lang="en-US" altLang="zh-CN" sz="2400" smtClean="0">
-                <a:latin typeface="仿宋_GB2312" pitchFamily="49" charset="-122"/>
-                <a:ea typeface="仿宋_GB2312" pitchFamily="49" charset="-122"/>
-              </a:rPr>
-              <a:t>shell</a:t>
-            </a:r>
-            <a:r>
-              <a:rPr lang="zh-CN" altLang="en-US" sz="2400" smtClean="0">
-                <a:latin typeface="仿宋_GB2312" pitchFamily="49" charset="-122"/>
-                <a:ea typeface="仿宋_GB2312" pitchFamily="49" charset="-122"/>
-              </a:rPr>
-              <a:t>。在用此命令时，若编辑的文件没有被保存，则</a:t>
-            </a:r>
-            <a:r>
-              <a:rPr lang="en-US" altLang="zh-CN" sz="2400" smtClean="0">
-                <a:latin typeface="仿宋_GB2312" pitchFamily="49" charset="-122"/>
-                <a:ea typeface="仿宋_GB2312" pitchFamily="49" charset="-122"/>
-              </a:rPr>
-              <a:t>vi</a:t>
-            </a:r>
-            <a:r>
-              <a:rPr lang="zh-CN" altLang="en-US" sz="2400" smtClean="0">
-                <a:latin typeface="仿宋_GB2312" pitchFamily="49" charset="-122"/>
-                <a:ea typeface="仿宋_GB2312" pitchFamily="49" charset="-122"/>
-              </a:rPr>
-              <a:t>在窗口的最末行给出提示信息。</a:t>
-            </a:r>
-          </a:p>
-          <a:p>
-            <a:pPr lvl="1" eaLnBrk="1" hangingPunct="1">
+              <a:rPr lang="zh-CN" altLang="en-US" sz="2200" dirty="0" smtClean="0">
+                <a:latin typeface="仿宋_GB2312" pitchFamily="49" charset="-122"/>
+                <a:ea typeface="仿宋_GB2312" pitchFamily="49" charset="-122"/>
+              </a:rPr>
+              <a:t>会新建一个</a:t>
+            </a:r>
+            <a:r>
+              <a:rPr lang="en-US" altLang="zh-CN" sz="2200" dirty="0" err="1" smtClean="0">
+                <a:latin typeface="仿宋_GB2312" pitchFamily="49" charset="-122"/>
+                <a:ea typeface="仿宋_GB2312" pitchFamily="49" charset="-122"/>
+              </a:rPr>
+              <a:t>vi_test</a:t>
+            </a:r>
+            <a:r>
+              <a:rPr lang="zh-CN" altLang="en-US" sz="2200" dirty="0" smtClean="0">
+                <a:latin typeface="仿宋_GB2312" pitchFamily="49" charset="-122"/>
+                <a:ea typeface="仿宋_GB2312" pitchFamily="49" charset="-122"/>
+              </a:rPr>
+              <a:t>文件，将文本区输入的内容写入该文件。</a:t>
+            </a:r>
+          </a:p>
+          <a:p>
+            <a:pPr algn="just" eaLnBrk="1" hangingPunct="1">
               <a:lnSpc>
-                <a:spcPct val="180000"/>
+                <a:spcPts val="4200"/>
               </a:lnSpc>
               <a:spcBef>
                 <a:spcPct val="0"/>
               </a:spcBef>
-              <a:buFontTx/>
-              <a:buNone/>
             </a:pPr>
             <a:r>
-              <a:rPr lang="zh-CN" altLang="en-US" sz="2400" b="1" smtClean="0">
-                <a:latin typeface="仿宋_GB2312" pitchFamily="49" charset="-122"/>
-                <a:ea typeface="仿宋_GB2312" pitchFamily="49" charset="-122"/>
-              </a:rPr>
-              <a:t> </a:t>
-            </a:r>
-            <a:r>
-              <a:rPr lang="en-US" altLang="zh-CN" sz="2400" b="1" smtClean="0">
+              <a:rPr lang="zh-CN" altLang="en-US" sz="2200" dirty="0" smtClean="0">
+                <a:latin typeface="仿宋_GB2312" pitchFamily="49" charset="-122"/>
+                <a:ea typeface="仿宋_GB2312" pitchFamily="49" charset="-122"/>
+              </a:rPr>
+              <a:t>      在命令行模式下输入“</a:t>
+            </a:r>
+            <a:r>
+              <a:rPr lang="en-US" altLang="zh-CN" sz="2200" b="1" dirty="0" smtClean="0">
                 <a:solidFill>
                   <a:srgbClr val="FF0000"/>
                 </a:solidFill>
                 <a:latin typeface="仿宋_GB2312" pitchFamily="49" charset="-122"/>
                 <a:ea typeface="仿宋_GB2312" pitchFamily="49" charset="-122"/>
               </a:rPr>
-              <a:t>:q!</a:t>
-            </a:r>
-            <a:r>
-              <a:rPr lang="en-US" altLang="zh-CN" sz="2400" b="1" smtClean="0">
-                <a:latin typeface="仿宋_GB2312" pitchFamily="49" charset="-122"/>
-                <a:ea typeface="仿宋_GB2312" pitchFamily="49" charset="-122"/>
-              </a:rPr>
-              <a:t>	 </a:t>
-            </a:r>
-            <a:r>
-              <a:rPr lang="en-US" altLang="zh-CN" sz="2400" smtClean="0">
+              <a:t>:q</a:t>
+            </a:r>
+            <a:r>
+              <a:rPr lang="en-US" altLang="zh-CN" sz="2200" dirty="0" smtClean="0">
+                <a:latin typeface="仿宋_GB2312" pitchFamily="49" charset="-122"/>
+                <a:ea typeface="仿宋_GB2312" pitchFamily="49" charset="-122"/>
+              </a:rPr>
+              <a:t>”</a:t>
+            </a:r>
+            <a:r>
+              <a:rPr lang="zh-CN" altLang="en-US" sz="2200" dirty="0" smtClean="0">
+                <a:latin typeface="仿宋_GB2312" pitchFamily="49" charset="-122"/>
+                <a:ea typeface="仿宋_GB2312" pitchFamily="49" charset="-122"/>
+              </a:rPr>
+              <a:t>（引号内的部分）并按</a:t>
+            </a:r>
+            <a:r>
+              <a:rPr lang="en-US" altLang="zh-CN" sz="2200" dirty="0" smtClean="0">
+                <a:latin typeface="仿宋_GB2312" pitchFamily="49" charset="-122"/>
+                <a:ea typeface="仿宋_GB2312" pitchFamily="49" charset="-122"/>
+              </a:rPr>
+              <a:t>Enter</a:t>
+            </a:r>
+            <a:r>
+              <a:rPr lang="zh-CN" altLang="en-US" sz="2200" dirty="0" smtClean="0">
+                <a:latin typeface="仿宋_GB2312" pitchFamily="49" charset="-122"/>
+                <a:ea typeface="仿宋_GB2312" pitchFamily="49" charset="-122"/>
+              </a:rPr>
+              <a:t>键，退出</a:t>
+            </a:r>
+            <a:r>
+              <a:rPr lang="en-US" altLang="zh-CN" sz="2200" dirty="0" smtClean="0">
                 <a:latin typeface="仿宋_GB2312" pitchFamily="49" charset="-122"/>
                 <a:ea typeface="仿宋_GB2312" pitchFamily="49" charset="-122"/>
               </a:rPr>
               <a:t>vi</a:t>
             </a:r>
             <a:r>
-              <a:rPr lang="zh-CN" altLang="en-US" sz="2400" smtClean="0">
-                <a:latin typeface="仿宋_GB2312" pitchFamily="49" charset="-122"/>
-                <a:ea typeface="仿宋_GB2312" pitchFamily="49" charset="-122"/>
-              </a:rPr>
-              <a:t>放弃所作修改而直接退到</a:t>
-            </a:r>
-            <a:r>
-              <a:rPr lang="en-US" altLang="zh-CN" sz="2400" smtClean="0">
+              <a:rPr lang="zh-CN" altLang="en-US" sz="2200" dirty="0" smtClean="0">
+                <a:latin typeface="仿宋_GB2312" pitchFamily="49" charset="-122"/>
+                <a:ea typeface="仿宋_GB2312" pitchFamily="49" charset="-122"/>
+              </a:rPr>
+              <a:t>，并回到</a:t>
+            </a:r>
+            <a:r>
+              <a:rPr lang="en-US" altLang="zh-CN" sz="2200" dirty="0" smtClean="0">
                 <a:latin typeface="仿宋_GB2312" pitchFamily="49" charset="-122"/>
                 <a:ea typeface="仿宋_GB2312" pitchFamily="49" charset="-122"/>
               </a:rPr>
               <a:t>shell</a:t>
             </a:r>
             <a:r>
-              <a:rPr lang="zh-CN" altLang="en-US" sz="2400" smtClean="0">
-                <a:latin typeface="仿宋_GB2312" pitchFamily="49" charset="-122"/>
-                <a:ea typeface="仿宋_GB2312" pitchFamily="49" charset="-122"/>
-              </a:rPr>
-              <a:t>下。</a:t>
-            </a:r>
-          </a:p>
-          <a:p>
-            <a:pPr lvl="1" eaLnBrk="1" hangingPunct="1">
-              <a:lnSpc>
-                <a:spcPct val="180000"/>
-              </a:lnSpc>
-              <a:spcBef>
-                <a:spcPct val="0"/>
-              </a:spcBef>
-              <a:buFontTx/>
-              <a:buNone/>
-            </a:pPr>
-            <a:r>
-              <a:rPr lang="zh-CN" altLang="en-US" sz="2400" smtClean="0">
-                <a:latin typeface="仿宋_GB2312" pitchFamily="49" charset="-122"/>
-                <a:ea typeface="仿宋_GB2312" pitchFamily="49" charset="-122"/>
-              </a:rPr>
-              <a:t> </a:t>
-            </a:r>
-            <a:r>
-              <a:rPr lang="en-US" altLang="zh-CN" sz="2400" b="1" smtClean="0">
-                <a:solidFill>
-                  <a:srgbClr val="FF0000"/>
-                </a:solidFill>
-                <a:latin typeface="仿宋_GB2312" pitchFamily="49" charset="-122"/>
-                <a:ea typeface="仿宋_GB2312" pitchFamily="49" charset="-122"/>
-              </a:rPr>
-              <a:t>:wq</a:t>
-            </a:r>
-            <a:r>
-              <a:rPr lang="en-US" altLang="zh-CN" sz="2400" b="1" smtClean="0">
-                <a:latin typeface="仿宋_GB2312" pitchFamily="49" charset="-122"/>
-                <a:ea typeface="仿宋_GB2312" pitchFamily="49" charset="-122"/>
-              </a:rPr>
-              <a:t>	 </a:t>
-            </a:r>
-            <a:r>
-              <a:rPr lang="zh-CN" altLang="en-US" sz="2400" smtClean="0">
-                <a:latin typeface="仿宋_GB2312" pitchFamily="49" charset="-122"/>
-                <a:ea typeface="仿宋_GB2312" pitchFamily="49" charset="-122"/>
-              </a:rPr>
-              <a:t>先保存文件，然后再退出</a:t>
-            </a:r>
-            <a:r>
-              <a:rPr lang="en-US" altLang="zh-CN" sz="2400" smtClean="0">
-                <a:latin typeface="仿宋_GB2312" pitchFamily="49" charset="-122"/>
-                <a:ea typeface="仿宋_GB2312" pitchFamily="49" charset="-122"/>
-              </a:rPr>
-              <a:t>vi</a:t>
-            </a:r>
-            <a:r>
-              <a:rPr lang="zh-CN" altLang="en-US" sz="2400" smtClean="0">
-                <a:latin typeface="仿宋_GB2312" pitchFamily="49" charset="-122"/>
-                <a:ea typeface="仿宋_GB2312" pitchFamily="49" charset="-122"/>
-              </a:rPr>
-              <a:t>返回到</a:t>
-            </a:r>
-            <a:r>
-              <a:rPr lang="en-US" altLang="zh-CN" sz="2400" smtClean="0">
-                <a:latin typeface="仿宋_GB2312" pitchFamily="49" charset="-122"/>
-                <a:ea typeface="仿宋_GB2312" pitchFamily="49" charset="-122"/>
-              </a:rPr>
-              <a:t>shell</a:t>
-            </a:r>
-            <a:r>
-              <a:rPr lang="zh-CN" altLang="en-US" sz="2400" smtClean="0">
-                <a:latin typeface="仿宋_GB2312" pitchFamily="49" charset="-122"/>
-                <a:ea typeface="仿宋_GB2312" pitchFamily="49" charset="-122"/>
-              </a:rPr>
-              <a:t>。</a:t>
-            </a:r>
-          </a:p>
-          <a:p>
-            <a:pPr lvl="1" eaLnBrk="1" hangingPunct="1">
-              <a:lnSpc>
-                <a:spcPct val="180000"/>
-              </a:lnSpc>
-              <a:spcBef>
-                <a:spcPct val="0"/>
-              </a:spcBef>
-              <a:buFontTx/>
-              <a:buNone/>
-            </a:pPr>
-            <a:r>
-              <a:rPr lang="zh-CN" altLang="en-US" sz="2400" b="1" smtClean="0">
-                <a:latin typeface="仿宋_GB2312" pitchFamily="49" charset="-122"/>
-                <a:ea typeface="仿宋_GB2312" pitchFamily="49" charset="-122"/>
-              </a:rPr>
-              <a:t> </a:t>
-            </a:r>
-            <a:r>
-              <a:rPr lang="en-US" altLang="zh-CN" sz="2400" b="1" smtClean="0">
-                <a:solidFill>
-                  <a:srgbClr val="FF0000"/>
-                </a:solidFill>
-                <a:latin typeface="仿宋_GB2312" pitchFamily="49" charset="-122"/>
-                <a:ea typeface="仿宋_GB2312" pitchFamily="49" charset="-122"/>
-              </a:rPr>
-              <a:t>:x</a:t>
-            </a:r>
-            <a:r>
-              <a:rPr lang="en-US" altLang="zh-CN" sz="2400" b="1" smtClean="0">
-                <a:latin typeface="仿宋_GB2312" pitchFamily="49" charset="-122"/>
-                <a:ea typeface="仿宋_GB2312" pitchFamily="49" charset="-122"/>
-              </a:rPr>
-              <a:t>	 </a:t>
-            </a:r>
-            <a:r>
-              <a:rPr lang="zh-CN" altLang="en-US" sz="2400" smtClean="0">
-                <a:latin typeface="仿宋_GB2312" pitchFamily="49" charset="-122"/>
-                <a:ea typeface="仿宋_GB2312" pitchFamily="49" charset="-122"/>
-              </a:rPr>
-              <a:t>该命令的功能与命令模式下的</a:t>
-            </a:r>
-            <a:r>
-              <a:rPr lang="en-US" altLang="zh-CN" sz="2400" smtClean="0">
-                <a:latin typeface="仿宋_GB2312" pitchFamily="49" charset="-122"/>
-                <a:ea typeface="仿宋_GB2312" pitchFamily="49" charset="-122"/>
-              </a:rPr>
-              <a:t>ZZ</a:t>
-            </a:r>
-            <a:r>
-              <a:rPr lang="zh-CN" altLang="en-US" sz="2400" smtClean="0">
-                <a:latin typeface="仿宋_GB2312" pitchFamily="49" charset="-122"/>
-                <a:ea typeface="仿宋_GB2312" pitchFamily="49" charset="-122"/>
-              </a:rPr>
-              <a:t>命令功能相同 </a:t>
+              <a:rPr lang="zh-CN" altLang="en-US" sz="2200" dirty="0" smtClean="0">
+                <a:latin typeface="仿宋_GB2312" pitchFamily="49" charset="-122"/>
+                <a:ea typeface="仿宋_GB2312" pitchFamily="49" charset="-122"/>
+              </a:rPr>
+              <a:t>命令提示符。</a:t>
             </a:r>
           </a:p>
         </p:txBody>
@@ -14007,7 +12915,7 @@
     </p:spTree>
     <p:extLst>
       <p:ext uri="{BB962C8B-B14F-4D97-AF65-F5344CB8AC3E}">
-        <p14:creationId xmlns:p14="http://schemas.microsoft.com/office/powerpoint/2010/main" val="4212348484"/>
+        <p14:creationId xmlns:p14="http://schemas.microsoft.com/office/powerpoint/2010/main" val="1625415986"/>
       </p:ext>
     </p:extLst>
   </p:cSld>
